--- a/2022/01_OCIO_V2_sample/ppt/illust.pptx
+++ b/2022/01_OCIO_V2_sample/ppt/illust.pptx
@@ -6,6 +6,8 @@
   </p:sldMasterIdLst>
   <p:sldIdLst>
     <p:sldId id="256" r:id="rId2"/>
+    <p:sldId id="257" r:id="rId3"/>
+    <p:sldId id="258" r:id="rId4"/>
   </p:sldIdLst>
   <p:sldSz cx="12192000" cy="6858000"/>
   <p:notesSz cx="6858000" cy="9144000"/>
@@ -143,6 +145,385 @@
 </p:presentation>
 </file>
 
+<file path=ppt/changesInfos/changesInfo1.xml><?xml version="1.0" encoding="utf-8"?>
+<pc:chgInfo xmlns:a="http://schemas.openxmlformats.org/drawingml/2006/main" xmlns:r="http://schemas.openxmlformats.org/officeDocument/2006/relationships" xmlns:ac="http://schemas.microsoft.com/office/drawing/2013/main/command" xmlns:pc="http://schemas.microsoft.com/office/powerpoint/2013/main/command">
+  <pc:docChgLst>
+    <pc:chgData name="Yoshihara Toru" userId="86ccaa3c9aeaa58c" providerId="LiveId" clId="{E30127E3-9599-4239-9F12-1E66F26A1DD4}"/>
+    <pc:docChg chg="undo custSel addSld delSld modSld">
+      <pc:chgData name="Yoshihara Toru" userId="86ccaa3c9aeaa58c" providerId="LiveId" clId="{E30127E3-9599-4239-9F12-1E66F26A1DD4}" dt="2022-01-15T12:47:47.180" v="247" actId="1036"/>
+      <pc:docMkLst>
+        <pc:docMk/>
+      </pc:docMkLst>
+      <pc:sldChg chg="addSp delSp modSp add mod">
+        <pc:chgData name="Yoshihara Toru" userId="86ccaa3c9aeaa58c" providerId="LiveId" clId="{E30127E3-9599-4239-9F12-1E66F26A1DD4}" dt="2022-01-15T12:47:14.737" v="244" actId="1076"/>
+        <pc:sldMkLst>
+          <pc:docMk/>
+          <pc:sldMk cId="339757701" sldId="257"/>
+        </pc:sldMkLst>
+        <pc:spChg chg="add del">
+          <ac:chgData name="Yoshihara Toru" userId="86ccaa3c9aeaa58c" providerId="LiveId" clId="{E30127E3-9599-4239-9F12-1E66F26A1DD4}" dt="2022-01-13T11:39:52.638" v="100" actId="478"/>
+          <ac:spMkLst>
+            <pc:docMk/>
+            <pc:sldMk cId="339757701" sldId="257"/>
+            <ac:spMk id="2" creationId="{A0158456-E857-4471-85B7-07F18F092166}"/>
+          </ac:spMkLst>
+        </pc:spChg>
+        <pc:spChg chg="add mod">
+          <ac:chgData name="Yoshihara Toru" userId="86ccaa3c9aeaa58c" providerId="LiveId" clId="{E30127E3-9599-4239-9F12-1E66F26A1DD4}" dt="2022-01-15T12:45:37.554" v="233" actId="207"/>
+          <ac:spMkLst>
+            <pc:docMk/>
+            <pc:sldMk cId="339757701" sldId="257"/>
+            <ac:spMk id="2" creationId="{D9F90628-E935-4933-A5AD-6559B1C8E806}"/>
+          </ac:spMkLst>
+        </pc:spChg>
+        <pc:spChg chg="add del mod">
+          <ac:chgData name="Yoshihara Toru" userId="86ccaa3c9aeaa58c" providerId="LiveId" clId="{E30127E3-9599-4239-9F12-1E66F26A1DD4}" dt="2022-01-15T12:45:41.906" v="234" actId="478"/>
+          <ac:spMkLst>
+            <pc:docMk/>
+            <pc:sldMk cId="339757701" sldId="257"/>
+            <ac:spMk id="3" creationId="{217E33FF-EE1F-435B-B131-667CF6015F83}"/>
+          </ac:spMkLst>
+        </pc:spChg>
+        <pc:spChg chg="add del">
+          <ac:chgData name="Yoshihara Toru" userId="86ccaa3c9aeaa58c" providerId="LiveId" clId="{E30127E3-9599-4239-9F12-1E66F26A1DD4}" dt="2022-01-13T11:43:00.556" v="201" actId="11529"/>
+          <ac:spMkLst>
+            <pc:docMk/>
+            <pc:sldMk cId="339757701" sldId="257"/>
+            <ac:spMk id="5" creationId="{663923A6-F74D-4B1B-824E-D964EA189556}"/>
+          </ac:spMkLst>
+        </pc:spChg>
+        <pc:spChg chg="mod">
+          <ac:chgData name="Yoshihara Toru" userId="86ccaa3c9aeaa58c" providerId="LiveId" clId="{E30127E3-9599-4239-9F12-1E66F26A1DD4}" dt="2022-01-12T16:13:40.908" v="24" actId="20577"/>
+          <ac:spMkLst>
+            <pc:docMk/>
+            <pc:sldMk cId="339757701" sldId="257"/>
+            <ac:spMk id="7" creationId="{D3486E43-8F8C-4D80-BD7A-64B9253237A0}"/>
+          </ac:spMkLst>
+        </pc:spChg>
+        <pc:spChg chg="add mod">
+          <ac:chgData name="Yoshihara Toru" userId="86ccaa3c9aeaa58c" providerId="LiveId" clId="{E30127E3-9599-4239-9F12-1E66F26A1DD4}" dt="2022-01-15T12:47:14.737" v="244" actId="1076"/>
+          <ac:spMkLst>
+            <pc:docMk/>
+            <pc:sldMk cId="339757701" sldId="257"/>
+            <ac:spMk id="12" creationId="{B56B19F2-480F-4371-A927-479A3F458916}"/>
+          </ac:spMkLst>
+        </pc:spChg>
+        <pc:spChg chg="add del">
+          <ac:chgData name="Yoshihara Toru" userId="86ccaa3c9aeaa58c" providerId="LiveId" clId="{E30127E3-9599-4239-9F12-1E66F26A1DD4}" dt="2022-01-12T16:16:56.957" v="32" actId="478"/>
+          <ac:spMkLst>
+            <pc:docMk/>
+            <pc:sldMk cId="339757701" sldId="257"/>
+            <ac:spMk id="13" creationId="{C98704C5-9544-4F40-8BF7-86B1F63D6841}"/>
+          </ac:spMkLst>
+        </pc:spChg>
+        <pc:spChg chg="mod">
+          <ac:chgData name="Yoshihara Toru" userId="86ccaa3c9aeaa58c" providerId="LiveId" clId="{E30127E3-9599-4239-9F12-1E66F26A1DD4}" dt="2022-01-12T16:20:23.233" v="76" actId="207"/>
+          <ac:spMkLst>
+            <pc:docMk/>
+            <pc:sldMk cId="339757701" sldId="257"/>
+            <ac:spMk id="14" creationId="{4E2E22E4-5B63-4E99-977C-0D92C83BFB2C}"/>
+          </ac:spMkLst>
+        </pc:spChg>
+        <pc:spChg chg="del">
+          <ac:chgData name="Yoshihara Toru" userId="86ccaa3c9aeaa58c" providerId="LiveId" clId="{E30127E3-9599-4239-9F12-1E66F26A1DD4}" dt="2022-01-12T16:17:21.991" v="39" actId="478"/>
+          <ac:spMkLst>
+            <pc:docMk/>
+            <pc:sldMk cId="339757701" sldId="257"/>
+            <ac:spMk id="15" creationId="{B89CBE1F-69CE-4AAF-80C7-5F9301C128C9}"/>
+          </ac:spMkLst>
+        </pc:spChg>
+        <pc:spChg chg="mod">
+          <ac:chgData name="Yoshihara Toru" userId="86ccaa3c9aeaa58c" providerId="LiveId" clId="{E30127E3-9599-4239-9F12-1E66F26A1DD4}" dt="2022-01-12T16:20:27.418" v="77" actId="207"/>
+          <ac:spMkLst>
+            <pc:docMk/>
+            <pc:sldMk cId="339757701" sldId="257"/>
+            <ac:spMk id="19" creationId="{ACB1AE88-CAD9-4618-85C5-6205AD9BA4E3}"/>
+          </ac:spMkLst>
+        </pc:spChg>
+        <pc:spChg chg="add mod">
+          <ac:chgData name="Yoshihara Toru" userId="86ccaa3c9aeaa58c" providerId="LiveId" clId="{E30127E3-9599-4239-9F12-1E66F26A1DD4}" dt="2022-01-12T16:19:10.848" v="67" actId="14100"/>
+          <ac:spMkLst>
+            <pc:docMk/>
+            <pc:sldMk cId="339757701" sldId="257"/>
+            <ac:spMk id="45" creationId="{E38074C0-A3B3-4615-BC4B-A64EC69B2D87}"/>
+          </ac:spMkLst>
+        </pc:spChg>
+        <pc:spChg chg="add mod">
+          <ac:chgData name="Yoshihara Toru" userId="86ccaa3c9aeaa58c" providerId="LiveId" clId="{E30127E3-9599-4239-9F12-1E66F26A1DD4}" dt="2022-01-12T16:19:32.235" v="70" actId="255"/>
+          <ac:spMkLst>
+            <pc:docMk/>
+            <pc:sldMk cId="339757701" sldId="257"/>
+            <ac:spMk id="52" creationId="{07512D3C-3061-44D6-8B6E-1A17CEB2016C}"/>
+          </ac:spMkLst>
+        </pc:spChg>
+        <pc:spChg chg="mod">
+          <ac:chgData name="Yoshihara Toru" userId="86ccaa3c9aeaa58c" providerId="LiveId" clId="{E30127E3-9599-4239-9F12-1E66F26A1DD4}" dt="2022-01-13T11:42:59.355" v="200" actId="1076"/>
+          <ac:spMkLst>
+            <pc:docMk/>
+            <pc:sldMk cId="339757701" sldId="257"/>
+            <ac:spMk id="79" creationId="{8572B06B-B670-4D5A-BDA0-E5B358611F06}"/>
+          </ac:spMkLst>
+        </pc:spChg>
+        <pc:cxnChg chg="mod">
+          <ac:chgData name="Yoshihara Toru" userId="86ccaa3c9aeaa58c" providerId="LiveId" clId="{E30127E3-9599-4239-9F12-1E66F26A1DD4}" dt="2022-01-12T16:20:41.642" v="78" actId="208"/>
+          <ac:cxnSpMkLst>
+            <pc:docMk/>
+            <pc:sldMk cId="339757701" sldId="257"/>
+            <ac:cxnSpMk id="24" creationId="{B40F5F88-C586-4D0A-8175-5CEEF6F27BE4}"/>
+          </ac:cxnSpMkLst>
+        </pc:cxnChg>
+        <pc:cxnChg chg="mod">
+          <ac:chgData name="Yoshihara Toru" userId="86ccaa3c9aeaa58c" providerId="LiveId" clId="{E30127E3-9599-4239-9F12-1E66F26A1DD4}" dt="2022-01-12T16:20:45.619" v="79" actId="108"/>
+          <ac:cxnSpMkLst>
+            <pc:docMk/>
+            <pc:sldMk cId="339757701" sldId="257"/>
+            <ac:cxnSpMk id="26" creationId="{8DE12BD6-D99B-43B1-9AF2-4B44861AEE60}"/>
+          </ac:cxnSpMkLst>
+        </pc:cxnChg>
+        <pc:cxnChg chg="mod">
+          <ac:chgData name="Yoshihara Toru" userId="86ccaa3c9aeaa58c" providerId="LiveId" clId="{E30127E3-9599-4239-9F12-1E66F26A1DD4}" dt="2022-01-12T16:20:01.232" v="71" actId="208"/>
+          <ac:cxnSpMkLst>
+            <pc:docMk/>
+            <pc:sldMk cId="339757701" sldId="257"/>
+            <ac:cxnSpMk id="28" creationId="{FB631A3D-06E2-4DDE-9F86-E4CF755FD393}"/>
+          </ac:cxnSpMkLst>
+        </pc:cxnChg>
+        <pc:cxnChg chg="mod">
+          <ac:chgData name="Yoshihara Toru" userId="86ccaa3c9aeaa58c" providerId="LiveId" clId="{E30127E3-9599-4239-9F12-1E66F26A1DD4}" dt="2022-01-12T16:20:46.889" v="80" actId="108"/>
+          <ac:cxnSpMkLst>
+            <pc:docMk/>
+            <pc:sldMk cId="339757701" sldId="257"/>
+            <ac:cxnSpMk id="30" creationId="{A00F0186-3075-4DA9-85C0-DC7CBE3F503E}"/>
+          </ac:cxnSpMkLst>
+        </pc:cxnChg>
+        <pc:cxnChg chg="mod">
+          <ac:chgData name="Yoshihara Toru" userId="86ccaa3c9aeaa58c" providerId="LiveId" clId="{E30127E3-9599-4239-9F12-1E66F26A1DD4}" dt="2022-01-12T16:20:47.840" v="81" actId="108"/>
+          <ac:cxnSpMkLst>
+            <pc:docMk/>
+            <pc:sldMk cId="339757701" sldId="257"/>
+            <ac:cxnSpMk id="32" creationId="{D2A8A8E6-B2E5-45DE-BA4D-7ADBFFDB6AD2}"/>
+          </ac:cxnSpMkLst>
+        </pc:cxnChg>
+        <pc:cxnChg chg="mod">
+          <ac:chgData name="Yoshihara Toru" userId="86ccaa3c9aeaa58c" providerId="LiveId" clId="{E30127E3-9599-4239-9F12-1E66F26A1DD4}" dt="2022-01-12T16:20:06.110" v="72" actId="108"/>
+          <ac:cxnSpMkLst>
+            <pc:docMk/>
+            <pc:sldMk cId="339757701" sldId="257"/>
+            <ac:cxnSpMk id="34" creationId="{5B2224A9-9B2C-4477-8E08-E82835C05B78}"/>
+          </ac:cxnSpMkLst>
+        </pc:cxnChg>
+        <pc:cxnChg chg="mod">
+          <ac:chgData name="Yoshihara Toru" userId="86ccaa3c9aeaa58c" providerId="LiveId" clId="{E30127E3-9599-4239-9F12-1E66F26A1DD4}" dt="2022-01-12T16:20:08.146" v="73" actId="108"/>
+          <ac:cxnSpMkLst>
+            <pc:docMk/>
+            <pc:sldMk cId="339757701" sldId="257"/>
+            <ac:cxnSpMk id="44" creationId="{EAA03B0B-F21B-44CC-8637-44A424DD4561}"/>
+          </ac:cxnSpMkLst>
+        </pc:cxnChg>
+        <pc:cxnChg chg="add del mod">
+          <ac:chgData name="Yoshihara Toru" userId="86ccaa3c9aeaa58c" providerId="LiveId" clId="{E30127E3-9599-4239-9F12-1E66F26A1DD4}" dt="2022-01-12T16:20:48.984" v="82" actId="108"/>
+          <ac:cxnSpMkLst>
+            <pc:docMk/>
+            <pc:sldMk cId="339757701" sldId="257"/>
+            <ac:cxnSpMk id="46" creationId="{5A0CFD1D-AF05-4FB5-940D-2653D4AB092C}"/>
+          </ac:cxnSpMkLst>
+        </pc:cxnChg>
+        <pc:cxnChg chg="mod">
+          <ac:chgData name="Yoshihara Toru" userId="86ccaa3c9aeaa58c" providerId="LiveId" clId="{E30127E3-9599-4239-9F12-1E66F26A1DD4}" dt="2022-01-12T16:20:49.852" v="83" actId="108"/>
+          <ac:cxnSpMkLst>
+            <pc:docMk/>
+            <pc:sldMk cId="339757701" sldId="257"/>
+            <ac:cxnSpMk id="48" creationId="{85275996-8B52-4CAA-8FD4-F86CB341CE8C}"/>
+          </ac:cxnSpMkLst>
+        </pc:cxnChg>
+        <pc:cxnChg chg="add del mod">
+          <ac:chgData name="Yoshihara Toru" userId="86ccaa3c9aeaa58c" providerId="LiveId" clId="{E30127E3-9599-4239-9F12-1E66F26A1DD4}" dt="2022-01-12T16:20:51.092" v="84" actId="108"/>
+          <ac:cxnSpMkLst>
+            <pc:docMk/>
+            <pc:sldMk cId="339757701" sldId="257"/>
+            <ac:cxnSpMk id="58" creationId="{FF5FD454-AA4A-4DBE-9966-7B8074E1AA1B}"/>
+          </ac:cxnSpMkLst>
+        </pc:cxnChg>
+        <pc:cxnChg chg="mod">
+          <ac:chgData name="Yoshihara Toru" userId="86ccaa3c9aeaa58c" providerId="LiveId" clId="{E30127E3-9599-4239-9F12-1E66F26A1DD4}" dt="2022-01-12T16:20:09.999" v="74" actId="108"/>
+          <ac:cxnSpMkLst>
+            <pc:docMk/>
+            <pc:sldMk cId="339757701" sldId="257"/>
+            <ac:cxnSpMk id="60" creationId="{49BCEBE5-B00A-4CB2-8C6C-29AD81C34785}"/>
+          </ac:cxnSpMkLst>
+        </pc:cxnChg>
+        <pc:cxnChg chg="mod">
+          <ac:chgData name="Yoshihara Toru" userId="86ccaa3c9aeaa58c" providerId="LiveId" clId="{E30127E3-9599-4239-9F12-1E66F26A1DD4}" dt="2022-01-12T16:20:51.975" v="85" actId="108"/>
+          <ac:cxnSpMkLst>
+            <pc:docMk/>
+            <pc:sldMk cId="339757701" sldId="257"/>
+            <ac:cxnSpMk id="62" creationId="{82083CD0-72D9-4FFB-92E0-CB8F5F561B20}"/>
+          </ac:cxnSpMkLst>
+        </pc:cxnChg>
+        <pc:cxnChg chg="mod">
+          <ac:chgData name="Yoshihara Toru" userId="86ccaa3c9aeaa58c" providerId="LiveId" clId="{E30127E3-9599-4239-9F12-1E66F26A1DD4}" dt="2022-01-12T16:20:53.363" v="87" actId="108"/>
+          <ac:cxnSpMkLst>
+            <pc:docMk/>
+            <pc:sldMk cId="339757701" sldId="257"/>
+            <ac:cxnSpMk id="64" creationId="{CDB83495-36E2-45FE-9AC8-8DB8E505C80E}"/>
+          </ac:cxnSpMkLst>
+        </pc:cxnChg>
+        <pc:cxnChg chg="mod">
+          <ac:chgData name="Yoshihara Toru" userId="86ccaa3c9aeaa58c" providerId="LiveId" clId="{E30127E3-9599-4239-9F12-1E66F26A1DD4}" dt="2022-01-12T16:20:52.681" v="86" actId="108"/>
+          <ac:cxnSpMkLst>
+            <pc:docMk/>
+            <pc:sldMk cId="339757701" sldId="257"/>
+            <ac:cxnSpMk id="67" creationId="{05261EF5-85A6-43F4-8A65-7849D8274C9B}"/>
+          </ac:cxnSpMkLst>
+        </pc:cxnChg>
+        <pc:cxnChg chg="mod">
+          <ac:chgData name="Yoshihara Toru" userId="86ccaa3c9aeaa58c" providerId="LiveId" clId="{E30127E3-9599-4239-9F12-1E66F26A1DD4}" dt="2022-01-12T16:20:12.863" v="75" actId="108"/>
+          <ac:cxnSpMkLst>
+            <pc:docMk/>
+            <pc:sldMk cId="339757701" sldId="257"/>
+            <ac:cxnSpMk id="72" creationId="{C86E5719-74F2-42F8-AF99-C7C99526C2DB}"/>
+          </ac:cxnSpMkLst>
+        </pc:cxnChg>
+        <pc:cxnChg chg="mod">
+          <ac:chgData name="Yoshihara Toru" userId="86ccaa3c9aeaa58c" providerId="LiveId" clId="{E30127E3-9599-4239-9F12-1E66F26A1DD4}" dt="2022-01-12T16:20:55.023" v="89" actId="108"/>
+          <ac:cxnSpMkLst>
+            <pc:docMk/>
+            <pc:sldMk cId="339757701" sldId="257"/>
+            <ac:cxnSpMk id="74" creationId="{B5367E12-0446-4598-86F3-634DD11688CD}"/>
+          </ac:cxnSpMkLst>
+        </pc:cxnChg>
+        <pc:cxnChg chg="mod">
+          <ac:chgData name="Yoshihara Toru" userId="86ccaa3c9aeaa58c" providerId="LiveId" clId="{E30127E3-9599-4239-9F12-1E66F26A1DD4}" dt="2022-01-12T16:20:54.276" v="88" actId="108"/>
+          <ac:cxnSpMkLst>
+            <pc:docMk/>
+            <pc:sldMk cId="339757701" sldId="257"/>
+            <ac:cxnSpMk id="76" creationId="{7D1F215A-F22E-42F0-ACE3-3C4C6FDF1691}"/>
+          </ac:cxnSpMkLst>
+        </pc:cxnChg>
+        <pc:cxnChg chg="mod">
+          <ac:chgData name="Yoshihara Toru" userId="86ccaa3c9aeaa58c" providerId="LiveId" clId="{E30127E3-9599-4239-9F12-1E66F26A1DD4}" dt="2022-01-12T16:23:26.071" v="98" actId="108"/>
+          <ac:cxnSpMkLst>
+            <pc:docMk/>
+            <pc:sldMk cId="339757701" sldId="257"/>
+            <ac:cxnSpMk id="78" creationId="{1C0C7021-88A8-4852-9D44-ED5C51BF97CE}"/>
+          </ac:cxnSpMkLst>
+        </pc:cxnChg>
+      </pc:sldChg>
+      <pc:sldChg chg="addSp delSp modSp add mod">
+        <pc:chgData name="Yoshihara Toru" userId="86ccaa3c9aeaa58c" providerId="LiveId" clId="{E30127E3-9599-4239-9F12-1E66F26A1DD4}" dt="2022-01-15T12:47:47.180" v="247" actId="1036"/>
+        <pc:sldMkLst>
+          <pc:docMk/>
+          <pc:sldMk cId="1088199502" sldId="258"/>
+        </pc:sldMkLst>
+        <pc:spChg chg="add del">
+          <ac:chgData name="Yoshihara Toru" userId="86ccaa3c9aeaa58c" providerId="LiveId" clId="{E30127E3-9599-4239-9F12-1E66F26A1DD4}" dt="2022-01-13T11:44:23.182" v="214" actId="478"/>
+          <ac:spMkLst>
+            <pc:docMk/>
+            <pc:sldMk cId="1088199502" sldId="258"/>
+            <ac:spMk id="2" creationId="{7FD7523D-FBBD-4E7D-8E55-C36A0FE2FBC6}"/>
+          </ac:spMkLst>
+        </pc:spChg>
+        <pc:spChg chg="add mod">
+          <ac:chgData name="Yoshihara Toru" userId="86ccaa3c9aeaa58c" providerId="LiveId" clId="{E30127E3-9599-4239-9F12-1E66F26A1DD4}" dt="2022-01-15T12:46:54.963" v="242" actId="14100"/>
+          <ac:spMkLst>
+            <pc:docMk/>
+            <pc:sldMk cId="1088199502" sldId="258"/>
+            <ac:spMk id="2" creationId="{D95600F0-8A1C-4107-B586-9131631FFD12}"/>
+          </ac:spMkLst>
+        </pc:spChg>
+        <pc:spChg chg="add del">
+          <ac:chgData name="Yoshihara Toru" userId="86ccaa3c9aeaa58c" providerId="LiveId" clId="{E30127E3-9599-4239-9F12-1E66F26A1DD4}" dt="2022-01-13T11:44:29.445" v="216" actId="478"/>
+          <ac:spMkLst>
+            <pc:docMk/>
+            <pc:sldMk cId="1088199502" sldId="258"/>
+            <ac:spMk id="3" creationId="{72181A7D-54CE-4156-8B27-27CF95D681EE}"/>
+          </ac:spMkLst>
+        </pc:spChg>
+        <pc:spChg chg="add del mod">
+          <ac:chgData name="Yoshihara Toru" userId="86ccaa3c9aeaa58c" providerId="LiveId" clId="{E30127E3-9599-4239-9F12-1E66F26A1DD4}" dt="2022-01-15T12:46:00.907" v="238" actId="478"/>
+          <ac:spMkLst>
+            <pc:docMk/>
+            <pc:sldMk cId="1088199502" sldId="258"/>
+            <ac:spMk id="5" creationId="{68EB8C60-DF35-4818-AE30-703272DF85A7}"/>
+          </ac:spMkLst>
+        </pc:spChg>
+        <pc:spChg chg="mod">
+          <ac:chgData name="Yoshihara Toru" userId="86ccaa3c9aeaa58c" providerId="LiveId" clId="{E30127E3-9599-4239-9F12-1E66F26A1DD4}" dt="2022-01-12T16:21:51.241" v="96" actId="207"/>
+          <ac:spMkLst>
+            <pc:docMk/>
+            <pc:sldMk cId="1088199502" sldId="258"/>
+            <ac:spMk id="14" creationId="{4E2E22E4-5B63-4E99-977C-0D92C83BFB2C}"/>
+          </ac:spMkLst>
+        </pc:spChg>
+        <pc:spChg chg="add mod">
+          <ac:chgData name="Yoshihara Toru" userId="86ccaa3c9aeaa58c" providerId="LiveId" clId="{E30127E3-9599-4239-9F12-1E66F26A1DD4}" dt="2022-01-15T12:47:47.180" v="247" actId="1036"/>
+          <ac:spMkLst>
+            <pc:docMk/>
+            <pc:sldMk cId="1088199502" sldId="258"/>
+            <ac:spMk id="41" creationId="{D51204EC-3CE1-4897-ADD9-5E7EA0E65AC7}"/>
+          </ac:spMkLst>
+        </pc:spChg>
+        <pc:spChg chg="mod">
+          <ac:chgData name="Yoshihara Toru" userId="86ccaa3c9aeaa58c" providerId="LiveId" clId="{E30127E3-9599-4239-9F12-1E66F26A1DD4}" dt="2022-01-12T16:21:45.784" v="95" actId="207"/>
+          <ac:spMkLst>
+            <pc:docMk/>
+            <pc:sldMk cId="1088199502" sldId="258"/>
+            <ac:spMk id="52" creationId="{07512D3C-3061-44D6-8B6E-1A17CEB2016C}"/>
+          </ac:spMkLst>
+        </pc:spChg>
+        <pc:cxnChg chg="mod">
+          <ac:chgData name="Yoshihara Toru" userId="86ccaa3c9aeaa58c" providerId="LiveId" clId="{E30127E3-9599-4239-9F12-1E66F26A1DD4}" dt="2022-01-12T16:21:35.616" v="93" actId="108"/>
+          <ac:cxnSpMkLst>
+            <pc:docMk/>
+            <pc:sldMk cId="1088199502" sldId="258"/>
+            <ac:cxnSpMk id="44" creationId="{EAA03B0B-F21B-44CC-8637-44A424DD4561}"/>
+          </ac:cxnSpMkLst>
+        </pc:cxnChg>
+        <pc:cxnChg chg="mod">
+          <ac:chgData name="Yoshihara Toru" userId="86ccaa3c9aeaa58c" providerId="LiveId" clId="{E30127E3-9599-4239-9F12-1E66F26A1DD4}" dt="2022-01-12T16:21:28.226" v="91" actId="108"/>
+          <ac:cxnSpMkLst>
+            <pc:docMk/>
+            <pc:sldMk cId="1088199502" sldId="258"/>
+            <ac:cxnSpMk id="48" creationId="{85275996-8B52-4CAA-8FD4-F86CB341CE8C}"/>
+          </ac:cxnSpMkLst>
+        </pc:cxnChg>
+        <pc:cxnChg chg="mod">
+          <ac:chgData name="Yoshihara Toru" userId="86ccaa3c9aeaa58c" providerId="LiveId" clId="{E30127E3-9599-4239-9F12-1E66F26A1DD4}" dt="2022-01-12T16:21:36.684" v="94" actId="108"/>
+          <ac:cxnSpMkLst>
+            <pc:docMk/>
+            <pc:sldMk cId="1088199502" sldId="258"/>
+            <ac:cxnSpMk id="60" creationId="{49BCEBE5-B00A-4CB2-8C6C-29AD81C34785}"/>
+          </ac:cxnSpMkLst>
+        </pc:cxnChg>
+        <pc:cxnChg chg="mod">
+          <ac:chgData name="Yoshihara Toru" userId="86ccaa3c9aeaa58c" providerId="LiveId" clId="{E30127E3-9599-4239-9F12-1E66F26A1DD4}" dt="2022-01-12T16:21:29.366" v="92" actId="108"/>
+          <ac:cxnSpMkLst>
+            <pc:docMk/>
+            <pc:sldMk cId="1088199502" sldId="258"/>
+            <ac:cxnSpMk id="62" creationId="{82083CD0-72D9-4FFB-92E0-CB8F5F561B20}"/>
+          </ac:cxnSpMkLst>
+        </pc:cxnChg>
+        <pc:cxnChg chg="mod">
+          <ac:chgData name="Yoshihara Toru" userId="86ccaa3c9aeaa58c" providerId="LiveId" clId="{E30127E3-9599-4239-9F12-1E66F26A1DD4}" dt="2022-01-12T16:23:20.845" v="97" actId="108"/>
+          <ac:cxnSpMkLst>
+            <pc:docMk/>
+            <pc:sldMk cId="1088199502" sldId="258"/>
+            <ac:cxnSpMk id="78" creationId="{1C0C7021-88A8-4852-9D44-ED5C51BF97CE}"/>
+          </ac:cxnSpMkLst>
+        </pc:cxnChg>
+      </pc:sldChg>
+      <pc:sldChg chg="add del">
+        <pc:chgData name="Yoshihara Toru" userId="86ccaa3c9aeaa58c" providerId="LiveId" clId="{E30127E3-9599-4239-9F12-1E66F26A1DD4}" dt="2022-01-12T16:12:45.882" v="2" actId="47"/>
+        <pc:sldMkLst>
+          <pc:docMk/>
+          <pc:sldMk cId="1323766461" sldId="258"/>
+        </pc:sldMkLst>
+      </pc:sldChg>
+    </pc:docChg>
+  </pc:docChgLst>
+</pc:chgInfo>
+</file>
+
 <file path=ppt/slideLayouts/slideLayout1.xml><?xml version="1.0" encoding="utf-8"?>
 <p:sldLayout xmlns:a="http://schemas.openxmlformats.org/drawingml/2006/main" xmlns:r="http://schemas.openxmlformats.org/officeDocument/2006/relationships" xmlns:p="http://schemas.openxmlformats.org/presentationml/2006/main" type="title" preserve="1">
   <p:cSld name="Title Slide">
@@ -292,7 +673,7 @@
           <a:p>
             <a:fld id="{1CC6BEE3-8B1C-4D6D-91B6-D3B9BBC34005}" type="datetimeFigureOut">
               <a:rPr kumimoji="1" lang="ja-JP" altLang="en-US" smtClean="0"/>
-              <a:t>2022/1/10</a:t>
+              <a:t>2022/1/15</a:t>
             </a:fld>
             <a:endParaRPr kumimoji="1" lang="ja-JP" altLang="en-US"/>
           </a:p>
@@ -492,7 +873,7 @@
           <a:p>
             <a:fld id="{1CC6BEE3-8B1C-4D6D-91B6-D3B9BBC34005}" type="datetimeFigureOut">
               <a:rPr kumimoji="1" lang="ja-JP" altLang="en-US" smtClean="0"/>
-              <a:t>2022/1/10</a:t>
+              <a:t>2022/1/15</a:t>
             </a:fld>
             <a:endParaRPr kumimoji="1" lang="ja-JP" altLang="en-US"/>
           </a:p>
@@ -702,7 +1083,7 @@
           <a:p>
             <a:fld id="{1CC6BEE3-8B1C-4D6D-91B6-D3B9BBC34005}" type="datetimeFigureOut">
               <a:rPr kumimoji="1" lang="ja-JP" altLang="en-US" smtClean="0"/>
-              <a:t>2022/1/10</a:t>
+              <a:t>2022/1/15</a:t>
             </a:fld>
             <a:endParaRPr kumimoji="1" lang="ja-JP" altLang="en-US"/>
           </a:p>
@@ -902,7 +1283,7 @@
           <a:p>
             <a:fld id="{1CC6BEE3-8B1C-4D6D-91B6-D3B9BBC34005}" type="datetimeFigureOut">
               <a:rPr kumimoji="1" lang="ja-JP" altLang="en-US" smtClean="0"/>
-              <a:t>2022/1/10</a:t>
+              <a:t>2022/1/15</a:t>
             </a:fld>
             <a:endParaRPr kumimoji="1" lang="ja-JP" altLang="en-US"/>
           </a:p>
@@ -1178,7 +1559,7 @@
           <a:p>
             <a:fld id="{1CC6BEE3-8B1C-4D6D-91B6-D3B9BBC34005}" type="datetimeFigureOut">
               <a:rPr kumimoji="1" lang="ja-JP" altLang="en-US" smtClean="0"/>
-              <a:t>2022/1/10</a:t>
+              <a:t>2022/1/15</a:t>
             </a:fld>
             <a:endParaRPr kumimoji="1" lang="ja-JP" altLang="en-US"/>
           </a:p>
@@ -1446,7 +1827,7 @@
           <a:p>
             <a:fld id="{1CC6BEE3-8B1C-4D6D-91B6-D3B9BBC34005}" type="datetimeFigureOut">
               <a:rPr kumimoji="1" lang="ja-JP" altLang="en-US" smtClean="0"/>
-              <a:t>2022/1/10</a:t>
+              <a:t>2022/1/15</a:t>
             </a:fld>
             <a:endParaRPr kumimoji="1" lang="ja-JP" altLang="en-US"/>
           </a:p>
@@ -1861,7 +2242,7 @@
           <a:p>
             <a:fld id="{1CC6BEE3-8B1C-4D6D-91B6-D3B9BBC34005}" type="datetimeFigureOut">
               <a:rPr kumimoji="1" lang="ja-JP" altLang="en-US" smtClean="0"/>
-              <a:t>2022/1/10</a:t>
+              <a:t>2022/1/15</a:t>
             </a:fld>
             <a:endParaRPr kumimoji="1" lang="ja-JP" altLang="en-US"/>
           </a:p>
@@ -2003,7 +2384,7 @@
           <a:p>
             <a:fld id="{1CC6BEE3-8B1C-4D6D-91B6-D3B9BBC34005}" type="datetimeFigureOut">
               <a:rPr kumimoji="1" lang="ja-JP" altLang="en-US" smtClean="0"/>
-              <a:t>2022/1/10</a:t>
+              <a:t>2022/1/15</a:t>
             </a:fld>
             <a:endParaRPr kumimoji="1" lang="ja-JP" altLang="en-US"/>
           </a:p>
@@ -2116,7 +2497,7 @@
           <a:p>
             <a:fld id="{1CC6BEE3-8B1C-4D6D-91B6-D3B9BBC34005}" type="datetimeFigureOut">
               <a:rPr kumimoji="1" lang="ja-JP" altLang="en-US" smtClean="0"/>
-              <a:t>2022/1/10</a:t>
+              <a:t>2022/1/15</a:t>
             </a:fld>
             <a:endParaRPr kumimoji="1" lang="ja-JP" altLang="en-US"/>
           </a:p>
@@ -2429,7 +2810,7 @@
           <a:p>
             <a:fld id="{1CC6BEE3-8B1C-4D6D-91B6-D3B9BBC34005}" type="datetimeFigureOut">
               <a:rPr kumimoji="1" lang="ja-JP" altLang="en-US" smtClean="0"/>
-              <a:t>2022/1/10</a:t>
+              <a:t>2022/1/15</a:t>
             </a:fld>
             <a:endParaRPr kumimoji="1" lang="ja-JP" altLang="en-US"/>
           </a:p>
@@ -2718,7 +3099,7 @@
           <a:p>
             <a:fld id="{1CC6BEE3-8B1C-4D6D-91B6-D3B9BBC34005}" type="datetimeFigureOut">
               <a:rPr kumimoji="1" lang="ja-JP" altLang="en-US" smtClean="0"/>
-              <a:t>2022/1/10</a:t>
+              <a:t>2022/1/15</a:t>
             </a:fld>
             <a:endParaRPr kumimoji="1" lang="ja-JP" altLang="en-US"/>
           </a:p>
@@ -2961,7 +3342,7 @@
           <a:p>
             <a:fld id="{1CC6BEE3-8B1C-4D6D-91B6-D3B9BBC34005}" type="datetimeFigureOut">
               <a:rPr kumimoji="1" lang="ja-JP" altLang="en-US" smtClean="0"/>
-              <a:t>2022/1/10</a:t>
+              <a:t>2022/1/15</a:t>
             </a:fld>
             <a:endParaRPr kumimoji="1" lang="ja-JP" altLang="en-US"/>
           </a:p>
@@ -6044,6 +6425,5810 @@
 </p:sld>
 </file>
 
+<file path=ppt/slides/slide2.xml><?xml version="1.0" encoding="utf-8"?>
+<p:sld xmlns:a="http://schemas.openxmlformats.org/drawingml/2006/main" xmlns:r="http://schemas.openxmlformats.org/officeDocument/2006/relationships" xmlns:p="http://schemas.openxmlformats.org/presentationml/2006/main">
+  <p:cSld>
+    <p:spTree>
+      <p:nvGrpSpPr>
+        <p:cNvPr id="1" name=""/>
+        <p:cNvGrpSpPr/>
+        <p:nvPr/>
+      </p:nvGrpSpPr>
+      <p:grpSpPr>
+        <a:xfrm>
+          <a:off x="0" y="0"/>
+          <a:ext cx="0" cy="0"/>
+          <a:chOff x="0" y="0"/>
+          <a:chExt cx="0" cy="0"/>
+        </a:xfrm>
+      </p:grpSpPr>
+      <p:sp>
+        <p:nvSpPr>
+          <p:cNvPr id="79" name="Rectangle 78">
+            <a:extLst>
+              <a:ext uri="{FF2B5EF4-FFF2-40B4-BE49-F238E27FC236}">
+                <a16:creationId xmlns:a16="http://schemas.microsoft.com/office/drawing/2014/main" id="{8572B06B-B670-4D5A-BDA0-E5B358611F06}"/>
+              </a:ext>
+            </a:extLst>
+          </p:cNvPr>
+          <p:cNvSpPr/>
+          <p:nvPr/>
+        </p:nvSpPr>
+        <p:spPr>
+          <a:xfrm>
+            <a:off x="0" y="1196752"/>
+            <a:ext cx="12108668" cy="3672408"/>
+          </a:xfrm>
+          <a:prstGeom prst="rect">
+            <a:avLst/>
+          </a:prstGeom>
+          <a:solidFill>
+            <a:schemeClr val="bg1"/>
+          </a:solidFill>
+          <a:ln w="12700">
+            <a:solidFill>
+              <a:schemeClr val="tx1">
+                <a:lumMod val="75000"/>
+                <a:lumOff val="25000"/>
+              </a:schemeClr>
+            </a:solidFill>
+          </a:ln>
+        </p:spPr>
+        <p:style>
+          <a:lnRef idx="2">
+            <a:schemeClr val="accent1">
+              <a:shade val="50000"/>
+            </a:schemeClr>
+          </a:lnRef>
+          <a:fillRef idx="1">
+            <a:schemeClr val="accent1"/>
+          </a:fillRef>
+          <a:effectRef idx="0">
+            <a:schemeClr val="accent1"/>
+          </a:effectRef>
+          <a:fontRef idx="minor">
+            <a:schemeClr val="lt1"/>
+          </a:fontRef>
+        </p:style>
+        <p:txBody>
+          <a:bodyPr rtlCol="0" anchor="ctr"/>
+          <a:lstStyle/>
+          <a:p>
+            <a:pPr algn="ctr"/>
+            <a:endParaRPr kumimoji="1" lang="ja-JP" altLang="en-US"/>
+          </a:p>
+        </p:txBody>
+      </p:sp>
+      <p:sp>
+        <p:nvSpPr>
+          <p:cNvPr id="4" name="Rectangle: Rounded Corners 3">
+            <a:extLst>
+              <a:ext uri="{FF2B5EF4-FFF2-40B4-BE49-F238E27FC236}">
+                <a16:creationId xmlns:a16="http://schemas.microsoft.com/office/drawing/2014/main" id="{60A27FC4-C6A7-4EE5-9A77-0FB7236A7C73}"/>
+              </a:ext>
+            </a:extLst>
+          </p:cNvPr>
+          <p:cNvSpPr/>
+          <p:nvPr/>
+        </p:nvSpPr>
+        <p:spPr>
+          <a:xfrm>
+            <a:off x="252028" y="1479364"/>
+            <a:ext cx="1584176" cy="720080"/>
+          </a:xfrm>
+          <a:prstGeom prst="roundRect">
+            <a:avLst/>
+          </a:prstGeom>
+          <a:solidFill>
+            <a:schemeClr val="tx1">
+              <a:lumMod val="75000"/>
+              <a:lumOff val="25000"/>
+            </a:schemeClr>
+          </a:solidFill>
+          <a:ln w="38100">
+            <a:solidFill>
+              <a:schemeClr val="tx1">
+                <a:lumMod val="75000"/>
+                <a:lumOff val="25000"/>
+              </a:schemeClr>
+            </a:solidFill>
+          </a:ln>
+        </p:spPr>
+        <p:style>
+          <a:lnRef idx="2">
+            <a:schemeClr val="accent1">
+              <a:shade val="50000"/>
+            </a:schemeClr>
+          </a:lnRef>
+          <a:fillRef idx="1">
+            <a:schemeClr val="accent1"/>
+          </a:fillRef>
+          <a:effectRef idx="0">
+            <a:schemeClr val="accent1"/>
+          </a:effectRef>
+          <a:fontRef idx="minor">
+            <a:schemeClr val="lt1"/>
+          </a:fontRef>
+        </p:style>
+        <p:txBody>
+          <a:bodyPr rtlCol="0" anchor="ctr"/>
+          <a:lstStyle/>
+          <a:p>
+            <a:pPr algn="ctr"/>
+            <a:r>
+              <a:rPr kumimoji="1" lang="en-US" altLang="ja-JP" sz="1200" b="1" dirty="0">
+                <a:solidFill>
+                  <a:schemeClr val="bg1">
+                    <a:lumMod val="95000"/>
+                  </a:schemeClr>
+                </a:solidFill>
+                <a:latin typeface="游ゴシック Medium" panose="020B0500000000000000" pitchFamily="50" charset="-128"/>
+                <a:ea typeface="游ゴシック Medium" panose="020B0500000000000000" pitchFamily="50" charset="-128"/>
+              </a:rPr>
+              <a:t>Log C/Wide Gamut</a:t>
+            </a:r>
+          </a:p>
+          <a:p>
+            <a:pPr algn="ctr"/>
+            <a:r>
+              <a:rPr lang="en-US" altLang="ja-JP" sz="1200" b="1" dirty="0">
+                <a:solidFill>
+                  <a:schemeClr val="bg1">
+                    <a:lumMod val="95000"/>
+                  </a:schemeClr>
+                </a:solidFill>
+                <a:latin typeface="游ゴシック Medium" panose="020B0500000000000000" pitchFamily="50" charset="-128"/>
+                <a:ea typeface="游ゴシック Medium" panose="020B0500000000000000" pitchFamily="50" charset="-128"/>
+              </a:rPr>
+              <a:t>Color Space</a:t>
+            </a:r>
+            <a:endParaRPr kumimoji="1" lang="ja-JP" altLang="en-US" sz="1200" b="1" dirty="0">
+              <a:solidFill>
+                <a:schemeClr val="bg1">
+                  <a:lumMod val="95000"/>
+                </a:schemeClr>
+              </a:solidFill>
+              <a:latin typeface="游ゴシック Medium" panose="020B0500000000000000" pitchFamily="50" charset="-128"/>
+              <a:ea typeface="游ゴシック Medium" panose="020B0500000000000000" pitchFamily="50" charset="-128"/>
+            </a:endParaRPr>
+          </a:p>
+        </p:txBody>
+      </p:sp>
+      <p:sp>
+        <p:nvSpPr>
+          <p:cNvPr id="6" name="Rectangle: Rounded Corners 5">
+            <a:extLst>
+              <a:ext uri="{FF2B5EF4-FFF2-40B4-BE49-F238E27FC236}">
+                <a16:creationId xmlns:a16="http://schemas.microsoft.com/office/drawing/2014/main" id="{1385875D-059E-48E2-8C53-1A82CF71AD1D}"/>
+              </a:ext>
+            </a:extLst>
+          </p:cNvPr>
+          <p:cNvSpPr/>
+          <p:nvPr/>
+        </p:nvSpPr>
+        <p:spPr>
+          <a:xfrm>
+            <a:off x="252028" y="2688952"/>
+            <a:ext cx="1584176" cy="720080"/>
+          </a:xfrm>
+          <a:prstGeom prst="roundRect">
+            <a:avLst/>
+          </a:prstGeom>
+          <a:solidFill>
+            <a:schemeClr val="tx1">
+              <a:lumMod val="75000"/>
+              <a:lumOff val="25000"/>
+            </a:schemeClr>
+          </a:solidFill>
+          <a:ln w="38100">
+            <a:solidFill>
+              <a:schemeClr val="tx1">
+                <a:lumMod val="75000"/>
+                <a:lumOff val="25000"/>
+              </a:schemeClr>
+            </a:solidFill>
+          </a:ln>
+        </p:spPr>
+        <p:style>
+          <a:lnRef idx="2">
+            <a:schemeClr val="accent1">
+              <a:shade val="50000"/>
+            </a:schemeClr>
+          </a:lnRef>
+          <a:fillRef idx="1">
+            <a:schemeClr val="accent1"/>
+          </a:fillRef>
+          <a:effectRef idx="0">
+            <a:schemeClr val="accent1"/>
+          </a:effectRef>
+          <a:fontRef idx="minor">
+            <a:schemeClr val="lt1"/>
+          </a:fontRef>
+        </p:style>
+        <p:txBody>
+          <a:bodyPr rtlCol="0" anchor="ctr"/>
+          <a:lstStyle/>
+          <a:p>
+            <a:pPr algn="ctr"/>
+            <a:r>
+              <a:rPr lang="en-US" altLang="ja-JP" sz="1200" b="1" dirty="0">
+                <a:solidFill>
+                  <a:schemeClr val="bg1">
+                    <a:lumMod val="95000"/>
+                  </a:schemeClr>
+                </a:solidFill>
+                <a:latin typeface="游ゴシック Medium" panose="020B0500000000000000" pitchFamily="50" charset="-128"/>
+                <a:ea typeface="游ゴシック Medium" panose="020B0500000000000000" pitchFamily="50" charset="-128"/>
+              </a:rPr>
+              <a:t>S-Log3/S-Gamut3</a:t>
+            </a:r>
+          </a:p>
+          <a:p>
+            <a:pPr algn="ctr"/>
+            <a:r>
+              <a:rPr lang="en-US" altLang="ja-JP" sz="1200" b="1" dirty="0">
+                <a:solidFill>
+                  <a:schemeClr val="bg1">
+                    <a:lumMod val="95000"/>
+                  </a:schemeClr>
+                </a:solidFill>
+                <a:latin typeface="游ゴシック Medium" panose="020B0500000000000000" pitchFamily="50" charset="-128"/>
+                <a:ea typeface="游ゴシック Medium" panose="020B0500000000000000" pitchFamily="50" charset="-128"/>
+              </a:rPr>
+              <a:t>Color Space</a:t>
+            </a:r>
+            <a:endParaRPr lang="ja-JP" altLang="en-US" sz="1200" b="1" dirty="0">
+              <a:solidFill>
+                <a:schemeClr val="bg1">
+                  <a:lumMod val="95000"/>
+                </a:schemeClr>
+              </a:solidFill>
+              <a:latin typeface="游ゴシック Medium" panose="020B0500000000000000" pitchFamily="50" charset="-128"/>
+              <a:ea typeface="游ゴシック Medium" panose="020B0500000000000000" pitchFamily="50" charset="-128"/>
+            </a:endParaRPr>
+          </a:p>
+        </p:txBody>
+      </p:sp>
+      <p:sp>
+        <p:nvSpPr>
+          <p:cNvPr id="7" name="Rectangle: Rounded Corners 6">
+            <a:extLst>
+              <a:ext uri="{FF2B5EF4-FFF2-40B4-BE49-F238E27FC236}">
+                <a16:creationId xmlns:a16="http://schemas.microsoft.com/office/drawing/2014/main" id="{D3486E43-8F8C-4D80-BD7A-64B9253237A0}"/>
+              </a:ext>
+            </a:extLst>
+          </p:cNvPr>
+          <p:cNvSpPr/>
+          <p:nvPr/>
+        </p:nvSpPr>
+        <p:spPr>
+          <a:xfrm>
+            <a:off x="252028" y="3883614"/>
+            <a:ext cx="1584176" cy="720080"/>
+          </a:xfrm>
+          <a:prstGeom prst="roundRect">
+            <a:avLst/>
+          </a:prstGeom>
+          <a:solidFill>
+            <a:schemeClr val="tx1">
+              <a:lumMod val="75000"/>
+              <a:lumOff val="25000"/>
+            </a:schemeClr>
+          </a:solidFill>
+          <a:ln w="38100">
+            <a:solidFill>
+              <a:schemeClr val="tx1">
+                <a:lumMod val="75000"/>
+                <a:lumOff val="25000"/>
+              </a:schemeClr>
+            </a:solidFill>
+          </a:ln>
+        </p:spPr>
+        <p:style>
+          <a:lnRef idx="2">
+            <a:schemeClr val="accent1">
+              <a:shade val="50000"/>
+            </a:schemeClr>
+          </a:lnRef>
+          <a:fillRef idx="1">
+            <a:schemeClr val="accent1"/>
+          </a:fillRef>
+          <a:effectRef idx="0">
+            <a:schemeClr val="accent1"/>
+          </a:effectRef>
+          <a:fontRef idx="minor">
+            <a:schemeClr val="lt1"/>
+          </a:fontRef>
+        </p:style>
+        <p:txBody>
+          <a:bodyPr rtlCol="0" anchor="ctr"/>
+          <a:lstStyle/>
+          <a:p>
+            <a:pPr algn="ctr"/>
+            <a:r>
+              <a:rPr lang="en-US" altLang="ja-JP" sz="1200" b="1" dirty="0">
+                <a:solidFill>
+                  <a:schemeClr val="bg1">
+                    <a:lumMod val="95000"/>
+                  </a:schemeClr>
+                </a:solidFill>
+                <a:latin typeface="游ゴシック Medium" panose="020B0500000000000000" pitchFamily="50" charset="-128"/>
+                <a:ea typeface="游ゴシック Medium" panose="020B0500000000000000" pitchFamily="50" charset="-128"/>
+              </a:rPr>
+              <a:t>BT.2100-PQ</a:t>
+            </a:r>
+          </a:p>
+          <a:p>
+            <a:pPr algn="ctr"/>
+            <a:r>
+              <a:rPr lang="en-US" altLang="ja-JP" sz="1200" b="1" dirty="0">
+                <a:solidFill>
+                  <a:schemeClr val="bg1">
+                    <a:lumMod val="95000"/>
+                  </a:schemeClr>
+                </a:solidFill>
+                <a:latin typeface="游ゴシック Medium" panose="020B0500000000000000" pitchFamily="50" charset="-128"/>
+                <a:ea typeface="游ゴシック Medium" panose="020B0500000000000000" pitchFamily="50" charset="-128"/>
+              </a:rPr>
+              <a:t>Color Space</a:t>
+            </a:r>
+          </a:p>
+        </p:txBody>
+      </p:sp>
+      <p:sp>
+        <p:nvSpPr>
+          <p:cNvPr id="8" name="Rectangle 7">
+            <a:extLst>
+              <a:ext uri="{FF2B5EF4-FFF2-40B4-BE49-F238E27FC236}">
+                <a16:creationId xmlns:a16="http://schemas.microsoft.com/office/drawing/2014/main" id="{8BB3FD2C-7B9C-4CD0-B062-83D08C55B0E9}"/>
+              </a:ext>
+            </a:extLst>
+          </p:cNvPr>
+          <p:cNvSpPr/>
+          <p:nvPr/>
+        </p:nvSpPr>
+        <p:spPr>
+          <a:xfrm>
+            <a:off x="2232248" y="1551372"/>
+            <a:ext cx="936104" cy="576064"/>
+          </a:xfrm>
+          <a:prstGeom prst="rect">
+            <a:avLst/>
+          </a:prstGeom>
+          <a:solidFill>
+            <a:schemeClr val="bg1">
+              <a:lumMod val="95000"/>
+            </a:schemeClr>
+          </a:solidFill>
+          <a:ln w="28575">
+            <a:solidFill>
+              <a:schemeClr val="tx1">
+                <a:lumMod val="75000"/>
+                <a:lumOff val="25000"/>
+              </a:schemeClr>
+            </a:solidFill>
+          </a:ln>
+        </p:spPr>
+        <p:style>
+          <a:lnRef idx="2">
+            <a:schemeClr val="accent1">
+              <a:shade val="50000"/>
+            </a:schemeClr>
+          </a:lnRef>
+          <a:fillRef idx="1">
+            <a:schemeClr val="accent1"/>
+          </a:fillRef>
+          <a:effectRef idx="0">
+            <a:schemeClr val="accent1"/>
+          </a:effectRef>
+          <a:fontRef idx="minor">
+            <a:schemeClr val="lt1"/>
+          </a:fontRef>
+        </p:style>
+        <p:txBody>
+          <a:bodyPr rtlCol="0" anchor="ctr"/>
+          <a:lstStyle/>
+          <a:p>
+            <a:pPr algn="ctr"/>
+            <a:r>
+              <a:rPr kumimoji="1" lang="en-US" altLang="ja-JP" sz="1200" b="1" dirty="0" err="1">
+                <a:solidFill>
+                  <a:schemeClr val="tx1">
+                    <a:lumMod val="75000"/>
+                    <a:lumOff val="25000"/>
+                  </a:schemeClr>
+                </a:solidFill>
+                <a:latin typeface="游ゴシック Medium" panose="020B0500000000000000" pitchFamily="50" charset="-128"/>
+                <a:ea typeface="游ゴシック Medium" panose="020B0500000000000000" pitchFamily="50" charset="-128"/>
+              </a:rPr>
+              <a:t>to_ref</a:t>
+            </a:r>
+            <a:endParaRPr kumimoji="1" lang="en-US" altLang="ja-JP" sz="1200" b="1" dirty="0">
+              <a:solidFill>
+                <a:schemeClr val="tx1">
+                  <a:lumMod val="75000"/>
+                  <a:lumOff val="25000"/>
+                </a:schemeClr>
+              </a:solidFill>
+              <a:latin typeface="游ゴシック Medium" panose="020B0500000000000000" pitchFamily="50" charset="-128"/>
+              <a:ea typeface="游ゴシック Medium" panose="020B0500000000000000" pitchFamily="50" charset="-128"/>
+            </a:endParaRPr>
+          </a:p>
+          <a:p>
+            <a:pPr algn="ctr"/>
+            <a:r>
+              <a:rPr lang="en-US" altLang="ja-JP" sz="1200" b="1" dirty="0">
+                <a:solidFill>
+                  <a:schemeClr val="tx1">
+                    <a:lumMod val="75000"/>
+                    <a:lumOff val="25000"/>
+                  </a:schemeClr>
+                </a:solidFill>
+                <a:latin typeface="游ゴシック Medium" panose="020B0500000000000000" pitchFamily="50" charset="-128"/>
+                <a:ea typeface="游ゴシック Medium" panose="020B0500000000000000" pitchFamily="50" charset="-128"/>
+              </a:rPr>
+              <a:t>Transform</a:t>
+            </a:r>
+            <a:endParaRPr kumimoji="1" lang="ja-JP" altLang="en-US" sz="1200" b="1" dirty="0">
+              <a:solidFill>
+                <a:schemeClr val="tx1">
+                  <a:lumMod val="75000"/>
+                  <a:lumOff val="25000"/>
+                </a:schemeClr>
+              </a:solidFill>
+              <a:latin typeface="游ゴシック Medium" panose="020B0500000000000000" pitchFamily="50" charset="-128"/>
+              <a:ea typeface="游ゴシック Medium" panose="020B0500000000000000" pitchFamily="50" charset="-128"/>
+            </a:endParaRPr>
+          </a:p>
+        </p:txBody>
+      </p:sp>
+      <p:sp>
+        <p:nvSpPr>
+          <p:cNvPr id="9" name="Rectangle 8">
+            <a:extLst>
+              <a:ext uri="{FF2B5EF4-FFF2-40B4-BE49-F238E27FC236}">
+                <a16:creationId xmlns:a16="http://schemas.microsoft.com/office/drawing/2014/main" id="{476AB1BD-A80D-4AFE-8E23-4882A3326265}"/>
+              </a:ext>
+            </a:extLst>
+          </p:cNvPr>
+          <p:cNvSpPr/>
+          <p:nvPr/>
+        </p:nvSpPr>
+        <p:spPr>
+          <a:xfrm>
+            <a:off x="2232248" y="2760960"/>
+            <a:ext cx="936104" cy="576064"/>
+          </a:xfrm>
+          <a:prstGeom prst="rect">
+            <a:avLst/>
+          </a:prstGeom>
+          <a:solidFill>
+            <a:schemeClr val="bg1">
+              <a:lumMod val="95000"/>
+            </a:schemeClr>
+          </a:solidFill>
+          <a:ln w="28575">
+            <a:solidFill>
+              <a:schemeClr val="tx1">
+                <a:lumMod val="75000"/>
+                <a:lumOff val="25000"/>
+              </a:schemeClr>
+            </a:solidFill>
+          </a:ln>
+        </p:spPr>
+        <p:style>
+          <a:lnRef idx="2">
+            <a:schemeClr val="accent1">
+              <a:shade val="50000"/>
+            </a:schemeClr>
+          </a:lnRef>
+          <a:fillRef idx="1">
+            <a:schemeClr val="accent1"/>
+          </a:fillRef>
+          <a:effectRef idx="0">
+            <a:schemeClr val="accent1"/>
+          </a:effectRef>
+          <a:fontRef idx="minor">
+            <a:schemeClr val="lt1"/>
+          </a:fontRef>
+        </p:style>
+        <p:txBody>
+          <a:bodyPr rtlCol="0" anchor="ctr"/>
+          <a:lstStyle/>
+          <a:p>
+            <a:pPr algn="ctr"/>
+            <a:r>
+              <a:rPr kumimoji="1" lang="en-US" altLang="ja-JP" sz="1200" b="1" dirty="0" err="1">
+                <a:solidFill>
+                  <a:schemeClr val="tx1">
+                    <a:lumMod val="75000"/>
+                    <a:lumOff val="25000"/>
+                  </a:schemeClr>
+                </a:solidFill>
+                <a:latin typeface="游ゴシック Medium" panose="020B0500000000000000" pitchFamily="50" charset="-128"/>
+                <a:ea typeface="游ゴシック Medium" panose="020B0500000000000000" pitchFamily="50" charset="-128"/>
+              </a:rPr>
+              <a:t>to_ref</a:t>
+            </a:r>
+            <a:endParaRPr kumimoji="1" lang="en-US" altLang="ja-JP" sz="1200" b="1" dirty="0">
+              <a:solidFill>
+                <a:schemeClr val="tx1">
+                  <a:lumMod val="75000"/>
+                  <a:lumOff val="25000"/>
+                </a:schemeClr>
+              </a:solidFill>
+              <a:latin typeface="游ゴシック Medium" panose="020B0500000000000000" pitchFamily="50" charset="-128"/>
+              <a:ea typeface="游ゴシック Medium" panose="020B0500000000000000" pitchFamily="50" charset="-128"/>
+            </a:endParaRPr>
+          </a:p>
+          <a:p>
+            <a:pPr algn="ctr"/>
+            <a:r>
+              <a:rPr lang="en-US" altLang="ja-JP" sz="1200" b="1" dirty="0">
+                <a:solidFill>
+                  <a:schemeClr val="tx1">
+                    <a:lumMod val="75000"/>
+                    <a:lumOff val="25000"/>
+                  </a:schemeClr>
+                </a:solidFill>
+                <a:latin typeface="游ゴシック Medium" panose="020B0500000000000000" pitchFamily="50" charset="-128"/>
+                <a:ea typeface="游ゴシック Medium" panose="020B0500000000000000" pitchFamily="50" charset="-128"/>
+              </a:rPr>
+              <a:t>Transform</a:t>
+            </a:r>
+            <a:endParaRPr kumimoji="1" lang="ja-JP" altLang="en-US" sz="1200" b="1" dirty="0">
+              <a:solidFill>
+                <a:schemeClr val="tx1">
+                  <a:lumMod val="75000"/>
+                  <a:lumOff val="25000"/>
+                </a:schemeClr>
+              </a:solidFill>
+              <a:latin typeface="游ゴシック Medium" panose="020B0500000000000000" pitchFamily="50" charset="-128"/>
+              <a:ea typeface="游ゴシック Medium" panose="020B0500000000000000" pitchFamily="50" charset="-128"/>
+            </a:endParaRPr>
+          </a:p>
+        </p:txBody>
+      </p:sp>
+      <p:sp>
+        <p:nvSpPr>
+          <p:cNvPr id="10" name="Rectangle 9">
+            <a:extLst>
+              <a:ext uri="{FF2B5EF4-FFF2-40B4-BE49-F238E27FC236}">
+                <a16:creationId xmlns:a16="http://schemas.microsoft.com/office/drawing/2014/main" id="{C6E063FB-267F-40B3-B18F-439A183537FD}"/>
+              </a:ext>
+            </a:extLst>
+          </p:cNvPr>
+          <p:cNvSpPr/>
+          <p:nvPr/>
+        </p:nvSpPr>
+        <p:spPr>
+          <a:xfrm>
+            <a:off x="2232248" y="3955622"/>
+            <a:ext cx="936104" cy="576064"/>
+          </a:xfrm>
+          <a:prstGeom prst="rect">
+            <a:avLst/>
+          </a:prstGeom>
+          <a:solidFill>
+            <a:schemeClr val="bg1">
+              <a:lumMod val="95000"/>
+            </a:schemeClr>
+          </a:solidFill>
+          <a:ln w="28575">
+            <a:solidFill>
+              <a:schemeClr val="tx1">
+                <a:lumMod val="75000"/>
+                <a:lumOff val="25000"/>
+              </a:schemeClr>
+            </a:solidFill>
+          </a:ln>
+        </p:spPr>
+        <p:style>
+          <a:lnRef idx="2">
+            <a:schemeClr val="accent1">
+              <a:shade val="50000"/>
+            </a:schemeClr>
+          </a:lnRef>
+          <a:fillRef idx="1">
+            <a:schemeClr val="accent1"/>
+          </a:fillRef>
+          <a:effectRef idx="0">
+            <a:schemeClr val="accent1"/>
+          </a:effectRef>
+          <a:fontRef idx="minor">
+            <a:schemeClr val="lt1"/>
+          </a:fontRef>
+        </p:style>
+        <p:txBody>
+          <a:bodyPr rtlCol="0" anchor="ctr"/>
+          <a:lstStyle/>
+          <a:p>
+            <a:pPr algn="ctr"/>
+            <a:r>
+              <a:rPr kumimoji="1" lang="en-US" altLang="ja-JP" sz="1200" b="1" dirty="0" err="1">
+                <a:solidFill>
+                  <a:schemeClr val="tx1">
+                    <a:lumMod val="75000"/>
+                    <a:lumOff val="25000"/>
+                  </a:schemeClr>
+                </a:solidFill>
+                <a:latin typeface="游ゴシック Medium" panose="020B0500000000000000" pitchFamily="50" charset="-128"/>
+                <a:ea typeface="游ゴシック Medium" panose="020B0500000000000000" pitchFamily="50" charset="-128"/>
+              </a:rPr>
+              <a:t>to_ref</a:t>
+            </a:r>
+            <a:endParaRPr kumimoji="1" lang="en-US" altLang="ja-JP" sz="1200" b="1" dirty="0">
+              <a:solidFill>
+                <a:schemeClr val="tx1">
+                  <a:lumMod val="75000"/>
+                  <a:lumOff val="25000"/>
+                </a:schemeClr>
+              </a:solidFill>
+              <a:latin typeface="游ゴシック Medium" panose="020B0500000000000000" pitchFamily="50" charset="-128"/>
+              <a:ea typeface="游ゴシック Medium" panose="020B0500000000000000" pitchFamily="50" charset="-128"/>
+            </a:endParaRPr>
+          </a:p>
+          <a:p>
+            <a:pPr algn="ctr"/>
+            <a:r>
+              <a:rPr lang="en-US" altLang="ja-JP" sz="1200" b="1" dirty="0">
+                <a:solidFill>
+                  <a:schemeClr val="tx1">
+                    <a:lumMod val="75000"/>
+                    <a:lumOff val="25000"/>
+                  </a:schemeClr>
+                </a:solidFill>
+                <a:latin typeface="游ゴシック Medium" panose="020B0500000000000000" pitchFamily="50" charset="-128"/>
+                <a:ea typeface="游ゴシック Medium" panose="020B0500000000000000" pitchFamily="50" charset="-128"/>
+              </a:rPr>
+              <a:t>Transform</a:t>
+            </a:r>
+            <a:endParaRPr kumimoji="1" lang="ja-JP" altLang="en-US" sz="1200" b="1" dirty="0">
+              <a:solidFill>
+                <a:schemeClr val="tx1">
+                  <a:lumMod val="75000"/>
+                  <a:lumOff val="25000"/>
+                </a:schemeClr>
+              </a:solidFill>
+              <a:latin typeface="游ゴシック Medium" panose="020B0500000000000000" pitchFamily="50" charset="-128"/>
+              <a:ea typeface="游ゴシック Medium" panose="020B0500000000000000" pitchFamily="50" charset="-128"/>
+            </a:endParaRPr>
+          </a:p>
+        </p:txBody>
+      </p:sp>
+      <p:sp>
+        <p:nvSpPr>
+          <p:cNvPr id="11" name="Rectangle: Rounded Corners 10">
+            <a:extLst>
+              <a:ext uri="{FF2B5EF4-FFF2-40B4-BE49-F238E27FC236}">
+                <a16:creationId xmlns:a16="http://schemas.microsoft.com/office/drawing/2014/main" id="{3811953C-2E07-4887-9749-85ACE39089B9}"/>
+              </a:ext>
+            </a:extLst>
+          </p:cNvPr>
+          <p:cNvSpPr/>
+          <p:nvPr/>
+        </p:nvSpPr>
+        <p:spPr>
+          <a:xfrm>
+            <a:off x="3749177" y="2688952"/>
+            <a:ext cx="1080120" cy="720080"/>
+          </a:xfrm>
+          <a:prstGeom prst="roundRect">
+            <a:avLst/>
+          </a:prstGeom>
+          <a:solidFill>
+            <a:schemeClr val="tx1">
+              <a:lumMod val="75000"/>
+              <a:lumOff val="25000"/>
+            </a:schemeClr>
+          </a:solidFill>
+          <a:ln w="38100">
+            <a:solidFill>
+              <a:schemeClr val="tx1">
+                <a:lumMod val="75000"/>
+                <a:lumOff val="25000"/>
+              </a:schemeClr>
+            </a:solidFill>
+          </a:ln>
+        </p:spPr>
+        <p:style>
+          <a:lnRef idx="2">
+            <a:schemeClr val="accent1">
+              <a:shade val="50000"/>
+            </a:schemeClr>
+          </a:lnRef>
+          <a:fillRef idx="1">
+            <a:schemeClr val="accent1"/>
+          </a:fillRef>
+          <a:effectRef idx="0">
+            <a:schemeClr val="accent1"/>
+          </a:effectRef>
+          <a:fontRef idx="minor">
+            <a:schemeClr val="lt1"/>
+          </a:fontRef>
+        </p:style>
+        <p:txBody>
+          <a:bodyPr rtlCol="0" anchor="ctr"/>
+          <a:lstStyle/>
+          <a:p>
+            <a:pPr algn="ctr"/>
+            <a:r>
+              <a:rPr lang="en-US" altLang="ja-JP" sz="1400" b="1" dirty="0">
+                <a:solidFill>
+                  <a:schemeClr val="bg1">
+                    <a:lumMod val="95000"/>
+                  </a:schemeClr>
+                </a:solidFill>
+                <a:latin typeface="游ゴシック Medium" panose="020B0500000000000000" pitchFamily="50" charset="-128"/>
+                <a:ea typeface="游ゴシック Medium" panose="020B0500000000000000" pitchFamily="50" charset="-128"/>
+              </a:rPr>
+              <a:t>s</a:t>
+            </a:r>
+            <a:r>
+              <a:rPr kumimoji="1" lang="en-US" altLang="ja-JP" sz="1400" b="1" dirty="0">
+                <a:solidFill>
+                  <a:schemeClr val="bg1">
+                    <a:lumMod val="95000"/>
+                  </a:schemeClr>
+                </a:solidFill>
+                <a:latin typeface="游ゴシック Medium" panose="020B0500000000000000" pitchFamily="50" charset="-128"/>
+                <a:ea typeface="游ゴシック Medium" panose="020B0500000000000000" pitchFamily="50" charset="-128"/>
+              </a:rPr>
+              <a:t>cene</a:t>
+            </a:r>
+          </a:p>
+          <a:p>
+            <a:pPr algn="ctr"/>
+            <a:r>
+              <a:rPr lang="en-US" altLang="ja-JP" sz="1400" b="1" dirty="0">
+                <a:solidFill>
+                  <a:schemeClr val="bg1">
+                    <a:lumMod val="95000"/>
+                  </a:schemeClr>
+                </a:solidFill>
+                <a:latin typeface="游ゴシック Medium" panose="020B0500000000000000" pitchFamily="50" charset="-128"/>
+                <a:ea typeface="游ゴシック Medium" panose="020B0500000000000000" pitchFamily="50" charset="-128"/>
+              </a:rPr>
+              <a:t>reference</a:t>
+            </a:r>
+          </a:p>
+          <a:p>
+            <a:pPr algn="ctr"/>
+            <a:r>
+              <a:rPr kumimoji="1" lang="en-US" altLang="ja-JP" sz="1400" b="1" dirty="0">
+                <a:solidFill>
+                  <a:schemeClr val="bg1">
+                    <a:lumMod val="95000"/>
+                  </a:schemeClr>
+                </a:solidFill>
+                <a:latin typeface="游ゴシック Medium" panose="020B0500000000000000" pitchFamily="50" charset="-128"/>
+                <a:ea typeface="游ゴシック Medium" panose="020B0500000000000000" pitchFamily="50" charset="-128"/>
+              </a:rPr>
+              <a:t>space</a:t>
+            </a:r>
+            <a:endParaRPr kumimoji="1" lang="ja-JP" altLang="en-US" sz="1400" b="1" dirty="0">
+              <a:solidFill>
+                <a:schemeClr val="bg1">
+                  <a:lumMod val="95000"/>
+                </a:schemeClr>
+              </a:solidFill>
+              <a:latin typeface="游ゴシック Medium" panose="020B0500000000000000" pitchFamily="50" charset="-128"/>
+              <a:ea typeface="游ゴシック Medium" panose="020B0500000000000000" pitchFamily="50" charset="-128"/>
+            </a:endParaRPr>
+          </a:p>
+        </p:txBody>
+      </p:sp>
+      <p:sp>
+        <p:nvSpPr>
+          <p:cNvPr id="14" name="Rectangle 13">
+            <a:extLst>
+              <a:ext uri="{FF2B5EF4-FFF2-40B4-BE49-F238E27FC236}">
+                <a16:creationId xmlns:a16="http://schemas.microsoft.com/office/drawing/2014/main" id="{4E2E22E4-5B63-4E99-977C-0D92C83BFB2C}"/>
+              </a:ext>
+            </a:extLst>
+          </p:cNvPr>
+          <p:cNvSpPr/>
+          <p:nvPr/>
+        </p:nvSpPr>
+        <p:spPr>
+          <a:xfrm>
+            <a:off x="5199734" y="2688952"/>
+            <a:ext cx="1472330" cy="720080"/>
+          </a:xfrm>
+          <a:prstGeom prst="rect">
+            <a:avLst/>
+          </a:prstGeom>
+          <a:solidFill>
+            <a:schemeClr val="accent2">
+              <a:lumMod val="20000"/>
+              <a:lumOff val="80000"/>
+            </a:schemeClr>
+          </a:solidFill>
+          <a:ln w="28575">
+            <a:solidFill>
+              <a:schemeClr val="tx1">
+                <a:lumMod val="75000"/>
+                <a:lumOff val="25000"/>
+              </a:schemeClr>
+            </a:solidFill>
+          </a:ln>
+        </p:spPr>
+        <p:style>
+          <a:lnRef idx="2">
+            <a:schemeClr val="accent1">
+              <a:shade val="50000"/>
+            </a:schemeClr>
+          </a:lnRef>
+          <a:fillRef idx="1">
+            <a:schemeClr val="accent1"/>
+          </a:fillRef>
+          <a:effectRef idx="0">
+            <a:schemeClr val="accent1"/>
+          </a:effectRef>
+          <a:fontRef idx="minor">
+            <a:schemeClr val="lt1"/>
+          </a:fontRef>
+        </p:style>
+        <p:txBody>
+          <a:bodyPr rtlCol="0" anchor="ctr"/>
+          <a:lstStyle/>
+          <a:p>
+            <a:pPr algn="ctr"/>
+            <a:r>
+              <a:rPr kumimoji="1" lang="en-US" altLang="ja-JP" sz="1200" b="1" dirty="0">
+                <a:solidFill>
+                  <a:schemeClr val="tx1">
+                    <a:lumMod val="75000"/>
+                    <a:lumOff val="25000"/>
+                  </a:schemeClr>
+                </a:solidFill>
+                <a:latin typeface="游ゴシック Medium" panose="020B0500000000000000" pitchFamily="50" charset="-128"/>
+                <a:ea typeface="游ゴシック Medium" panose="020B0500000000000000" pitchFamily="50" charset="-128"/>
+              </a:rPr>
+              <a:t>View </a:t>
+            </a:r>
+            <a:r>
+              <a:rPr lang="en-US" altLang="ja-JP" sz="1200" b="1" dirty="0">
+                <a:solidFill>
+                  <a:schemeClr val="tx1">
+                    <a:lumMod val="75000"/>
+                    <a:lumOff val="25000"/>
+                  </a:schemeClr>
+                </a:solidFill>
+                <a:latin typeface="游ゴシック Medium" panose="020B0500000000000000" pitchFamily="50" charset="-128"/>
+                <a:ea typeface="游ゴシック Medium" panose="020B0500000000000000" pitchFamily="50" charset="-128"/>
+              </a:rPr>
+              <a:t>Transform</a:t>
+            </a:r>
+          </a:p>
+          <a:p>
+            <a:pPr algn="ctr"/>
+            <a:r>
+              <a:rPr kumimoji="1" lang="en-US" altLang="ja-JP" sz="1200" b="1" dirty="0">
+                <a:solidFill>
+                  <a:schemeClr val="tx1">
+                    <a:lumMod val="75000"/>
+                    <a:lumOff val="25000"/>
+                  </a:schemeClr>
+                </a:solidFill>
+                <a:latin typeface="游ゴシック Medium" panose="020B0500000000000000" pitchFamily="50" charset="-128"/>
+                <a:ea typeface="游ゴシック Medium" panose="020B0500000000000000" pitchFamily="50" charset="-128"/>
+              </a:rPr>
+              <a:t>Un-tone-mapped</a:t>
+            </a:r>
+            <a:endParaRPr kumimoji="1" lang="ja-JP" altLang="en-US" sz="1200" b="1" dirty="0">
+              <a:solidFill>
+                <a:schemeClr val="tx1">
+                  <a:lumMod val="75000"/>
+                  <a:lumOff val="25000"/>
+                </a:schemeClr>
+              </a:solidFill>
+              <a:latin typeface="游ゴシック Medium" panose="020B0500000000000000" pitchFamily="50" charset="-128"/>
+              <a:ea typeface="游ゴシック Medium" panose="020B0500000000000000" pitchFamily="50" charset="-128"/>
+            </a:endParaRPr>
+          </a:p>
+        </p:txBody>
+      </p:sp>
+      <p:sp>
+        <p:nvSpPr>
+          <p:cNvPr id="16" name="Rectangle: Rounded Corners 15">
+            <a:extLst>
+              <a:ext uri="{FF2B5EF4-FFF2-40B4-BE49-F238E27FC236}">
+                <a16:creationId xmlns:a16="http://schemas.microsoft.com/office/drawing/2014/main" id="{17680C3B-FBC8-45E2-AECE-25583D8B59DF}"/>
+              </a:ext>
+            </a:extLst>
+          </p:cNvPr>
+          <p:cNvSpPr/>
+          <p:nvPr/>
+        </p:nvSpPr>
+        <p:spPr>
+          <a:xfrm>
+            <a:off x="7125075" y="2688952"/>
+            <a:ext cx="1080120" cy="720080"/>
+          </a:xfrm>
+          <a:prstGeom prst="roundRect">
+            <a:avLst/>
+          </a:prstGeom>
+          <a:solidFill>
+            <a:schemeClr val="tx1">
+              <a:lumMod val="75000"/>
+              <a:lumOff val="25000"/>
+            </a:schemeClr>
+          </a:solidFill>
+          <a:ln w="38100">
+            <a:solidFill>
+              <a:schemeClr val="tx1">
+                <a:lumMod val="75000"/>
+                <a:lumOff val="25000"/>
+              </a:schemeClr>
+            </a:solidFill>
+          </a:ln>
+        </p:spPr>
+        <p:style>
+          <a:lnRef idx="2">
+            <a:schemeClr val="accent1">
+              <a:shade val="50000"/>
+            </a:schemeClr>
+          </a:lnRef>
+          <a:fillRef idx="1">
+            <a:schemeClr val="accent1"/>
+          </a:fillRef>
+          <a:effectRef idx="0">
+            <a:schemeClr val="accent1"/>
+          </a:effectRef>
+          <a:fontRef idx="minor">
+            <a:schemeClr val="lt1"/>
+          </a:fontRef>
+        </p:style>
+        <p:txBody>
+          <a:bodyPr rtlCol="0" anchor="ctr"/>
+          <a:lstStyle/>
+          <a:p>
+            <a:pPr algn="ctr"/>
+            <a:r>
+              <a:rPr lang="en-US" altLang="ja-JP" sz="1400" b="1" dirty="0">
+                <a:solidFill>
+                  <a:schemeClr val="bg1">
+                    <a:lumMod val="95000"/>
+                  </a:schemeClr>
+                </a:solidFill>
+                <a:latin typeface="游ゴシック Medium" panose="020B0500000000000000" pitchFamily="50" charset="-128"/>
+                <a:ea typeface="游ゴシック Medium" panose="020B0500000000000000" pitchFamily="50" charset="-128"/>
+              </a:rPr>
+              <a:t>display</a:t>
+            </a:r>
+            <a:endParaRPr kumimoji="1" lang="en-US" altLang="ja-JP" sz="1400" b="1" dirty="0">
+              <a:solidFill>
+                <a:schemeClr val="bg1">
+                  <a:lumMod val="95000"/>
+                </a:schemeClr>
+              </a:solidFill>
+              <a:latin typeface="游ゴシック Medium" panose="020B0500000000000000" pitchFamily="50" charset="-128"/>
+              <a:ea typeface="游ゴシック Medium" panose="020B0500000000000000" pitchFamily="50" charset="-128"/>
+            </a:endParaRPr>
+          </a:p>
+          <a:p>
+            <a:pPr algn="ctr"/>
+            <a:r>
+              <a:rPr lang="en-US" altLang="ja-JP" sz="1400" b="1" dirty="0">
+                <a:solidFill>
+                  <a:schemeClr val="bg1">
+                    <a:lumMod val="95000"/>
+                  </a:schemeClr>
+                </a:solidFill>
+                <a:latin typeface="游ゴシック Medium" panose="020B0500000000000000" pitchFamily="50" charset="-128"/>
+                <a:ea typeface="游ゴシック Medium" panose="020B0500000000000000" pitchFamily="50" charset="-128"/>
+              </a:rPr>
+              <a:t>reference</a:t>
+            </a:r>
+          </a:p>
+          <a:p>
+            <a:pPr algn="ctr"/>
+            <a:r>
+              <a:rPr kumimoji="1" lang="en-US" altLang="ja-JP" sz="1400" b="1" dirty="0">
+                <a:solidFill>
+                  <a:schemeClr val="bg1">
+                    <a:lumMod val="95000"/>
+                  </a:schemeClr>
+                </a:solidFill>
+                <a:latin typeface="游ゴシック Medium" panose="020B0500000000000000" pitchFamily="50" charset="-128"/>
+                <a:ea typeface="游ゴシック Medium" panose="020B0500000000000000" pitchFamily="50" charset="-128"/>
+              </a:rPr>
+              <a:t>space</a:t>
+            </a:r>
+            <a:endParaRPr kumimoji="1" lang="ja-JP" altLang="en-US" sz="1400" b="1" dirty="0">
+              <a:solidFill>
+                <a:schemeClr val="bg1">
+                  <a:lumMod val="95000"/>
+                </a:schemeClr>
+              </a:solidFill>
+              <a:latin typeface="游ゴシック Medium" panose="020B0500000000000000" pitchFamily="50" charset="-128"/>
+              <a:ea typeface="游ゴシック Medium" panose="020B0500000000000000" pitchFamily="50" charset="-128"/>
+            </a:endParaRPr>
+          </a:p>
+        </p:txBody>
+      </p:sp>
+      <p:sp>
+        <p:nvSpPr>
+          <p:cNvPr id="17" name="Rectangle 16">
+            <a:extLst>
+              <a:ext uri="{FF2B5EF4-FFF2-40B4-BE49-F238E27FC236}">
+                <a16:creationId xmlns:a16="http://schemas.microsoft.com/office/drawing/2014/main" id="{B06FDBDA-E462-45D7-B619-CB6BF6073A99}"/>
+              </a:ext>
+            </a:extLst>
+          </p:cNvPr>
+          <p:cNvSpPr/>
+          <p:nvPr/>
+        </p:nvSpPr>
+        <p:spPr>
+          <a:xfrm>
+            <a:off x="8854311" y="1551372"/>
+            <a:ext cx="938776" cy="576064"/>
+          </a:xfrm>
+          <a:prstGeom prst="rect">
+            <a:avLst/>
+          </a:prstGeom>
+          <a:solidFill>
+            <a:schemeClr val="bg1">
+              <a:lumMod val="95000"/>
+            </a:schemeClr>
+          </a:solidFill>
+          <a:ln w="28575">
+            <a:solidFill>
+              <a:schemeClr val="tx1">
+                <a:lumMod val="75000"/>
+                <a:lumOff val="25000"/>
+              </a:schemeClr>
+            </a:solidFill>
+          </a:ln>
+        </p:spPr>
+        <p:style>
+          <a:lnRef idx="2">
+            <a:schemeClr val="accent1">
+              <a:shade val="50000"/>
+            </a:schemeClr>
+          </a:lnRef>
+          <a:fillRef idx="1">
+            <a:schemeClr val="accent1"/>
+          </a:fillRef>
+          <a:effectRef idx="0">
+            <a:schemeClr val="accent1"/>
+          </a:effectRef>
+          <a:fontRef idx="minor">
+            <a:schemeClr val="lt1"/>
+          </a:fontRef>
+        </p:style>
+        <p:txBody>
+          <a:bodyPr rtlCol="0" anchor="ctr"/>
+          <a:lstStyle/>
+          <a:p>
+            <a:pPr algn="ctr"/>
+            <a:r>
+              <a:rPr kumimoji="1" lang="en-US" altLang="ja-JP" sz="1200" b="1" dirty="0" err="1">
+                <a:solidFill>
+                  <a:schemeClr val="tx1">
+                    <a:lumMod val="75000"/>
+                    <a:lumOff val="25000"/>
+                  </a:schemeClr>
+                </a:solidFill>
+                <a:latin typeface="游ゴシック Medium" panose="020B0500000000000000" pitchFamily="50" charset="-128"/>
+                <a:ea typeface="游ゴシック Medium" panose="020B0500000000000000" pitchFamily="50" charset="-128"/>
+              </a:rPr>
+              <a:t>from_ref</a:t>
+            </a:r>
+            <a:endParaRPr kumimoji="1" lang="en-US" altLang="ja-JP" sz="1200" b="1" dirty="0">
+              <a:solidFill>
+                <a:schemeClr val="tx1">
+                  <a:lumMod val="75000"/>
+                  <a:lumOff val="25000"/>
+                </a:schemeClr>
+              </a:solidFill>
+              <a:latin typeface="游ゴシック Medium" panose="020B0500000000000000" pitchFamily="50" charset="-128"/>
+              <a:ea typeface="游ゴシック Medium" panose="020B0500000000000000" pitchFamily="50" charset="-128"/>
+            </a:endParaRPr>
+          </a:p>
+          <a:p>
+            <a:pPr algn="ctr"/>
+            <a:r>
+              <a:rPr lang="en-US" altLang="ja-JP" sz="1200" b="1" dirty="0">
+                <a:solidFill>
+                  <a:schemeClr val="tx1">
+                    <a:lumMod val="75000"/>
+                    <a:lumOff val="25000"/>
+                  </a:schemeClr>
+                </a:solidFill>
+                <a:latin typeface="游ゴシック Medium" panose="020B0500000000000000" pitchFamily="50" charset="-128"/>
+                <a:ea typeface="游ゴシック Medium" panose="020B0500000000000000" pitchFamily="50" charset="-128"/>
+              </a:rPr>
+              <a:t>Transform</a:t>
+            </a:r>
+            <a:endParaRPr kumimoji="1" lang="ja-JP" altLang="en-US" sz="1200" b="1" dirty="0">
+              <a:solidFill>
+                <a:schemeClr val="tx1">
+                  <a:lumMod val="75000"/>
+                  <a:lumOff val="25000"/>
+                </a:schemeClr>
+              </a:solidFill>
+              <a:latin typeface="游ゴシック Medium" panose="020B0500000000000000" pitchFamily="50" charset="-128"/>
+              <a:ea typeface="游ゴシック Medium" panose="020B0500000000000000" pitchFamily="50" charset="-128"/>
+            </a:endParaRPr>
+          </a:p>
+        </p:txBody>
+      </p:sp>
+      <p:sp>
+        <p:nvSpPr>
+          <p:cNvPr id="18" name="Rectangle 17">
+            <a:extLst>
+              <a:ext uri="{FF2B5EF4-FFF2-40B4-BE49-F238E27FC236}">
+                <a16:creationId xmlns:a16="http://schemas.microsoft.com/office/drawing/2014/main" id="{63B9D96C-55A6-4809-A1DD-B0CDBB9D42D6}"/>
+              </a:ext>
+            </a:extLst>
+          </p:cNvPr>
+          <p:cNvSpPr/>
+          <p:nvPr/>
+        </p:nvSpPr>
+        <p:spPr>
+          <a:xfrm>
+            <a:off x="8854311" y="2760960"/>
+            <a:ext cx="938776" cy="576064"/>
+          </a:xfrm>
+          <a:prstGeom prst="rect">
+            <a:avLst/>
+          </a:prstGeom>
+          <a:solidFill>
+            <a:schemeClr val="bg1">
+              <a:lumMod val="95000"/>
+            </a:schemeClr>
+          </a:solidFill>
+          <a:ln w="28575">
+            <a:solidFill>
+              <a:schemeClr val="tx1">
+                <a:lumMod val="75000"/>
+                <a:lumOff val="25000"/>
+              </a:schemeClr>
+            </a:solidFill>
+          </a:ln>
+        </p:spPr>
+        <p:style>
+          <a:lnRef idx="2">
+            <a:schemeClr val="accent1">
+              <a:shade val="50000"/>
+            </a:schemeClr>
+          </a:lnRef>
+          <a:fillRef idx="1">
+            <a:schemeClr val="accent1"/>
+          </a:fillRef>
+          <a:effectRef idx="0">
+            <a:schemeClr val="accent1"/>
+          </a:effectRef>
+          <a:fontRef idx="minor">
+            <a:schemeClr val="lt1"/>
+          </a:fontRef>
+        </p:style>
+        <p:txBody>
+          <a:bodyPr rtlCol="0" anchor="ctr"/>
+          <a:lstStyle/>
+          <a:p>
+            <a:pPr algn="ctr"/>
+            <a:r>
+              <a:rPr kumimoji="1" lang="en-US" altLang="ja-JP" sz="1200" b="1" dirty="0" err="1">
+                <a:solidFill>
+                  <a:schemeClr val="tx1">
+                    <a:lumMod val="75000"/>
+                    <a:lumOff val="25000"/>
+                  </a:schemeClr>
+                </a:solidFill>
+                <a:latin typeface="游ゴシック Medium" panose="020B0500000000000000" pitchFamily="50" charset="-128"/>
+                <a:ea typeface="游ゴシック Medium" panose="020B0500000000000000" pitchFamily="50" charset="-128"/>
+              </a:rPr>
+              <a:t>from_ref</a:t>
+            </a:r>
+            <a:endParaRPr kumimoji="1" lang="en-US" altLang="ja-JP" sz="1200" b="1" dirty="0">
+              <a:solidFill>
+                <a:schemeClr val="tx1">
+                  <a:lumMod val="75000"/>
+                  <a:lumOff val="25000"/>
+                </a:schemeClr>
+              </a:solidFill>
+              <a:latin typeface="游ゴシック Medium" panose="020B0500000000000000" pitchFamily="50" charset="-128"/>
+              <a:ea typeface="游ゴシック Medium" panose="020B0500000000000000" pitchFamily="50" charset="-128"/>
+            </a:endParaRPr>
+          </a:p>
+          <a:p>
+            <a:pPr algn="ctr"/>
+            <a:r>
+              <a:rPr lang="en-US" altLang="ja-JP" sz="1200" b="1" dirty="0">
+                <a:solidFill>
+                  <a:schemeClr val="tx1">
+                    <a:lumMod val="75000"/>
+                    <a:lumOff val="25000"/>
+                  </a:schemeClr>
+                </a:solidFill>
+                <a:latin typeface="游ゴシック Medium" panose="020B0500000000000000" pitchFamily="50" charset="-128"/>
+                <a:ea typeface="游ゴシック Medium" panose="020B0500000000000000" pitchFamily="50" charset="-128"/>
+              </a:rPr>
+              <a:t>Transform</a:t>
+            </a:r>
+            <a:endParaRPr kumimoji="1" lang="ja-JP" altLang="en-US" sz="1200" b="1" dirty="0">
+              <a:solidFill>
+                <a:schemeClr val="tx1">
+                  <a:lumMod val="75000"/>
+                  <a:lumOff val="25000"/>
+                </a:schemeClr>
+              </a:solidFill>
+              <a:latin typeface="游ゴシック Medium" panose="020B0500000000000000" pitchFamily="50" charset="-128"/>
+              <a:ea typeface="游ゴシック Medium" panose="020B0500000000000000" pitchFamily="50" charset="-128"/>
+            </a:endParaRPr>
+          </a:p>
+        </p:txBody>
+      </p:sp>
+      <p:sp>
+        <p:nvSpPr>
+          <p:cNvPr id="19" name="Rectangle 18">
+            <a:extLst>
+              <a:ext uri="{FF2B5EF4-FFF2-40B4-BE49-F238E27FC236}">
+                <a16:creationId xmlns:a16="http://schemas.microsoft.com/office/drawing/2014/main" id="{ACB1AE88-CAD9-4618-85C5-6205AD9BA4E3}"/>
+              </a:ext>
+            </a:extLst>
+          </p:cNvPr>
+          <p:cNvSpPr/>
+          <p:nvPr/>
+        </p:nvSpPr>
+        <p:spPr>
+          <a:xfrm>
+            <a:off x="8854311" y="3955622"/>
+            <a:ext cx="938776" cy="576064"/>
+          </a:xfrm>
+          <a:prstGeom prst="rect">
+            <a:avLst/>
+          </a:prstGeom>
+          <a:solidFill>
+            <a:schemeClr val="accent2">
+              <a:lumMod val="20000"/>
+              <a:lumOff val="80000"/>
+            </a:schemeClr>
+          </a:solidFill>
+          <a:ln w="28575">
+            <a:solidFill>
+              <a:schemeClr val="tx1">
+                <a:lumMod val="75000"/>
+                <a:lumOff val="25000"/>
+              </a:schemeClr>
+            </a:solidFill>
+          </a:ln>
+        </p:spPr>
+        <p:style>
+          <a:lnRef idx="2">
+            <a:schemeClr val="accent1">
+              <a:shade val="50000"/>
+            </a:schemeClr>
+          </a:lnRef>
+          <a:fillRef idx="1">
+            <a:schemeClr val="accent1"/>
+          </a:fillRef>
+          <a:effectRef idx="0">
+            <a:schemeClr val="accent1"/>
+          </a:effectRef>
+          <a:fontRef idx="minor">
+            <a:schemeClr val="lt1"/>
+          </a:fontRef>
+        </p:style>
+        <p:txBody>
+          <a:bodyPr rtlCol="0" anchor="ctr"/>
+          <a:lstStyle/>
+          <a:p>
+            <a:pPr algn="ctr"/>
+            <a:r>
+              <a:rPr kumimoji="1" lang="en-US" altLang="ja-JP" sz="1200" b="1" dirty="0" err="1">
+                <a:solidFill>
+                  <a:schemeClr val="tx1">
+                    <a:lumMod val="75000"/>
+                    <a:lumOff val="25000"/>
+                  </a:schemeClr>
+                </a:solidFill>
+                <a:latin typeface="游ゴシック Medium" panose="020B0500000000000000" pitchFamily="50" charset="-128"/>
+                <a:ea typeface="游ゴシック Medium" panose="020B0500000000000000" pitchFamily="50" charset="-128"/>
+              </a:rPr>
+              <a:t>from_ref</a:t>
+            </a:r>
+            <a:endParaRPr kumimoji="1" lang="en-US" altLang="ja-JP" sz="1200" b="1" dirty="0">
+              <a:solidFill>
+                <a:schemeClr val="tx1">
+                  <a:lumMod val="75000"/>
+                  <a:lumOff val="25000"/>
+                </a:schemeClr>
+              </a:solidFill>
+              <a:latin typeface="游ゴシック Medium" panose="020B0500000000000000" pitchFamily="50" charset="-128"/>
+              <a:ea typeface="游ゴシック Medium" panose="020B0500000000000000" pitchFamily="50" charset="-128"/>
+            </a:endParaRPr>
+          </a:p>
+          <a:p>
+            <a:pPr algn="ctr"/>
+            <a:r>
+              <a:rPr lang="en-US" altLang="ja-JP" sz="1200" b="1" dirty="0">
+                <a:solidFill>
+                  <a:schemeClr val="tx1">
+                    <a:lumMod val="75000"/>
+                    <a:lumOff val="25000"/>
+                  </a:schemeClr>
+                </a:solidFill>
+                <a:latin typeface="游ゴシック Medium" panose="020B0500000000000000" pitchFamily="50" charset="-128"/>
+                <a:ea typeface="游ゴシック Medium" panose="020B0500000000000000" pitchFamily="50" charset="-128"/>
+              </a:rPr>
+              <a:t>Transform</a:t>
+            </a:r>
+            <a:endParaRPr kumimoji="1" lang="ja-JP" altLang="en-US" sz="1200" b="1" dirty="0">
+              <a:solidFill>
+                <a:schemeClr val="tx1">
+                  <a:lumMod val="75000"/>
+                  <a:lumOff val="25000"/>
+                </a:schemeClr>
+              </a:solidFill>
+              <a:latin typeface="游ゴシック Medium" panose="020B0500000000000000" pitchFamily="50" charset="-128"/>
+              <a:ea typeface="游ゴシック Medium" panose="020B0500000000000000" pitchFamily="50" charset="-128"/>
+            </a:endParaRPr>
+          </a:p>
+        </p:txBody>
+      </p:sp>
+      <p:sp>
+        <p:nvSpPr>
+          <p:cNvPr id="20" name="Rectangle: Rounded Corners 19">
+            <a:extLst>
+              <a:ext uri="{FF2B5EF4-FFF2-40B4-BE49-F238E27FC236}">
+                <a16:creationId xmlns:a16="http://schemas.microsoft.com/office/drawing/2014/main" id="{4672F98A-3F00-4A40-A251-298F0127FDDD}"/>
+              </a:ext>
+            </a:extLst>
+          </p:cNvPr>
+          <p:cNvSpPr/>
+          <p:nvPr/>
+        </p:nvSpPr>
+        <p:spPr>
+          <a:xfrm>
+            <a:off x="10143040" y="1479364"/>
+            <a:ext cx="1680864" cy="720080"/>
+          </a:xfrm>
+          <a:prstGeom prst="roundRect">
+            <a:avLst/>
+          </a:prstGeom>
+          <a:solidFill>
+            <a:schemeClr val="tx1">
+              <a:lumMod val="75000"/>
+              <a:lumOff val="25000"/>
+            </a:schemeClr>
+          </a:solidFill>
+          <a:ln w="38100">
+            <a:solidFill>
+              <a:schemeClr val="tx1">
+                <a:lumMod val="75000"/>
+                <a:lumOff val="25000"/>
+              </a:schemeClr>
+            </a:solidFill>
+          </a:ln>
+        </p:spPr>
+        <p:style>
+          <a:lnRef idx="2">
+            <a:schemeClr val="accent1">
+              <a:shade val="50000"/>
+            </a:schemeClr>
+          </a:lnRef>
+          <a:fillRef idx="1">
+            <a:schemeClr val="accent1"/>
+          </a:fillRef>
+          <a:effectRef idx="0">
+            <a:schemeClr val="accent1"/>
+          </a:effectRef>
+          <a:fontRef idx="minor">
+            <a:schemeClr val="lt1"/>
+          </a:fontRef>
+        </p:style>
+        <p:txBody>
+          <a:bodyPr rtlCol="0" anchor="ctr"/>
+          <a:lstStyle/>
+          <a:p>
+            <a:pPr algn="ctr"/>
+            <a:r>
+              <a:rPr lang="en-US" altLang="ja-JP" sz="1200" b="1" dirty="0">
+                <a:solidFill>
+                  <a:schemeClr val="bg1">
+                    <a:lumMod val="95000"/>
+                  </a:schemeClr>
+                </a:solidFill>
+                <a:latin typeface="游ゴシック Medium" panose="020B0500000000000000" pitchFamily="50" charset="-128"/>
+                <a:ea typeface="游ゴシック Medium" panose="020B0500000000000000" pitchFamily="50" charset="-128"/>
+              </a:rPr>
+              <a:t>BT.2100-PQ</a:t>
+            </a:r>
+          </a:p>
+          <a:p>
+            <a:pPr algn="ctr"/>
+            <a:r>
+              <a:rPr lang="en-US" altLang="ja-JP" sz="1200" b="1" dirty="0">
+                <a:solidFill>
+                  <a:schemeClr val="bg1">
+                    <a:lumMod val="95000"/>
+                  </a:schemeClr>
+                </a:solidFill>
+                <a:latin typeface="游ゴシック Medium" panose="020B0500000000000000" pitchFamily="50" charset="-128"/>
+                <a:ea typeface="游ゴシック Medium" panose="020B0500000000000000" pitchFamily="50" charset="-128"/>
+              </a:rPr>
+              <a:t>Display Color Space</a:t>
+            </a:r>
+            <a:endParaRPr kumimoji="1" lang="ja-JP" altLang="en-US" sz="1200" b="1" dirty="0">
+              <a:solidFill>
+                <a:schemeClr val="bg1">
+                  <a:lumMod val="95000"/>
+                </a:schemeClr>
+              </a:solidFill>
+              <a:latin typeface="游ゴシック Medium" panose="020B0500000000000000" pitchFamily="50" charset="-128"/>
+              <a:ea typeface="游ゴシック Medium" panose="020B0500000000000000" pitchFamily="50" charset="-128"/>
+            </a:endParaRPr>
+          </a:p>
+        </p:txBody>
+      </p:sp>
+      <p:sp>
+        <p:nvSpPr>
+          <p:cNvPr id="21" name="Rectangle: Rounded Corners 20">
+            <a:extLst>
+              <a:ext uri="{FF2B5EF4-FFF2-40B4-BE49-F238E27FC236}">
+                <a16:creationId xmlns:a16="http://schemas.microsoft.com/office/drawing/2014/main" id="{8BF20571-775F-42D0-AEA4-D59FDA8C50D8}"/>
+              </a:ext>
+            </a:extLst>
+          </p:cNvPr>
+          <p:cNvSpPr/>
+          <p:nvPr/>
+        </p:nvSpPr>
+        <p:spPr>
+          <a:xfrm>
+            <a:off x="10143040" y="2688952"/>
+            <a:ext cx="1680864" cy="720080"/>
+          </a:xfrm>
+          <a:prstGeom prst="roundRect">
+            <a:avLst/>
+          </a:prstGeom>
+          <a:solidFill>
+            <a:schemeClr val="tx1">
+              <a:lumMod val="75000"/>
+              <a:lumOff val="25000"/>
+            </a:schemeClr>
+          </a:solidFill>
+          <a:ln w="38100">
+            <a:solidFill>
+              <a:schemeClr val="tx1">
+                <a:lumMod val="75000"/>
+                <a:lumOff val="25000"/>
+              </a:schemeClr>
+            </a:solidFill>
+          </a:ln>
+        </p:spPr>
+        <p:style>
+          <a:lnRef idx="2">
+            <a:schemeClr val="accent1">
+              <a:shade val="50000"/>
+            </a:schemeClr>
+          </a:lnRef>
+          <a:fillRef idx="1">
+            <a:schemeClr val="accent1"/>
+          </a:fillRef>
+          <a:effectRef idx="0">
+            <a:schemeClr val="accent1"/>
+          </a:effectRef>
+          <a:fontRef idx="minor">
+            <a:schemeClr val="lt1"/>
+          </a:fontRef>
+        </p:style>
+        <p:txBody>
+          <a:bodyPr rtlCol="0" anchor="ctr"/>
+          <a:lstStyle/>
+          <a:p>
+            <a:pPr algn="ctr"/>
+            <a:r>
+              <a:rPr lang="en-US" altLang="ja-JP" sz="1200" b="1" dirty="0">
+                <a:solidFill>
+                  <a:schemeClr val="bg1">
+                    <a:lumMod val="95000"/>
+                  </a:schemeClr>
+                </a:solidFill>
+                <a:latin typeface="游ゴシック Medium" panose="020B0500000000000000" pitchFamily="50" charset="-128"/>
+                <a:ea typeface="游ゴシック Medium" panose="020B0500000000000000" pitchFamily="50" charset="-128"/>
+              </a:rPr>
+              <a:t>BT.2100-HLG</a:t>
+            </a:r>
+          </a:p>
+          <a:p>
+            <a:pPr algn="ctr"/>
+            <a:r>
+              <a:rPr lang="en-US" altLang="ja-JP" sz="1200" b="1" dirty="0">
+                <a:solidFill>
+                  <a:schemeClr val="bg1">
+                    <a:lumMod val="95000"/>
+                  </a:schemeClr>
+                </a:solidFill>
+                <a:latin typeface="游ゴシック Medium" panose="020B0500000000000000" pitchFamily="50" charset="-128"/>
+                <a:ea typeface="游ゴシック Medium" panose="020B0500000000000000" pitchFamily="50" charset="-128"/>
+              </a:rPr>
+              <a:t>Display Color Space</a:t>
+            </a:r>
+            <a:endParaRPr kumimoji="1" lang="ja-JP" altLang="en-US" sz="1200" b="1" dirty="0">
+              <a:solidFill>
+                <a:schemeClr val="bg1">
+                  <a:lumMod val="95000"/>
+                </a:schemeClr>
+              </a:solidFill>
+              <a:latin typeface="游ゴシック Medium" panose="020B0500000000000000" pitchFamily="50" charset="-128"/>
+              <a:ea typeface="游ゴシック Medium" panose="020B0500000000000000" pitchFamily="50" charset="-128"/>
+            </a:endParaRPr>
+          </a:p>
+        </p:txBody>
+      </p:sp>
+      <p:sp>
+        <p:nvSpPr>
+          <p:cNvPr id="22" name="Rectangle: Rounded Corners 21">
+            <a:extLst>
+              <a:ext uri="{FF2B5EF4-FFF2-40B4-BE49-F238E27FC236}">
+                <a16:creationId xmlns:a16="http://schemas.microsoft.com/office/drawing/2014/main" id="{EABEA2BD-36B1-4DC7-BE05-A8230C26E985}"/>
+              </a:ext>
+            </a:extLst>
+          </p:cNvPr>
+          <p:cNvSpPr/>
+          <p:nvPr/>
+        </p:nvSpPr>
+        <p:spPr>
+          <a:xfrm>
+            <a:off x="10143040" y="3883614"/>
+            <a:ext cx="1680864" cy="720080"/>
+          </a:xfrm>
+          <a:prstGeom prst="roundRect">
+            <a:avLst/>
+          </a:prstGeom>
+          <a:solidFill>
+            <a:schemeClr val="tx1">
+              <a:lumMod val="75000"/>
+              <a:lumOff val="25000"/>
+            </a:schemeClr>
+          </a:solidFill>
+          <a:ln w="38100">
+            <a:solidFill>
+              <a:schemeClr val="tx1">
+                <a:lumMod val="75000"/>
+                <a:lumOff val="25000"/>
+              </a:schemeClr>
+            </a:solidFill>
+          </a:ln>
+        </p:spPr>
+        <p:style>
+          <a:lnRef idx="2">
+            <a:schemeClr val="accent1">
+              <a:shade val="50000"/>
+            </a:schemeClr>
+          </a:lnRef>
+          <a:fillRef idx="1">
+            <a:schemeClr val="accent1"/>
+          </a:fillRef>
+          <a:effectRef idx="0">
+            <a:schemeClr val="accent1"/>
+          </a:effectRef>
+          <a:fontRef idx="minor">
+            <a:schemeClr val="lt1"/>
+          </a:fontRef>
+        </p:style>
+        <p:txBody>
+          <a:bodyPr rtlCol="0" anchor="ctr"/>
+          <a:lstStyle/>
+          <a:p>
+            <a:pPr algn="ctr"/>
+            <a:r>
+              <a:rPr lang="en-US" altLang="ja-JP" sz="1200" b="1" dirty="0">
+                <a:solidFill>
+                  <a:schemeClr val="bg1">
+                    <a:lumMod val="95000"/>
+                  </a:schemeClr>
+                </a:solidFill>
+                <a:latin typeface="游ゴシック Medium" panose="020B0500000000000000" pitchFamily="50" charset="-128"/>
+                <a:ea typeface="游ゴシック Medium" panose="020B0500000000000000" pitchFamily="50" charset="-128"/>
+              </a:rPr>
+              <a:t>BT.1886-BT.709</a:t>
+            </a:r>
+          </a:p>
+          <a:p>
+            <a:pPr algn="ctr"/>
+            <a:r>
+              <a:rPr lang="en-US" altLang="ja-JP" sz="1200" b="1" dirty="0">
+                <a:solidFill>
+                  <a:schemeClr val="bg1">
+                    <a:lumMod val="95000"/>
+                  </a:schemeClr>
+                </a:solidFill>
+                <a:latin typeface="游ゴシック Medium" panose="020B0500000000000000" pitchFamily="50" charset="-128"/>
+                <a:ea typeface="游ゴシック Medium" panose="020B0500000000000000" pitchFamily="50" charset="-128"/>
+              </a:rPr>
+              <a:t>Display Color Space</a:t>
+            </a:r>
+            <a:endParaRPr kumimoji="1" lang="ja-JP" altLang="en-US" sz="1200" b="1" dirty="0">
+              <a:solidFill>
+                <a:schemeClr val="bg1">
+                  <a:lumMod val="95000"/>
+                </a:schemeClr>
+              </a:solidFill>
+              <a:latin typeface="游ゴシック Medium" panose="020B0500000000000000" pitchFamily="50" charset="-128"/>
+              <a:ea typeface="游ゴシック Medium" panose="020B0500000000000000" pitchFamily="50" charset="-128"/>
+            </a:endParaRPr>
+          </a:p>
+        </p:txBody>
+      </p:sp>
+      <p:cxnSp>
+        <p:nvCxnSpPr>
+          <p:cNvPr id="24" name="Straight Arrow Connector 23">
+            <a:extLst>
+              <a:ext uri="{FF2B5EF4-FFF2-40B4-BE49-F238E27FC236}">
+                <a16:creationId xmlns:a16="http://schemas.microsoft.com/office/drawing/2014/main" id="{B40F5F88-C586-4D0A-8175-5CEEF6F27BE4}"/>
+              </a:ext>
+            </a:extLst>
+          </p:cNvPr>
+          <p:cNvCxnSpPr>
+            <a:stCxn id="4" idx="3"/>
+            <a:endCxn id="8" idx="1"/>
+          </p:cNvCxnSpPr>
+          <p:nvPr/>
+        </p:nvCxnSpPr>
+        <p:spPr>
+          <a:xfrm>
+            <a:off x="1836204" y="1839404"/>
+            <a:ext cx="396044" cy="0"/>
+          </a:xfrm>
+          <a:prstGeom prst="straightConnector1">
+            <a:avLst/>
+          </a:prstGeom>
+          <a:ln w="50800">
+            <a:solidFill>
+              <a:schemeClr val="bg1">
+                <a:lumMod val="75000"/>
+              </a:schemeClr>
+            </a:solidFill>
+            <a:tailEnd type="triangle"/>
+          </a:ln>
+        </p:spPr>
+        <p:style>
+          <a:lnRef idx="1">
+            <a:schemeClr val="accent1"/>
+          </a:lnRef>
+          <a:fillRef idx="0">
+            <a:schemeClr val="accent1"/>
+          </a:fillRef>
+          <a:effectRef idx="0">
+            <a:schemeClr val="accent1"/>
+          </a:effectRef>
+          <a:fontRef idx="minor">
+            <a:schemeClr val="tx1"/>
+          </a:fontRef>
+        </p:style>
+      </p:cxnSp>
+      <p:cxnSp>
+        <p:nvCxnSpPr>
+          <p:cNvPr id="26" name="Straight Arrow Connector 25">
+            <a:extLst>
+              <a:ext uri="{FF2B5EF4-FFF2-40B4-BE49-F238E27FC236}">
+                <a16:creationId xmlns:a16="http://schemas.microsoft.com/office/drawing/2014/main" id="{8DE12BD6-D99B-43B1-9AF2-4B44861AEE60}"/>
+              </a:ext>
+            </a:extLst>
+          </p:cNvPr>
+          <p:cNvCxnSpPr>
+            <a:stCxn id="6" idx="3"/>
+            <a:endCxn id="9" idx="1"/>
+          </p:cNvCxnSpPr>
+          <p:nvPr/>
+        </p:nvCxnSpPr>
+        <p:spPr>
+          <a:xfrm>
+            <a:off x="1836204" y="3048992"/>
+            <a:ext cx="396044" cy="0"/>
+          </a:xfrm>
+          <a:prstGeom prst="straightConnector1">
+            <a:avLst/>
+          </a:prstGeom>
+          <a:ln w="50800">
+            <a:solidFill>
+              <a:schemeClr val="bg1">
+                <a:lumMod val="75000"/>
+              </a:schemeClr>
+            </a:solidFill>
+            <a:tailEnd type="triangle"/>
+          </a:ln>
+        </p:spPr>
+        <p:style>
+          <a:lnRef idx="1">
+            <a:schemeClr val="accent1"/>
+          </a:lnRef>
+          <a:fillRef idx="0">
+            <a:schemeClr val="accent1"/>
+          </a:fillRef>
+          <a:effectRef idx="0">
+            <a:schemeClr val="accent1"/>
+          </a:effectRef>
+          <a:fontRef idx="minor">
+            <a:schemeClr val="tx1"/>
+          </a:fontRef>
+        </p:style>
+      </p:cxnSp>
+      <p:cxnSp>
+        <p:nvCxnSpPr>
+          <p:cNvPr id="28" name="Straight Arrow Connector 27">
+            <a:extLst>
+              <a:ext uri="{FF2B5EF4-FFF2-40B4-BE49-F238E27FC236}">
+                <a16:creationId xmlns:a16="http://schemas.microsoft.com/office/drawing/2014/main" id="{FB631A3D-06E2-4DDE-9F86-E4CF755FD393}"/>
+              </a:ext>
+            </a:extLst>
+          </p:cNvPr>
+          <p:cNvCxnSpPr>
+            <a:stCxn id="7" idx="3"/>
+            <a:endCxn id="10" idx="1"/>
+          </p:cNvCxnSpPr>
+          <p:nvPr/>
+        </p:nvCxnSpPr>
+        <p:spPr>
+          <a:xfrm>
+            <a:off x="1836204" y="4243654"/>
+            <a:ext cx="396044" cy="0"/>
+          </a:xfrm>
+          <a:prstGeom prst="straightConnector1">
+            <a:avLst/>
+          </a:prstGeom>
+          <a:ln w="50800">
+            <a:solidFill>
+              <a:srgbClr val="C00000"/>
+            </a:solidFill>
+            <a:tailEnd type="triangle"/>
+          </a:ln>
+        </p:spPr>
+        <p:style>
+          <a:lnRef idx="1">
+            <a:schemeClr val="accent1"/>
+          </a:lnRef>
+          <a:fillRef idx="0">
+            <a:schemeClr val="accent1"/>
+          </a:fillRef>
+          <a:effectRef idx="0">
+            <a:schemeClr val="accent1"/>
+          </a:effectRef>
+          <a:fontRef idx="minor">
+            <a:schemeClr val="tx1"/>
+          </a:fontRef>
+        </p:style>
+      </p:cxnSp>
+      <p:cxnSp>
+        <p:nvCxnSpPr>
+          <p:cNvPr id="30" name="Straight Arrow Connector 29">
+            <a:extLst>
+              <a:ext uri="{FF2B5EF4-FFF2-40B4-BE49-F238E27FC236}">
+                <a16:creationId xmlns:a16="http://schemas.microsoft.com/office/drawing/2014/main" id="{A00F0186-3075-4DA9-85C0-DC7CBE3F503E}"/>
+              </a:ext>
+            </a:extLst>
+          </p:cNvPr>
+          <p:cNvCxnSpPr>
+            <a:cxnSpLocks/>
+            <a:stCxn id="8" idx="3"/>
+          </p:cNvCxnSpPr>
+          <p:nvPr/>
+        </p:nvCxnSpPr>
+        <p:spPr>
+          <a:xfrm>
+            <a:off x="3168352" y="1839404"/>
+            <a:ext cx="648072" cy="833946"/>
+          </a:xfrm>
+          <a:prstGeom prst="straightConnector1">
+            <a:avLst/>
+          </a:prstGeom>
+          <a:ln w="50800">
+            <a:solidFill>
+              <a:schemeClr val="bg1">
+                <a:lumMod val="75000"/>
+              </a:schemeClr>
+            </a:solidFill>
+            <a:tailEnd type="triangle"/>
+          </a:ln>
+        </p:spPr>
+        <p:style>
+          <a:lnRef idx="1">
+            <a:schemeClr val="accent1"/>
+          </a:lnRef>
+          <a:fillRef idx="0">
+            <a:schemeClr val="accent1"/>
+          </a:fillRef>
+          <a:effectRef idx="0">
+            <a:schemeClr val="accent1"/>
+          </a:effectRef>
+          <a:fontRef idx="minor">
+            <a:schemeClr val="tx1"/>
+          </a:fontRef>
+        </p:style>
+      </p:cxnSp>
+      <p:cxnSp>
+        <p:nvCxnSpPr>
+          <p:cNvPr id="32" name="Straight Arrow Connector 31">
+            <a:extLst>
+              <a:ext uri="{FF2B5EF4-FFF2-40B4-BE49-F238E27FC236}">
+                <a16:creationId xmlns:a16="http://schemas.microsoft.com/office/drawing/2014/main" id="{D2A8A8E6-B2E5-45DE-BA4D-7ADBFFDB6AD2}"/>
+              </a:ext>
+            </a:extLst>
+          </p:cNvPr>
+          <p:cNvCxnSpPr>
+            <a:stCxn id="9" idx="3"/>
+            <a:endCxn id="11" idx="1"/>
+          </p:cNvCxnSpPr>
+          <p:nvPr/>
+        </p:nvCxnSpPr>
+        <p:spPr>
+          <a:xfrm>
+            <a:off x="3168352" y="3048992"/>
+            <a:ext cx="580825" cy="0"/>
+          </a:xfrm>
+          <a:prstGeom prst="straightConnector1">
+            <a:avLst/>
+          </a:prstGeom>
+          <a:ln w="50800">
+            <a:solidFill>
+              <a:schemeClr val="bg1">
+                <a:lumMod val="75000"/>
+              </a:schemeClr>
+            </a:solidFill>
+            <a:tailEnd type="triangle"/>
+          </a:ln>
+        </p:spPr>
+        <p:style>
+          <a:lnRef idx="1">
+            <a:schemeClr val="accent1"/>
+          </a:lnRef>
+          <a:fillRef idx="0">
+            <a:schemeClr val="accent1"/>
+          </a:fillRef>
+          <a:effectRef idx="0">
+            <a:schemeClr val="accent1"/>
+          </a:effectRef>
+          <a:fontRef idx="minor">
+            <a:schemeClr val="tx1"/>
+          </a:fontRef>
+        </p:style>
+      </p:cxnSp>
+      <p:cxnSp>
+        <p:nvCxnSpPr>
+          <p:cNvPr id="34" name="Straight Arrow Connector 33">
+            <a:extLst>
+              <a:ext uri="{FF2B5EF4-FFF2-40B4-BE49-F238E27FC236}">
+                <a16:creationId xmlns:a16="http://schemas.microsoft.com/office/drawing/2014/main" id="{5B2224A9-9B2C-4477-8E08-E82835C05B78}"/>
+              </a:ext>
+            </a:extLst>
+          </p:cNvPr>
+          <p:cNvCxnSpPr>
+            <a:cxnSpLocks/>
+            <a:stCxn id="10" idx="3"/>
+          </p:cNvCxnSpPr>
+          <p:nvPr/>
+        </p:nvCxnSpPr>
+        <p:spPr>
+          <a:xfrm flipV="1">
+            <a:off x="3168352" y="3448969"/>
+            <a:ext cx="695623" cy="794685"/>
+          </a:xfrm>
+          <a:prstGeom prst="straightConnector1">
+            <a:avLst/>
+          </a:prstGeom>
+          <a:ln w="50800">
+            <a:solidFill>
+              <a:srgbClr val="C00000"/>
+            </a:solidFill>
+            <a:tailEnd type="triangle"/>
+          </a:ln>
+        </p:spPr>
+        <p:style>
+          <a:lnRef idx="1">
+            <a:schemeClr val="accent1"/>
+          </a:lnRef>
+          <a:fillRef idx="0">
+            <a:schemeClr val="accent1"/>
+          </a:fillRef>
+          <a:effectRef idx="0">
+            <a:schemeClr val="accent1"/>
+          </a:effectRef>
+          <a:fontRef idx="minor">
+            <a:schemeClr val="tx1"/>
+          </a:fontRef>
+        </p:style>
+      </p:cxnSp>
+      <p:cxnSp>
+        <p:nvCxnSpPr>
+          <p:cNvPr id="44" name="Straight Arrow Connector 43">
+            <a:extLst>
+              <a:ext uri="{FF2B5EF4-FFF2-40B4-BE49-F238E27FC236}">
+                <a16:creationId xmlns:a16="http://schemas.microsoft.com/office/drawing/2014/main" id="{EAA03B0B-F21B-44CC-8637-44A424DD4561}"/>
+              </a:ext>
+            </a:extLst>
+          </p:cNvPr>
+          <p:cNvCxnSpPr>
+            <a:cxnSpLocks/>
+            <a:stCxn id="11" idx="3"/>
+            <a:endCxn id="14" idx="1"/>
+          </p:cNvCxnSpPr>
+          <p:nvPr/>
+        </p:nvCxnSpPr>
+        <p:spPr>
+          <a:xfrm>
+            <a:off x="4829297" y="3048992"/>
+            <a:ext cx="370437" cy="0"/>
+          </a:xfrm>
+          <a:prstGeom prst="straightConnector1">
+            <a:avLst/>
+          </a:prstGeom>
+          <a:ln w="50800">
+            <a:solidFill>
+              <a:srgbClr val="C00000"/>
+            </a:solidFill>
+            <a:tailEnd type="triangle"/>
+          </a:ln>
+        </p:spPr>
+        <p:style>
+          <a:lnRef idx="1">
+            <a:schemeClr val="accent1"/>
+          </a:lnRef>
+          <a:fillRef idx="0">
+            <a:schemeClr val="accent1"/>
+          </a:fillRef>
+          <a:effectRef idx="0">
+            <a:schemeClr val="accent1"/>
+          </a:effectRef>
+          <a:fontRef idx="minor">
+            <a:schemeClr val="tx1"/>
+          </a:fontRef>
+        </p:style>
+      </p:cxnSp>
+      <p:cxnSp>
+        <p:nvCxnSpPr>
+          <p:cNvPr id="46" name="Straight Arrow Connector 45">
+            <a:extLst>
+              <a:ext uri="{FF2B5EF4-FFF2-40B4-BE49-F238E27FC236}">
+                <a16:creationId xmlns:a16="http://schemas.microsoft.com/office/drawing/2014/main" id="{5A0CFD1D-AF05-4FB5-940D-2653D4AB092C}"/>
+              </a:ext>
+            </a:extLst>
+          </p:cNvPr>
+          <p:cNvCxnSpPr>
+            <a:cxnSpLocks/>
+            <a:endCxn id="45" idx="1"/>
+          </p:cNvCxnSpPr>
+          <p:nvPr/>
+        </p:nvCxnSpPr>
+        <p:spPr>
+          <a:xfrm flipV="1">
+            <a:off x="4705847" y="1839404"/>
+            <a:ext cx="366883" cy="809614"/>
+          </a:xfrm>
+          <a:prstGeom prst="straightConnector1">
+            <a:avLst/>
+          </a:prstGeom>
+          <a:ln w="50800">
+            <a:solidFill>
+              <a:schemeClr val="bg1">
+                <a:lumMod val="75000"/>
+              </a:schemeClr>
+            </a:solidFill>
+            <a:tailEnd type="triangle"/>
+          </a:ln>
+        </p:spPr>
+        <p:style>
+          <a:lnRef idx="1">
+            <a:schemeClr val="accent1"/>
+          </a:lnRef>
+          <a:fillRef idx="0">
+            <a:schemeClr val="accent1"/>
+          </a:fillRef>
+          <a:effectRef idx="0">
+            <a:schemeClr val="accent1"/>
+          </a:effectRef>
+          <a:fontRef idx="minor">
+            <a:schemeClr val="tx1"/>
+          </a:fontRef>
+        </p:style>
+      </p:cxnSp>
+      <p:cxnSp>
+        <p:nvCxnSpPr>
+          <p:cNvPr id="48" name="Straight Arrow Connector 47">
+            <a:extLst>
+              <a:ext uri="{FF2B5EF4-FFF2-40B4-BE49-F238E27FC236}">
+                <a16:creationId xmlns:a16="http://schemas.microsoft.com/office/drawing/2014/main" id="{85275996-8B52-4CAA-8FD4-F86CB341CE8C}"/>
+              </a:ext>
+            </a:extLst>
+          </p:cNvPr>
+          <p:cNvCxnSpPr>
+            <a:cxnSpLocks/>
+            <a:endCxn id="52" idx="1"/>
+          </p:cNvCxnSpPr>
+          <p:nvPr/>
+        </p:nvCxnSpPr>
+        <p:spPr>
+          <a:xfrm>
+            <a:off x="4680520" y="3429000"/>
+            <a:ext cx="392210" cy="814654"/>
+          </a:xfrm>
+          <a:prstGeom prst="straightConnector1">
+            <a:avLst/>
+          </a:prstGeom>
+          <a:ln w="50800">
+            <a:solidFill>
+              <a:schemeClr val="bg1">
+                <a:lumMod val="75000"/>
+              </a:schemeClr>
+            </a:solidFill>
+            <a:tailEnd type="triangle"/>
+          </a:ln>
+        </p:spPr>
+        <p:style>
+          <a:lnRef idx="1">
+            <a:schemeClr val="accent1"/>
+          </a:lnRef>
+          <a:fillRef idx="0">
+            <a:schemeClr val="accent1"/>
+          </a:fillRef>
+          <a:effectRef idx="0">
+            <a:schemeClr val="accent1"/>
+          </a:effectRef>
+          <a:fontRef idx="minor">
+            <a:schemeClr val="tx1"/>
+          </a:fontRef>
+        </p:style>
+      </p:cxnSp>
+      <p:cxnSp>
+        <p:nvCxnSpPr>
+          <p:cNvPr id="58" name="Straight Arrow Connector 57">
+            <a:extLst>
+              <a:ext uri="{FF2B5EF4-FFF2-40B4-BE49-F238E27FC236}">
+                <a16:creationId xmlns:a16="http://schemas.microsoft.com/office/drawing/2014/main" id="{FF5FD454-AA4A-4DBE-9966-7B8074E1AA1B}"/>
+              </a:ext>
+            </a:extLst>
+          </p:cNvPr>
+          <p:cNvCxnSpPr>
+            <a:cxnSpLocks/>
+            <a:stCxn id="45" idx="3"/>
+          </p:cNvCxnSpPr>
+          <p:nvPr/>
+        </p:nvCxnSpPr>
+        <p:spPr>
+          <a:xfrm>
+            <a:off x="6799068" y="1839404"/>
+            <a:ext cx="449457" cy="833946"/>
+          </a:xfrm>
+          <a:prstGeom prst="straightConnector1">
+            <a:avLst/>
+          </a:prstGeom>
+          <a:ln w="50800">
+            <a:solidFill>
+              <a:schemeClr val="bg1">
+                <a:lumMod val="75000"/>
+              </a:schemeClr>
+            </a:solidFill>
+            <a:tailEnd type="triangle"/>
+          </a:ln>
+        </p:spPr>
+        <p:style>
+          <a:lnRef idx="1">
+            <a:schemeClr val="accent1"/>
+          </a:lnRef>
+          <a:fillRef idx="0">
+            <a:schemeClr val="accent1"/>
+          </a:fillRef>
+          <a:effectRef idx="0">
+            <a:schemeClr val="accent1"/>
+          </a:effectRef>
+          <a:fontRef idx="minor">
+            <a:schemeClr val="tx1"/>
+          </a:fontRef>
+        </p:style>
+      </p:cxnSp>
+      <p:cxnSp>
+        <p:nvCxnSpPr>
+          <p:cNvPr id="60" name="Straight Arrow Connector 59">
+            <a:extLst>
+              <a:ext uri="{FF2B5EF4-FFF2-40B4-BE49-F238E27FC236}">
+                <a16:creationId xmlns:a16="http://schemas.microsoft.com/office/drawing/2014/main" id="{49BCEBE5-B00A-4CB2-8C6C-29AD81C34785}"/>
+              </a:ext>
+            </a:extLst>
+          </p:cNvPr>
+          <p:cNvCxnSpPr>
+            <a:cxnSpLocks/>
+            <a:stCxn id="14" idx="3"/>
+            <a:endCxn id="16" idx="1"/>
+          </p:cNvCxnSpPr>
+          <p:nvPr/>
+        </p:nvCxnSpPr>
+        <p:spPr>
+          <a:xfrm>
+            <a:off x="6672064" y="3048992"/>
+            <a:ext cx="453011" cy="0"/>
+          </a:xfrm>
+          <a:prstGeom prst="straightConnector1">
+            <a:avLst/>
+          </a:prstGeom>
+          <a:ln w="50800">
+            <a:solidFill>
+              <a:srgbClr val="C00000"/>
+            </a:solidFill>
+            <a:tailEnd type="triangle"/>
+          </a:ln>
+        </p:spPr>
+        <p:style>
+          <a:lnRef idx="1">
+            <a:schemeClr val="accent1"/>
+          </a:lnRef>
+          <a:fillRef idx="0">
+            <a:schemeClr val="accent1"/>
+          </a:fillRef>
+          <a:effectRef idx="0">
+            <a:schemeClr val="accent1"/>
+          </a:effectRef>
+          <a:fontRef idx="minor">
+            <a:schemeClr val="tx1"/>
+          </a:fontRef>
+        </p:style>
+      </p:cxnSp>
+      <p:cxnSp>
+        <p:nvCxnSpPr>
+          <p:cNvPr id="62" name="Straight Arrow Connector 61">
+            <a:extLst>
+              <a:ext uri="{FF2B5EF4-FFF2-40B4-BE49-F238E27FC236}">
+                <a16:creationId xmlns:a16="http://schemas.microsoft.com/office/drawing/2014/main" id="{82083CD0-72D9-4FFB-92E0-CB8F5F561B20}"/>
+              </a:ext>
+            </a:extLst>
+          </p:cNvPr>
+          <p:cNvCxnSpPr>
+            <a:cxnSpLocks/>
+            <a:stCxn id="52" idx="3"/>
+          </p:cNvCxnSpPr>
+          <p:nvPr/>
+        </p:nvCxnSpPr>
+        <p:spPr>
+          <a:xfrm flipV="1">
+            <a:off x="6799068" y="3429000"/>
+            <a:ext cx="449457" cy="814654"/>
+          </a:xfrm>
+          <a:prstGeom prst="straightConnector1">
+            <a:avLst/>
+          </a:prstGeom>
+          <a:ln w="50800">
+            <a:solidFill>
+              <a:schemeClr val="bg1">
+                <a:lumMod val="75000"/>
+              </a:schemeClr>
+            </a:solidFill>
+            <a:tailEnd type="triangle"/>
+          </a:ln>
+        </p:spPr>
+        <p:style>
+          <a:lnRef idx="1">
+            <a:schemeClr val="accent1"/>
+          </a:lnRef>
+          <a:fillRef idx="0">
+            <a:schemeClr val="accent1"/>
+          </a:fillRef>
+          <a:effectRef idx="0">
+            <a:schemeClr val="accent1"/>
+          </a:effectRef>
+          <a:fontRef idx="minor">
+            <a:schemeClr val="tx1"/>
+          </a:fontRef>
+        </p:style>
+      </p:cxnSp>
+      <p:cxnSp>
+        <p:nvCxnSpPr>
+          <p:cNvPr id="64" name="Straight Arrow Connector 63">
+            <a:extLst>
+              <a:ext uri="{FF2B5EF4-FFF2-40B4-BE49-F238E27FC236}">
+                <a16:creationId xmlns:a16="http://schemas.microsoft.com/office/drawing/2014/main" id="{CDB83495-36E2-45FE-9AC8-8DB8E505C80E}"/>
+              </a:ext>
+            </a:extLst>
+          </p:cNvPr>
+          <p:cNvCxnSpPr>
+            <a:stCxn id="16" idx="3"/>
+            <a:endCxn id="18" idx="1"/>
+          </p:cNvCxnSpPr>
+          <p:nvPr/>
+        </p:nvCxnSpPr>
+        <p:spPr>
+          <a:xfrm>
+            <a:off x="8205195" y="3048992"/>
+            <a:ext cx="649116" cy="0"/>
+          </a:xfrm>
+          <a:prstGeom prst="straightConnector1">
+            <a:avLst/>
+          </a:prstGeom>
+          <a:ln w="50800">
+            <a:solidFill>
+              <a:schemeClr val="bg1">
+                <a:lumMod val="75000"/>
+              </a:schemeClr>
+            </a:solidFill>
+            <a:tailEnd type="triangle"/>
+          </a:ln>
+        </p:spPr>
+        <p:style>
+          <a:lnRef idx="1">
+            <a:schemeClr val="accent1"/>
+          </a:lnRef>
+          <a:fillRef idx="0">
+            <a:schemeClr val="accent1"/>
+          </a:fillRef>
+          <a:effectRef idx="0">
+            <a:schemeClr val="accent1"/>
+          </a:effectRef>
+          <a:fontRef idx="minor">
+            <a:schemeClr val="tx1"/>
+          </a:fontRef>
+        </p:style>
+      </p:cxnSp>
+      <p:cxnSp>
+        <p:nvCxnSpPr>
+          <p:cNvPr id="67" name="Straight Arrow Connector 66">
+            <a:extLst>
+              <a:ext uri="{FF2B5EF4-FFF2-40B4-BE49-F238E27FC236}">
+                <a16:creationId xmlns:a16="http://schemas.microsoft.com/office/drawing/2014/main" id="{05261EF5-85A6-43F4-8A65-7849D8274C9B}"/>
+              </a:ext>
+            </a:extLst>
+          </p:cNvPr>
+          <p:cNvCxnSpPr>
+            <a:cxnSpLocks/>
+            <a:endCxn id="17" idx="1"/>
+          </p:cNvCxnSpPr>
+          <p:nvPr/>
+        </p:nvCxnSpPr>
+        <p:spPr>
+          <a:xfrm flipV="1">
+            <a:off x="8055374" y="1839404"/>
+            <a:ext cx="798937" cy="829580"/>
+          </a:xfrm>
+          <a:prstGeom prst="straightConnector1">
+            <a:avLst/>
+          </a:prstGeom>
+          <a:ln w="50800">
+            <a:solidFill>
+              <a:schemeClr val="bg1">
+                <a:lumMod val="75000"/>
+              </a:schemeClr>
+            </a:solidFill>
+            <a:tailEnd type="triangle"/>
+          </a:ln>
+        </p:spPr>
+        <p:style>
+          <a:lnRef idx="1">
+            <a:schemeClr val="accent1"/>
+          </a:lnRef>
+          <a:fillRef idx="0">
+            <a:schemeClr val="accent1"/>
+          </a:fillRef>
+          <a:effectRef idx="0">
+            <a:schemeClr val="accent1"/>
+          </a:effectRef>
+          <a:fontRef idx="minor">
+            <a:schemeClr val="tx1"/>
+          </a:fontRef>
+        </p:style>
+      </p:cxnSp>
+      <p:cxnSp>
+        <p:nvCxnSpPr>
+          <p:cNvPr id="72" name="Straight Arrow Connector 71">
+            <a:extLst>
+              <a:ext uri="{FF2B5EF4-FFF2-40B4-BE49-F238E27FC236}">
+                <a16:creationId xmlns:a16="http://schemas.microsoft.com/office/drawing/2014/main" id="{C86E5719-74F2-42F8-AF99-C7C99526C2DB}"/>
+              </a:ext>
+            </a:extLst>
+          </p:cNvPr>
+          <p:cNvCxnSpPr>
+            <a:endCxn id="19" idx="1"/>
+          </p:cNvCxnSpPr>
+          <p:nvPr/>
+        </p:nvCxnSpPr>
+        <p:spPr>
+          <a:xfrm>
+            <a:off x="8075613" y="3429000"/>
+            <a:ext cx="778698" cy="814654"/>
+          </a:xfrm>
+          <a:prstGeom prst="straightConnector1">
+            <a:avLst/>
+          </a:prstGeom>
+          <a:ln w="50800">
+            <a:solidFill>
+              <a:srgbClr val="C00000"/>
+            </a:solidFill>
+            <a:tailEnd type="triangle"/>
+          </a:ln>
+        </p:spPr>
+        <p:style>
+          <a:lnRef idx="1">
+            <a:schemeClr val="accent1"/>
+          </a:lnRef>
+          <a:fillRef idx="0">
+            <a:schemeClr val="accent1"/>
+          </a:fillRef>
+          <a:effectRef idx="0">
+            <a:schemeClr val="accent1"/>
+          </a:effectRef>
+          <a:fontRef idx="minor">
+            <a:schemeClr val="tx1"/>
+          </a:fontRef>
+        </p:style>
+      </p:cxnSp>
+      <p:cxnSp>
+        <p:nvCxnSpPr>
+          <p:cNvPr id="74" name="Straight Arrow Connector 73">
+            <a:extLst>
+              <a:ext uri="{FF2B5EF4-FFF2-40B4-BE49-F238E27FC236}">
+                <a16:creationId xmlns:a16="http://schemas.microsoft.com/office/drawing/2014/main" id="{B5367E12-0446-4598-86F3-634DD11688CD}"/>
+              </a:ext>
+            </a:extLst>
+          </p:cNvPr>
+          <p:cNvCxnSpPr>
+            <a:stCxn id="17" idx="3"/>
+            <a:endCxn id="20" idx="1"/>
+          </p:cNvCxnSpPr>
+          <p:nvPr/>
+        </p:nvCxnSpPr>
+        <p:spPr>
+          <a:xfrm>
+            <a:off x="9793087" y="1839404"/>
+            <a:ext cx="349953" cy="0"/>
+          </a:xfrm>
+          <a:prstGeom prst="straightConnector1">
+            <a:avLst/>
+          </a:prstGeom>
+          <a:ln w="50800">
+            <a:solidFill>
+              <a:schemeClr val="bg1">
+                <a:lumMod val="75000"/>
+              </a:schemeClr>
+            </a:solidFill>
+            <a:tailEnd type="triangle"/>
+          </a:ln>
+        </p:spPr>
+        <p:style>
+          <a:lnRef idx="1">
+            <a:schemeClr val="accent1"/>
+          </a:lnRef>
+          <a:fillRef idx="0">
+            <a:schemeClr val="accent1"/>
+          </a:fillRef>
+          <a:effectRef idx="0">
+            <a:schemeClr val="accent1"/>
+          </a:effectRef>
+          <a:fontRef idx="minor">
+            <a:schemeClr val="tx1"/>
+          </a:fontRef>
+        </p:style>
+      </p:cxnSp>
+      <p:cxnSp>
+        <p:nvCxnSpPr>
+          <p:cNvPr id="76" name="Straight Arrow Connector 75">
+            <a:extLst>
+              <a:ext uri="{FF2B5EF4-FFF2-40B4-BE49-F238E27FC236}">
+                <a16:creationId xmlns:a16="http://schemas.microsoft.com/office/drawing/2014/main" id="{7D1F215A-F22E-42F0-ACE3-3C4C6FDF1691}"/>
+              </a:ext>
+            </a:extLst>
+          </p:cNvPr>
+          <p:cNvCxnSpPr>
+            <a:stCxn id="18" idx="3"/>
+            <a:endCxn id="21" idx="1"/>
+          </p:cNvCxnSpPr>
+          <p:nvPr/>
+        </p:nvCxnSpPr>
+        <p:spPr>
+          <a:xfrm>
+            <a:off x="9793087" y="3048992"/>
+            <a:ext cx="349953" cy="0"/>
+          </a:xfrm>
+          <a:prstGeom prst="straightConnector1">
+            <a:avLst/>
+          </a:prstGeom>
+          <a:ln w="50800">
+            <a:solidFill>
+              <a:schemeClr val="bg1">
+                <a:lumMod val="75000"/>
+              </a:schemeClr>
+            </a:solidFill>
+            <a:tailEnd type="triangle"/>
+          </a:ln>
+        </p:spPr>
+        <p:style>
+          <a:lnRef idx="1">
+            <a:schemeClr val="accent1"/>
+          </a:lnRef>
+          <a:fillRef idx="0">
+            <a:schemeClr val="accent1"/>
+          </a:fillRef>
+          <a:effectRef idx="0">
+            <a:schemeClr val="accent1"/>
+          </a:effectRef>
+          <a:fontRef idx="minor">
+            <a:schemeClr val="tx1"/>
+          </a:fontRef>
+        </p:style>
+      </p:cxnSp>
+      <p:cxnSp>
+        <p:nvCxnSpPr>
+          <p:cNvPr id="78" name="Straight Arrow Connector 77">
+            <a:extLst>
+              <a:ext uri="{FF2B5EF4-FFF2-40B4-BE49-F238E27FC236}">
+                <a16:creationId xmlns:a16="http://schemas.microsoft.com/office/drawing/2014/main" id="{1C0C7021-88A8-4852-9D44-ED5C51BF97CE}"/>
+              </a:ext>
+            </a:extLst>
+          </p:cNvPr>
+          <p:cNvCxnSpPr>
+            <a:stCxn id="19" idx="3"/>
+            <a:endCxn id="22" idx="1"/>
+          </p:cNvCxnSpPr>
+          <p:nvPr/>
+        </p:nvCxnSpPr>
+        <p:spPr>
+          <a:xfrm>
+            <a:off x="9793087" y="4243654"/>
+            <a:ext cx="349953" cy="0"/>
+          </a:xfrm>
+          <a:prstGeom prst="straightConnector1">
+            <a:avLst/>
+          </a:prstGeom>
+          <a:ln w="50800">
+            <a:solidFill>
+              <a:srgbClr val="C00000"/>
+            </a:solidFill>
+            <a:tailEnd type="triangle"/>
+          </a:ln>
+        </p:spPr>
+        <p:style>
+          <a:lnRef idx="1">
+            <a:schemeClr val="accent1"/>
+          </a:lnRef>
+          <a:fillRef idx="0">
+            <a:schemeClr val="accent1"/>
+          </a:fillRef>
+          <a:effectRef idx="0">
+            <a:schemeClr val="accent1"/>
+          </a:effectRef>
+          <a:fontRef idx="minor">
+            <a:schemeClr val="tx1"/>
+          </a:fontRef>
+        </p:style>
+      </p:cxnSp>
+      <p:sp>
+        <p:nvSpPr>
+          <p:cNvPr id="45" name="Rectangle 44">
+            <a:extLst>
+              <a:ext uri="{FF2B5EF4-FFF2-40B4-BE49-F238E27FC236}">
+                <a16:creationId xmlns:a16="http://schemas.microsoft.com/office/drawing/2014/main" id="{E38074C0-A3B3-4615-BC4B-A64EC69B2D87}"/>
+              </a:ext>
+            </a:extLst>
+          </p:cNvPr>
+          <p:cNvSpPr/>
+          <p:nvPr/>
+        </p:nvSpPr>
+        <p:spPr>
+          <a:xfrm>
+            <a:off x="5072730" y="1479364"/>
+            <a:ext cx="1726338" cy="720080"/>
+          </a:xfrm>
+          <a:prstGeom prst="rect">
+            <a:avLst/>
+          </a:prstGeom>
+          <a:solidFill>
+            <a:schemeClr val="bg1">
+              <a:lumMod val="95000"/>
+            </a:schemeClr>
+          </a:solidFill>
+          <a:ln w="28575">
+            <a:solidFill>
+              <a:schemeClr val="tx1">
+                <a:lumMod val="75000"/>
+                <a:lumOff val="25000"/>
+              </a:schemeClr>
+            </a:solidFill>
+          </a:ln>
+        </p:spPr>
+        <p:style>
+          <a:lnRef idx="2">
+            <a:schemeClr val="accent1">
+              <a:shade val="50000"/>
+            </a:schemeClr>
+          </a:lnRef>
+          <a:fillRef idx="1">
+            <a:schemeClr val="accent1"/>
+          </a:fillRef>
+          <a:effectRef idx="0">
+            <a:schemeClr val="accent1"/>
+          </a:effectRef>
+          <a:fontRef idx="minor">
+            <a:schemeClr val="lt1"/>
+          </a:fontRef>
+        </p:style>
+        <p:txBody>
+          <a:bodyPr rtlCol="0" anchor="ctr"/>
+          <a:lstStyle/>
+          <a:p>
+            <a:pPr algn="ctr"/>
+            <a:r>
+              <a:rPr kumimoji="1" lang="en-US" altLang="ja-JP" sz="1100" b="1" dirty="0">
+                <a:solidFill>
+                  <a:schemeClr val="tx1">
+                    <a:lumMod val="75000"/>
+                    <a:lumOff val="25000"/>
+                  </a:schemeClr>
+                </a:solidFill>
+                <a:latin typeface="游ゴシック Medium" panose="020B0500000000000000" pitchFamily="50" charset="-128"/>
+                <a:ea typeface="游ゴシック Medium" panose="020B0500000000000000" pitchFamily="50" charset="-128"/>
+              </a:rPr>
+              <a:t>View </a:t>
+            </a:r>
+            <a:r>
+              <a:rPr lang="en-US" altLang="ja-JP" sz="1100" b="1" dirty="0">
+                <a:solidFill>
+                  <a:schemeClr val="tx1">
+                    <a:lumMod val="75000"/>
+                    <a:lumOff val="25000"/>
+                  </a:schemeClr>
+                </a:solidFill>
+                <a:latin typeface="游ゴシック Medium" panose="020B0500000000000000" pitchFamily="50" charset="-128"/>
+                <a:ea typeface="游ゴシック Medium" panose="020B0500000000000000" pitchFamily="50" charset="-128"/>
+              </a:rPr>
+              <a:t>Transform</a:t>
+            </a:r>
+          </a:p>
+          <a:p>
+            <a:pPr algn="ctr"/>
+            <a:r>
+              <a:rPr kumimoji="1" lang="en-US" altLang="ja-JP" sz="1100" b="1" dirty="0">
+                <a:solidFill>
+                  <a:schemeClr val="tx1">
+                    <a:lumMod val="75000"/>
+                    <a:lumOff val="25000"/>
+                  </a:schemeClr>
+                </a:solidFill>
+                <a:latin typeface="游ゴシック Medium" panose="020B0500000000000000" pitchFamily="50" charset="-128"/>
+                <a:ea typeface="游ゴシック Medium" panose="020B0500000000000000" pitchFamily="50" charset="-128"/>
+              </a:rPr>
+              <a:t>SDR-VIDEO_BT709_1.1</a:t>
+            </a:r>
+            <a:endParaRPr kumimoji="1" lang="ja-JP" altLang="en-US" sz="1100" b="1" dirty="0">
+              <a:solidFill>
+                <a:schemeClr val="tx1">
+                  <a:lumMod val="75000"/>
+                  <a:lumOff val="25000"/>
+                </a:schemeClr>
+              </a:solidFill>
+              <a:latin typeface="游ゴシック Medium" panose="020B0500000000000000" pitchFamily="50" charset="-128"/>
+              <a:ea typeface="游ゴシック Medium" panose="020B0500000000000000" pitchFamily="50" charset="-128"/>
+            </a:endParaRPr>
+          </a:p>
+        </p:txBody>
+      </p:sp>
+      <p:sp>
+        <p:nvSpPr>
+          <p:cNvPr id="52" name="Rectangle 51">
+            <a:extLst>
+              <a:ext uri="{FF2B5EF4-FFF2-40B4-BE49-F238E27FC236}">
+                <a16:creationId xmlns:a16="http://schemas.microsoft.com/office/drawing/2014/main" id="{07512D3C-3061-44D6-8B6E-1A17CEB2016C}"/>
+              </a:ext>
+            </a:extLst>
+          </p:cNvPr>
+          <p:cNvSpPr/>
+          <p:nvPr/>
+        </p:nvSpPr>
+        <p:spPr>
+          <a:xfrm>
+            <a:off x="5072730" y="3883614"/>
+            <a:ext cx="1726338" cy="720080"/>
+          </a:xfrm>
+          <a:prstGeom prst="rect">
+            <a:avLst/>
+          </a:prstGeom>
+          <a:solidFill>
+            <a:schemeClr val="bg1">
+              <a:lumMod val="95000"/>
+            </a:schemeClr>
+          </a:solidFill>
+          <a:ln w="28575">
+            <a:solidFill>
+              <a:schemeClr val="tx1">
+                <a:lumMod val="75000"/>
+                <a:lumOff val="25000"/>
+              </a:schemeClr>
+            </a:solidFill>
+          </a:ln>
+        </p:spPr>
+        <p:style>
+          <a:lnRef idx="2">
+            <a:schemeClr val="accent1">
+              <a:shade val="50000"/>
+            </a:schemeClr>
+          </a:lnRef>
+          <a:fillRef idx="1">
+            <a:schemeClr val="accent1"/>
+          </a:fillRef>
+          <a:effectRef idx="0">
+            <a:schemeClr val="accent1"/>
+          </a:effectRef>
+          <a:fontRef idx="minor">
+            <a:schemeClr val="lt1"/>
+          </a:fontRef>
+        </p:style>
+        <p:txBody>
+          <a:bodyPr rtlCol="0" anchor="ctr"/>
+          <a:lstStyle/>
+          <a:p>
+            <a:pPr algn="ctr"/>
+            <a:r>
+              <a:rPr kumimoji="1" lang="en-US" altLang="ja-JP" sz="1100" b="1" dirty="0">
+                <a:solidFill>
+                  <a:schemeClr val="tx1">
+                    <a:lumMod val="75000"/>
+                    <a:lumOff val="25000"/>
+                  </a:schemeClr>
+                </a:solidFill>
+                <a:latin typeface="游ゴシック Medium" panose="020B0500000000000000" pitchFamily="50" charset="-128"/>
+                <a:ea typeface="游ゴシック Medium" panose="020B0500000000000000" pitchFamily="50" charset="-128"/>
+              </a:rPr>
+              <a:t>View </a:t>
+            </a:r>
+            <a:r>
+              <a:rPr lang="en-US" altLang="ja-JP" sz="1100" b="1" dirty="0">
+                <a:solidFill>
+                  <a:schemeClr val="tx1">
+                    <a:lumMod val="75000"/>
+                    <a:lumOff val="25000"/>
+                  </a:schemeClr>
+                </a:solidFill>
+                <a:latin typeface="游ゴシック Medium" panose="020B0500000000000000" pitchFamily="50" charset="-128"/>
+                <a:ea typeface="游ゴシック Medium" panose="020B0500000000000000" pitchFamily="50" charset="-128"/>
+              </a:rPr>
+              <a:t>Transform</a:t>
+            </a:r>
+          </a:p>
+          <a:p>
+            <a:pPr algn="ctr"/>
+            <a:r>
+              <a:rPr kumimoji="1" lang="en-US" altLang="ja-JP" sz="1100" b="1" dirty="0">
+                <a:solidFill>
+                  <a:schemeClr val="tx1">
+                    <a:lumMod val="75000"/>
+                    <a:lumOff val="25000"/>
+                  </a:schemeClr>
+                </a:solidFill>
+                <a:latin typeface="游ゴシック Medium" panose="020B0500000000000000" pitchFamily="50" charset="-128"/>
+                <a:ea typeface="游ゴシック Medium" panose="020B0500000000000000" pitchFamily="50" charset="-128"/>
+              </a:rPr>
+              <a:t>Luminance_Map_4000nit BT1886-BT709</a:t>
+            </a:r>
+            <a:endParaRPr kumimoji="1" lang="ja-JP" altLang="en-US" sz="1100" b="1" dirty="0">
+              <a:solidFill>
+                <a:schemeClr val="tx1">
+                  <a:lumMod val="75000"/>
+                  <a:lumOff val="25000"/>
+                </a:schemeClr>
+              </a:solidFill>
+              <a:latin typeface="游ゴシック Medium" panose="020B0500000000000000" pitchFamily="50" charset="-128"/>
+              <a:ea typeface="游ゴシック Medium" panose="020B0500000000000000" pitchFamily="50" charset="-128"/>
+            </a:endParaRPr>
+          </a:p>
+        </p:txBody>
+      </p:sp>
+      <p:sp>
+        <p:nvSpPr>
+          <p:cNvPr id="12" name="Rectangle: Rounded Corners 11">
+            <a:extLst>
+              <a:ext uri="{FF2B5EF4-FFF2-40B4-BE49-F238E27FC236}">
+                <a16:creationId xmlns:a16="http://schemas.microsoft.com/office/drawing/2014/main" id="{B56B19F2-480F-4371-A927-479A3F458916}"/>
+              </a:ext>
+            </a:extLst>
+          </p:cNvPr>
+          <p:cNvSpPr/>
+          <p:nvPr/>
+        </p:nvSpPr>
+        <p:spPr>
+          <a:xfrm>
+            <a:off x="6226585" y="2059732"/>
+            <a:ext cx="2877100" cy="338142"/>
+          </a:xfrm>
+          <a:prstGeom prst="roundRect">
+            <a:avLst>
+              <a:gd name="adj" fmla="val 40076"/>
+            </a:avLst>
+          </a:prstGeom>
+          <a:ln>
+            <a:noFill/>
+          </a:ln>
+        </p:spPr>
+        <p:style>
+          <a:lnRef idx="2">
+            <a:schemeClr val="accent1">
+              <a:shade val="50000"/>
+            </a:schemeClr>
+          </a:lnRef>
+          <a:fillRef idx="1">
+            <a:schemeClr val="accent1"/>
+          </a:fillRef>
+          <a:effectRef idx="0">
+            <a:schemeClr val="accent1"/>
+          </a:effectRef>
+          <a:fontRef idx="minor">
+            <a:schemeClr val="lt1"/>
+          </a:fontRef>
+        </p:style>
+        <p:txBody>
+          <a:bodyPr rtlCol="0" anchor="ctr"/>
+          <a:lstStyle/>
+          <a:p>
+            <a:pPr algn="ctr"/>
+            <a:r>
+              <a:rPr kumimoji="1" lang="en-US" altLang="ja-JP" sz="1600" b="1" dirty="0">
+                <a:latin typeface="游ゴシック Medium" panose="020B0500000000000000" pitchFamily="50" charset="-128"/>
+                <a:ea typeface="游ゴシック Medium" panose="020B0500000000000000" pitchFamily="50" charset="-128"/>
+              </a:rPr>
+              <a:t>Simple BT1886-BT709</a:t>
+            </a:r>
+            <a:endParaRPr kumimoji="1" lang="ja-JP" altLang="en-US" sz="1600" b="1" dirty="0">
+              <a:latin typeface="游ゴシック Medium" panose="020B0500000000000000" pitchFamily="50" charset="-128"/>
+              <a:ea typeface="游ゴシック Medium" panose="020B0500000000000000" pitchFamily="50" charset="-128"/>
+            </a:endParaRPr>
+          </a:p>
+        </p:txBody>
+      </p:sp>
+      <p:sp>
+        <p:nvSpPr>
+          <p:cNvPr id="2" name="Freeform: Shape 1">
+            <a:extLst>
+              <a:ext uri="{FF2B5EF4-FFF2-40B4-BE49-F238E27FC236}">
+                <a16:creationId xmlns:a16="http://schemas.microsoft.com/office/drawing/2014/main" id="{D9F90628-E935-4933-A5AD-6559B1C8E806}"/>
+              </a:ext>
+            </a:extLst>
+          </p:cNvPr>
+          <p:cNvSpPr/>
+          <p:nvPr/>
+        </p:nvSpPr>
+        <p:spPr>
+          <a:xfrm>
+            <a:off x="4979963" y="2447778"/>
+            <a:ext cx="4937760" cy="2246142"/>
+          </a:xfrm>
+          <a:custGeom>
+            <a:avLst/>
+            <a:gdLst>
+              <a:gd name="connsiteX0" fmla="*/ 0 w 4937760"/>
+              <a:gd name="connsiteY0" fmla="*/ 0 h 2246142"/>
+              <a:gd name="connsiteX1" fmla="*/ 3516923 w 4937760"/>
+              <a:gd name="connsiteY1" fmla="*/ 0 h 2246142"/>
+              <a:gd name="connsiteX2" fmla="*/ 3516923 w 4937760"/>
+              <a:gd name="connsiteY2" fmla="*/ 1186376 h 2246142"/>
+              <a:gd name="connsiteX3" fmla="*/ 4937760 w 4937760"/>
+              <a:gd name="connsiteY3" fmla="*/ 1186376 h 2246142"/>
+              <a:gd name="connsiteX4" fmla="*/ 4937760 w 4937760"/>
+              <a:gd name="connsiteY4" fmla="*/ 2246142 h 2246142"/>
+              <a:gd name="connsiteX5" fmla="*/ 2030437 w 4937760"/>
+              <a:gd name="connsiteY5" fmla="*/ 2246142 h 2246142"/>
+              <a:gd name="connsiteX6" fmla="*/ 2030437 w 4937760"/>
+              <a:gd name="connsiteY6" fmla="*/ 1219200 h 2246142"/>
+              <a:gd name="connsiteX7" fmla="*/ 9379 w 4937760"/>
+              <a:gd name="connsiteY7" fmla="*/ 1219200 h 2246142"/>
+              <a:gd name="connsiteX8" fmla="*/ 0 w 4937760"/>
+              <a:gd name="connsiteY8" fmla="*/ 0 h 2246142"/>
+            </a:gdLst>
+            <a:ahLst/>
+            <a:cxnLst>
+              <a:cxn ang="0">
+                <a:pos x="connsiteX0" y="connsiteY0"/>
+              </a:cxn>
+              <a:cxn ang="0">
+                <a:pos x="connsiteX1" y="connsiteY1"/>
+              </a:cxn>
+              <a:cxn ang="0">
+                <a:pos x="connsiteX2" y="connsiteY2"/>
+              </a:cxn>
+              <a:cxn ang="0">
+                <a:pos x="connsiteX3" y="connsiteY3"/>
+              </a:cxn>
+              <a:cxn ang="0">
+                <a:pos x="connsiteX4" y="connsiteY4"/>
+              </a:cxn>
+              <a:cxn ang="0">
+                <a:pos x="connsiteX5" y="connsiteY5"/>
+              </a:cxn>
+              <a:cxn ang="0">
+                <a:pos x="connsiteX6" y="connsiteY6"/>
+              </a:cxn>
+              <a:cxn ang="0">
+                <a:pos x="connsiteX7" y="connsiteY7"/>
+              </a:cxn>
+              <a:cxn ang="0">
+                <a:pos x="connsiteX8" y="connsiteY8"/>
+              </a:cxn>
+            </a:cxnLst>
+            <a:rect l="l" t="t" r="r" b="b"/>
+            <a:pathLst>
+              <a:path w="4937760" h="2246142">
+                <a:moveTo>
+                  <a:pt x="0" y="0"/>
+                </a:moveTo>
+                <a:lnTo>
+                  <a:pt x="3516923" y="0"/>
+                </a:lnTo>
+                <a:lnTo>
+                  <a:pt x="3516923" y="1186376"/>
+                </a:lnTo>
+                <a:lnTo>
+                  <a:pt x="4937760" y="1186376"/>
+                </a:lnTo>
+                <a:lnTo>
+                  <a:pt x="4937760" y="2246142"/>
+                </a:lnTo>
+                <a:lnTo>
+                  <a:pt x="2030437" y="2246142"/>
+                </a:lnTo>
+                <a:lnTo>
+                  <a:pt x="2030437" y="1219200"/>
+                </a:lnTo>
+                <a:lnTo>
+                  <a:pt x="9379" y="1219200"/>
+                </a:lnTo>
+                <a:cubicBezTo>
+                  <a:pt x="6253" y="812800"/>
+                  <a:pt x="3126" y="406400"/>
+                  <a:pt x="0" y="0"/>
+                </a:cubicBezTo>
+                <a:close/>
+              </a:path>
+            </a:pathLst>
+          </a:custGeom>
+          <a:solidFill>
+            <a:srgbClr val="0070C0">
+              <a:alpha val="10000"/>
+            </a:srgbClr>
+          </a:solidFill>
+          <a:ln w="38100">
+            <a:solidFill>
+              <a:schemeClr val="accent5">
+                <a:lumMod val="75000"/>
+              </a:schemeClr>
+            </a:solidFill>
+            <a:prstDash val="dash"/>
+          </a:ln>
+        </p:spPr>
+        <p:style>
+          <a:lnRef idx="2">
+            <a:schemeClr val="accent1">
+              <a:shade val="50000"/>
+            </a:schemeClr>
+          </a:lnRef>
+          <a:fillRef idx="1">
+            <a:schemeClr val="accent1"/>
+          </a:fillRef>
+          <a:effectRef idx="0">
+            <a:schemeClr val="accent1"/>
+          </a:effectRef>
+          <a:fontRef idx="minor">
+            <a:schemeClr val="lt1"/>
+          </a:fontRef>
+        </p:style>
+        <p:txBody>
+          <a:bodyPr rtlCol="0" anchor="ctr"/>
+          <a:lstStyle/>
+          <a:p>
+            <a:pPr algn="ctr"/>
+            <a:endParaRPr lang="ja-JP" altLang="en-US"/>
+          </a:p>
+        </p:txBody>
+      </p:sp>
+    </p:spTree>
+    <p:extLst>
+      <p:ext uri="{BB962C8B-B14F-4D97-AF65-F5344CB8AC3E}">
+        <p14:creationId xmlns:p14="http://schemas.microsoft.com/office/powerpoint/2010/main" val="339757701"/>
+      </p:ext>
+    </p:extLst>
+  </p:cSld>
+  <p:clrMapOvr>
+    <a:masterClrMapping/>
+  </p:clrMapOvr>
+</p:sld>
+</file>
+
+<file path=ppt/slides/slide3.xml><?xml version="1.0" encoding="utf-8"?>
+<p:sld xmlns:a="http://schemas.openxmlformats.org/drawingml/2006/main" xmlns:r="http://schemas.openxmlformats.org/officeDocument/2006/relationships" xmlns:p="http://schemas.openxmlformats.org/presentationml/2006/main">
+  <p:cSld>
+    <p:spTree>
+      <p:nvGrpSpPr>
+        <p:cNvPr id="1" name=""/>
+        <p:cNvGrpSpPr/>
+        <p:nvPr/>
+      </p:nvGrpSpPr>
+      <p:grpSpPr>
+        <a:xfrm>
+          <a:off x="0" y="0"/>
+          <a:ext cx="0" cy="0"/>
+          <a:chOff x="0" y="0"/>
+          <a:chExt cx="0" cy="0"/>
+        </a:xfrm>
+      </p:grpSpPr>
+      <p:sp>
+        <p:nvSpPr>
+          <p:cNvPr id="79" name="Rectangle 78">
+            <a:extLst>
+              <a:ext uri="{FF2B5EF4-FFF2-40B4-BE49-F238E27FC236}">
+                <a16:creationId xmlns:a16="http://schemas.microsoft.com/office/drawing/2014/main" id="{8572B06B-B670-4D5A-BDA0-E5B358611F06}"/>
+              </a:ext>
+            </a:extLst>
+          </p:cNvPr>
+          <p:cNvSpPr/>
+          <p:nvPr/>
+        </p:nvSpPr>
+        <p:spPr>
+          <a:xfrm>
+            <a:off x="0" y="1196752"/>
+            <a:ext cx="12108668" cy="3672408"/>
+          </a:xfrm>
+          <a:prstGeom prst="rect">
+            <a:avLst/>
+          </a:prstGeom>
+          <a:solidFill>
+            <a:schemeClr val="bg1"/>
+          </a:solidFill>
+          <a:ln w="12700">
+            <a:solidFill>
+              <a:schemeClr val="tx1">
+                <a:lumMod val="75000"/>
+                <a:lumOff val="25000"/>
+              </a:schemeClr>
+            </a:solidFill>
+          </a:ln>
+        </p:spPr>
+        <p:style>
+          <a:lnRef idx="2">
+            <a:schemeClr val="accent1">
+              <a:shade val="50000"/>
+            </a:schemeClr>
+          </a:lnRef>
+          <a:fillRef idx="1">
+            <a:schemeClr val="accent1"/>
+          </a:fillRef>
+          <a:effectRef idx="0">
+            <a:schemeClr val="accent1"/>
+          </a:effectRef>
+          <a:fontRef idx="minor">
+            <a:schemeClr val="lt1"/>
+          </a:fontRef>
+        </p:style>
+        <p:txBody>
+          <a:bodyPr rtlCol="0" anchor="ctr"/>
+          <a:lstStyle/>
+          <a:p>
+            <a:pPr algn="ctr"/>
+            <a:endParaRPr kumimoji="1" lang="ja-JP" altLang="en-US"/>
+          </a:p>
+        </p:txBody>
+      </p:sp>
+      <p:sp>
+        <p:nvSpPr>
+          <p:cNvPr id="4" name="Rectangle: Rounded Corners 3">
+            <a:extLst>
+              <a:ext uri="{FF2B5EF4-FFF2-40B4-BE49-F238E27FC236}">
+                <a16:creationId xmlns:a16="http://schemas.microsoft.com/office/drawing/2014/main" id="{60A27FC4-C6A7-4EE5-9A77-0FB7236A7C73}"/>
+              </a:ext>
+            </a:extLst>
+          </p:cNvPr>
+          <p:cNvSpPr/>
+          <p:nvPr/>
+        </p:nvSpPr>
+        <p:spPr>
+          <a:xfrm>
+            <a:off x="252028" y="1479364"/>
+            <a:ext cx="1584176" cy="720080"/>
+          </a:xfrm>
+          <a:prstGeom prst="roundRect">
+            <a:avLst/>
+          </a:prstGeom>
+          <a:solidFill>
+            <a:schemeClr val="tx1">
+              <a:lumMod val="75000"/>
+              <a:lumOff val="25000"/>
+            </a:schemeClr>
+          </a:solidFill>
+          <a:ln w="38100">
+            <a:solidFill>
+              <a:schemeClr val="tx1">
+                <a:lumMod val="75000"/>
+                <a:lumOff val="25000"/>
+              </a:schemeClr>
+            </a:solidFill>
+          </a:ln>
+        </p:spPr>
+        <p:style>
+          <a:lnRef idx="2">
+            <a:schemeClr val="accent1">
+              <a:shade val="50000"/>
+            </a:schemeClr>
+          </a:lnRef>
+          <a:fillRef idx="1">
+            <a:schemeClr val="accent1"/>
+          </a:fillRef>
+          <a:effectRef idx="0">
+            <a:schemeClr val="accent1"/>
+          </a:effectRef>
+          <a:fontRef idx="minor">
+            <a:schemeClr val="lt1"/>
+          </a:fontRef>
+        </p:style>
+        <p:txBody>
+          <a:bodyPr rtlCol="0" anchor="ctr"/>
+          <a:lstStyle/>
+          <a:p>
+            <a:pPr algn="ctr"/>
+            <a:r>
+              <a:rPr kumimoji="1" lang="en-US" altLang="ja-JP" sz="1200" b="1" dirty="0">
+                <a:solidFill>
+                  <a:schemeClr val="bg1">
+                    <a:lumMod val="95000"/>
+                  </a:schemeClr>
+                </a:solidFill>
+                <a:latin typeface="游ゴシック Medium" panose="020B0500000000000000" pitchFamily="50" charset="-128"/>
+                <a:ea typeface="游ゴシック Medium" panose="020B0500000000000000" pitchFamily="50" charset="-128"/>
+              </a:rPr>
+              <a:t>Log C/Wide Gamut</a:t>
+            </a:r>
+          </a:p>
+          <a:p>
+            <a:pPr algn="ctr"/>
+            <a:r>
+              <a:rPr lang="en-US" altLang="ja-JP" sz="1200" b="1" dirty="0">
+                <a:solidFill>
+                  <a:schemeClr val="bg1">
+                    <a:lumMod val="95000"/>
+                  </a:schemeClr>
+                </a:solidFill>
+                <a:latin typeface="游ゴシック Medium" panose="020B0500000000000000" pitchFamily="50" charset="-128"/>
+                <a:ea typeface="游ゴシック Medium" panose="020B0500000000000000" pitchFamily="50" charset="-128"/>
+              </a:rPr>
+              <a:t>Color Space</a:t>
+            </a:r>
+            <a:endParaRPr kumimoji="1" lang="ja-JP" altLang="en-US" sz="1200" b="1" dirty="0">
+              <a:solidFill>
+                <a:schemeClr val="bg1">
+                  <a:lumMod val="95000"/>
+                </a:schemeClr>
+              </a:solidFill>
+              <a:latin typeface="游ゴシック Medium" panose="020B0500000000000000" pitchFamily="50" charset="-128"/>
+              <a:ea typeface="游ゴシック Medium" panose="020B0500000000000000" pitchFamily="50" charset="-128"/>
+            </a:endParaRPr>
+          </a:p>
+        </p:txBody>
+      </p:sp>
+      <p:sp>
+        <p:nvSpPr>
+          <p:cNvPr id="6" name="Rectangle: Rounded Corners 5">
+            <a:extLst>
+              <a:ext uri="{FF2B5EF4-FFF2-40B4-BE49-F238E27FC236}">
+                <a16:creationId xmlns:a16="http://schemas.microsoft.com/office/drawing/2014/main" id="{1385875D-059E-48E2-8C53-1A82CF71AD1D}"/>
+              </a:ext>
+            </a:extLst>
+          </p:cNvPr>
+          <p:cNvSpPr/>
+          <p:nvPr/>
+        </p:nvSpPr>
+        <p:spPr>
+          <a:xfrm>
+            <a:off x="252028" y="2688952"/>
+            <a:ext cx="1584176" cy="720080"/>
+          </a:xfrm>
+          <a:prstGeom prst="roundRect">
+            <a:avLst/>
+          </a:prstGeom>
+          <a:solidFill>
+            <a:schemeClr val="tx1">
+              <a:lumMod val="75000"/>
+              <a:lumOff val="25000"/>
+            </a:schemeClr>
+          </a:solidFill>
+          <a:ln w="38100">
+            <a:solidFill>
+              <a:schemeClr val="tx1">
+                <a:lumMod val="75000"/>
+                <a:lumOff val="25000"/>
+              </a:schemeClr>
+            </a:solidFill>
+          </a:ln>
+        </p:spPr>
+        <p:style>
+          <a:lnRef idx="2">
+            <a:schemeClr val="accent1">
+              <a:shade val="50000"/>
+            </a:schemeClr>
+          </a:lnRef>
+          <a:fillRef idx="1">
+            <a:schemeClr val="accent1"/>
+          </a:fillRef>
+          <a:effectRef idx="0">
+            <a:schemeClr val="accent1"/>
+          </a:effectRef>
+          <a:fontRef idx="minor">
+            <a:schemeClr val="lt1"/>
+          </a:fontRef>
+        </p:style>
+        <p:txBody>
+          <a:bodyPr rtlCol="0" anchor="ctr"/>
+          <a:lstStyle/>
+          <a:p>
+            <a:pPr algn="ctr"/>
+            <a:r>
+              <a:rPr lang="en-US" altLang="ja-JP" sz="1200" b="1" dirty="0">
+                <a:solidFill>
+                  <a:schemeClr val="bg1">
+                    <a:lumMod val="95000"/>
+                  </a:schemeClr>
+                </a:solidFill>
+                <a:latin typeface="游ゴシック Medium" panose="020B0500000000000000" pitchFamily="50" charset="-128"/>
+                <a:ea typeface="游ゴシック Medium" panose="020B0500000000000000" pitchFamily="50" charset="-128"/>
+              </a:rPr>
+              <a:t>S-Log3/S-Gamut3</a:t>
+            </a:r>
+          </a:p>
+          <a:p>
+            <a:pPr algn="ctr"/>
+            <a:r>
+              <a:rPr lang="en-US" altLang="ja-JP" sz="1200" b="1" dirty="0">
+                <a:solidFill>
+                  <a:schemeClr val="bg1">
+                    <a:lumMod val="95000"/>
+                  </a:schemeClr>
+                </a:solidFill>
+                <a:latin typeface="游ゴシック Medium" panose="020B0500000000000000" pitchFamily="50" charset="-128"/>
+                <a:ea typeface="游ゴシック Medium" panose="020B0500000000000000" pitchFamily="50" charset="-128"/>
+              </a:rPr>
+              <a:t>Color Space</a:t>
+            </a:r>
+            <a:endParaRPr lang="ja-JP" altLang="en-US" sz="1200" b="1" dirty="0">
+              <a:solidFill>
+                <a:schemeClr val="bg1">
+                  <a:lumMod val="95000"/>
+                </a:schemeClr>
+              </a:solidFill>
+              <a:latin typeface="游ゴシック Medium" panose="020B0500000000000000" pitchFamily="50" charset="-128"/>
+              <a:ea typeface="游ゴシック Medium" panose="020B0500000000000000" pitchFamily="50" charset="-128"/>
+            </a:endParaRPr>
+          </a:p>
+        </p:txBody>
+      </p:sp>
+      <p:sp>
+        <p:nvSpPr>
+          <p:cNvPr id="7" name="Rectangle: Rounded Corners 6">
+            <a:extLst>
+              <a:ext uri="{FF2B5EF4-FFF2-40B4-BE49-F238E27FC236}">
+                <a16:creationId xmlns:a16="http://schemas.microsoft.com/office/drawing/2014/main" id="{D3486E43-8F8C-4D80-BD7A-64B9253237A0}"/>
+              </a:ext>
+            </a:extLst>
+          </p:cNvPr>
+          <p:cNvSpPr/>
+          <p:nvPr/>
+        </p:nvSpPr>
+        <p:spPr>
+          <a:xfrm>
+            <a:off x="252028" y="3883614"/>
+            <a:ext cx="1584176" cy="720080"/>
+          </a:xfrm>
+          <a:prstGeom prst="roundRect">
+            <a:avLst/>
+          </a:prstGeom>
+          <a:solidFill>
+            <a:schemeClr val="tx1">
+              <a:lumMod val="75000"/>
+              <a:lumOff val="25000"/>
+            </a:schemeClr>
+          </a:solidFill>
+          <a:ln w="38100">
+            <a:solidFill>
+              <a:schemeClr val="tx1">
+                <a:lumMod val="75000"/>
+                <a:lumOff val="25000"/>
+              </a:schemeClr>
+            </a:solidFill>
+          </a:ln>
+        </p:spPr>
+        <p:style>
+          <a:lnRef idx="2">
+            <a:schemeClr val="accent1">
+              <a:shade val="50000"/>
+            </a:schemeClr>
+          </a:lnRef>
+          <a:fillRef idx="1">
+            <a:schemeClr val="accent1"/>
+          </a:fillRef>
+          <a:effectRef idx="0">
+            <a:schemeClr val="accent1"/>
+          </a:effectRef>
+          <a:fontRef idx="minor">
+            <a:schemeClr val="lt1"/>
+          </a:fontRef>
+        </p:style>
+        <p:txBody>
+          <a:bodyPr rtlCol="0" anchor="ctr"/>
+          <a:lstStyle/>
+          <a:p>
+            <a:pPr algn="ctr"/>
+            <a:r>
+              <a:rPr lang="en-US" altLang="ja-JP" sz="1200" b="1" dirty="0">
+                <a:solidFill>
+                  <a:schemeClr val="bg1">
+                    <a:lumMod val="95000"/>
+                  </a:schemeClr>
+                </a:solidFill>
+                <a:latin typeface="游ゴシック Medium" panose="020B0500000000000000" pitchFamily="50" charset="-128"/>
+                <a:ea typeface="游ゴシック Medium" panose="020B0500000000000000" pitchFamily="50" charset="-128"/>
+              </a:rPr>
+              <a:t>BT.2100-PQ</a:t>
+            </a:r>
+          </a:p>
+          <a:p>
+            <a:pPr algn="ctr"/>
+            <a:r>
+              <a:rPr lang="en-US" altLang="ja-JP" sz="1200" b="1" dirty="0">
+                <a:solidFill>
+                  <a:schemeClr val="bg1">
+                    <a:lumMod val="95000"/>
+                  </a:schemeClr>
+                </a:solidFill>
+                <a:latin typeface="游ゴシック Medium" panose="020B0500000000000000" pitchFamily="50" charset="-128"/>
+                <a:ea typeface="游ゴシック Medium" panose="020B0500000000000000" pitchFamily="50" charset="-128"/>
+              </a:rPr>
+              <a:t>Color Space</a:t>
+            </a:r>
+          </a:p>
+        </p:txBody>
+      </p:sp>
+      <p:sp>
+        <p:nvSpPr>
+          <p:cNvPr id="8" name="Rectangle 7">
+            <a:extLst>
+              <a:ext uri="{FF2B5EF4-FFF2-40B4-BE49-F238E27FC236}">
+                <a16:creationId xmlns:a16="http://schemas.microsoft.com/office/drawing/2014/main" id="{8BB3FD2C-7B9C-4CD0-B062-83D08C55B0E9}"/>
+              </a:ext>
+            </a:extLst>
+          </p:cNvPr>
+          <p:cNvSpPr/>
+          <p:nvPr/>
+        </p:nvSpPr>
+        <p:spPr>
+          <a:xfrm>
+            <a:off x="2232248" y="1551372"/>
+            <a:ext cx="936104" cy="576064"/>
+          </a:xfrm>
+          <a:prstGeom prst="rect">
+            <a:avLst/>
+          </a:prstGeom>
+          <a:solidFill>
+            <a:schemeClr val="bg1">
+              <a:lumMod val="95000"/>
+            </a:schemeClr>
+          </a:solidFill>
+          <a:ln w="28575">
+            <a:solidFill>
+              <a:schemeClr val="tx1">
+                <a:lumMod val="75000"/>
+                <a:lumOff val="25000"/>
+              </a:schemeClr>
+            </a:solidFill>
+          </a:ln>
+        </p:spPr>
+        <p:style>
+          <a:lnRef idx="2">
+            <a:schemeClr val="accent1">
+              <a:shade val="50000"/>
+            </a:schemeClr>
+          </a:lnRef>
+          <a:fillRef idx="1">
+            <a:schemeClr val="accent1"/>
+          </a:fillRef>
+          <a:effectRef idx="0">
+            <a:schemeClr val="accent1"/>
+          </a:effectRef>
+          <a:fontRef idx="minor">
+            <a:schemeClr val="lt1"/>
+          </a:fontRef>
+        </p:style>
+        <p:txBody>
+          <a:bodyPr rtlCol="0" anchor="ctr"/>
+          <a:lstStyle/>
+          <a:p>
+            <a:pPr algn="ctr"/>
+            <a:r>
+              <a:rPr kumimoji="1" lang="en-US" altLang="ja-JP" sz="1200" b="1" dirty="0" err="1">
+                <a:solidFill>
+                  <a:schemeClr val="tx1">
+                    <a:lumMod val="75000"/>
+                    <a:lumOff val="25000"/>
+                  </a:schemeClr>
+                </a:solidFill>
+                <a:latin typeface="游ゴシック Medium" panose="020B0500000000000000" pitchFamily="50" charset="-128"/>
+                <a:ea typeface="游ゴシック Medium" panose="020B0500000000000000" pitchFamily="50" charset="-128"/>
+              </a:rPr>
+              <a:t>to_ref</a:t>
+            </a:r>
+            <a:endParaRPr kumimoji="1" lang="en-US" altLang="ja-JP" sz="1200" b="1" dirty="0">
+              <a:solidFill>
+                <a:schemeClr val="tx1">
+                  <a:lumMod val="75000"/>
+                  <a:lumOff val="25000"/>
+                </a:schemeClr>
+              </a:solidFill>
+              <a:latin typeface="游ゴシック Medium" panose="020B0500000000000000" pitchFamily="50" charset="-128"/>
+              <a:ea typeface="游ゴシック Medium" panose="020B0500000000000000" pitchFamily="50" charset="-128"/>
+            </a:endParaRPr>
+          </a:p>
+          <a:p>
+            <a:pPr algn="ctr"/>
+            <a:r>
+              <a:rPr lang="en-US" altLang="ja-JP" sz="1200" b="1" dirty="0">
+                <a:solidFill>
+                  <a:schemeClr val="tx1">
+                    <a:lumMod val="75000"/>
+                    <a:lumOff val="25000"/>
+                  </a:schemeClr>
+                </a:solidFill>
+                <a:latin typeface="游ゴシック Medium" panose="020B0500000000000000" pitchFamily="50" charset="-128"/>
+                <a:ea typeface="游ゴシック Medium" panose="020B0500000000000000" pitchFamily="50" charset="-128"/>
+              </a:rPr>
+              <a:t>Transform</a:t>
+            </a:r>
+            <a:endParaRPr kumimoji="1" lang="ja-JP" altLang="en-US" sz="1200" b="1" dirty="0">
+              <a:solidFill>
+                <a:schemeClr val="tx1">
+                  <a:lumMod val="75000"/>
+                  <a:lumOff val="25000"/>
+                </a:schemeClr>
+              </a:solidFill>
+              <a:latin typeface="游ゴシック Medium" panose="020B0500000000000000" pitchFamily="50" charset="-128"/>
+              <a:ea typeface="游ゴシック Medium" panose="020B0500000000000000" pitchFamily="50" charset="-128"/>
+            </a:endParaRPr>
+          </a:p>
+        </p:txBody>
+      </p:sp>
+      <p:sp>
+        <p:nvSpPr>
+          <p:cNvPr id="9" name="Rectangle 8">
+            <a:extLst>
+              <a:ext uri="{FF2B5EF4-FFF2-40B4-BE49-F238E27FC236}">
+                <a16:creationId xmlns:a16="http://schemas.microsoft.com/office/drawing/2014/main" id="{476AB1BD-A80D-4AFE-8E23-4882A3326265}"/>
+              </a:ext>
+            </a:extLst>
+          </p:cNvPr>
+          <p:cNvSpPr/>
+          <p:nvPr/>
+        </p:nvSpPr>
+        <p:spPr>
+          <a:xfrm>
+            <a:off x="2232248" y="2760960"/>
+            <a:ext cx="936104" cy="576064"/>
+          </a:xfrm>
+          <a:prstGeom prst="rect">
+            <a:avLst/>
+          </a:prstGeom>
+          <a:solidFill>
+            <a:schemeClr val="bg1">
+              <a:lumMod val="95000"/>
+            </a:schemeClr>
+          </a:solidFill>
+          <a:ln w="28575">
+            <a:solidFill>
+              <a:schemeClr val="tx1">
+                <a:lumMod val="75000"/>
+                <a:lumOff val="25000"/>
+              </a:schemeClr>
+            </a:solidFill>
+          </a:ln>
+        </p:spPr>
+        <p:style>
+          <a:lnRef idx="2">
+            <a:schemeClr val="accent1">
+              <a:shade val="50000"/>
+            </a:schemeClr>
+          </a:lnRef>
+          <a:fillRef idx="1">
+            <a:schemeClr val="accent1"/>
+          </a:fillRef>
+          <a:effectRef idx="0">
+            <a:schemeClr val="accent1"/>
+          </a:effectRef>
+          <a:fontRef idx="minor">
+            <a:schemeClr val="lt1"/>
+          </a:fontRef>
+        </p:style>
+        <p:txBody>
+          <a:bodyPr rtlCol="0" anchor="ctr"/>
+          <a:lstStyle/>
+          <a:p>
+            <a:pPr algn="ctr"/>
+            <a:r>
+              <a:rPr kumimoji="1" lang="en-US" altLang="ja-JP" sz="1200" b="1" dirty="0" err="1">
+                <a:solidFill>
+                  <a:schemeClr val="tx1">
+                    <a:lumMod val="75000"/>
+                    <a:lumOff val="25000"/>
+                  </a:schemeClr>
+                </a:solidFill>
+                <a:latin typeface="游ゴシック Medium" panose="020B0500000000000000" pitchFamily="50" charset="-128"/>
+                <a:ea typeface="游ゴシック Medium" panose="020B0500000000000000" pitchFamily="50" charset="-128"/>
+              </a:rPr>
+              <a:t>to_ref</a:t>
+            </a:r>
+            <a:endParaRPr kumimoji="1" lang="en-US" altLang="ja-JP" sz="1200" b="1" dirty="0">
+              <a:solidFill>
+                <a:schemeClr val="tx1">
+                  <a:lumMod val="75000"/>
+                  <a:lumOff val="25000"/>
+                </a:schemeClr>
+              </a:solidFill>
+              <a:latin typeface="游ゴシック Medium" panose="020B0500000000000000" pitchFamily="50" charset="-128"/>
+              <a:ea typeface="游ゴシック Medium" panose="020B0500000000000000" pitchFamily="50" charset="-128"/>
+            </a:endParaRPr>
+          </a:p>
+          <a:p>
+            <a:pPr algn="ctr"/>
+            <a:r>
+              <a:rPr lang="en-US" altLang="ja-JP" sz="1200" b="1" dirty="0">
+                <a:solidFill>
+                  <a:schemeClr val="tx1">
+                    <a:lumMod val="75000"/>
+                    <a:lumOff val="25000"/>
+                  </a:schemeClr>
+                </a:solidFill>
+                <a:latin typeface="游ゴシック Medium" panose="020B0500000000000000" pitchFamily="50" charset="-128"/>
+                <a:ea typeface="游ゴシック Medium" panose="020B0500000000000000" pitchFamily="50" charset="-128"/>
+              </a:rPr>
+              <a:t>Transform</a:t>
+            </a:r>
+            <a:endParaRPr kumimoji="1" lang="ja-JP" altLang="en-US" sz="1200" b="1" dirty="0">
+              <a:solidFill>
+                <a:schemeClr val="tx1">
+                  <a:lumMod val="75000"/>
+                  <a:lumOff val="25000"/>
+                </a:schemeClr>
+              </a:solidFill>
+              <a:latin typeface="游ゴシック Medium" panose="020B0500000000000000" pitchFamily="50" charset="-128"/>
+              <a:ea typeface="游ゴシック Medium" panose="020B0500000000000000" pitchFamily="50" charset="-128"/>
+            </a:endParaRPr>
+          </a:p>
+        </p:txBody>
+      </p:sp>
+      <p:sp>
+        <p:nvSpPr>
+          <p:cNvPr id="10" name="Rectangle 9">
+            <a:extLst>
+              <a:ext uri="{FF2B5EF4-FFF2-40B4-BE49-F238E27FC236}">
+                <a16:creationId xmlns:a16="http://schemas.microsoft.com/office/drawing/2014/main" id="{C6E063FB-267F-40B3-B18F-439A183537FD}"/>
+              </a:ext>
+            </a:extLst>
+          </p:cNvPr>
+          <p:cNvSpPr/>
+          <p:nvPr/>
+        </p:nvSpPr>
+        <p:spPr>
+          <a:xfrm>
+            <a:off x="2232248" y="3955622"/>
+            <a:ext cx="936104" cy="576064"/>
+          </a:xfrm>
+          <a:prstGeom prst="rect">
+            <a:avLst/>
+          </a:prstGeom>
+          <a:solidFill>
+            <a:schemeClr val="bg1">
+              <a:lumMod val="95000"/>
+            </a:schemeClr>
+          </a:solidFill>
+          <a:ln w="28575">
+            <a:solidFill>
+              <a:schemeClr val="tx1">
+                <a:lumMod val="75000"/>
+                <a:lumOff val="25000"/>
+              </a:schemeClr>
+            </a:solidFill>
+          </a:ln>
+        </p:spPr>
+        <p:style>
+          <a:lnRef idx="2">
+            <a:schemeClr val="accent1">
+              <a:shade val="50000"/>
+            </a:schemeClr>
+          </a:lnRef>
+          <a:fillRef idx="1">
+            <a:schemeClr val="accent1"/>
+          </a:fillRef>
+          <a:effectRef idx="0">
+            <a:schemeClr val="accent1"/>
+          </a:effectRef>
+          <a:fontRef idx="minor">
+            <a:schemeClr val="lt1"/>
+          </a:fontRef>
+        </p:style>
+        <p:txBody>
+          <a:bodyPr rtlCol="0" anchor="ctr"/>
+          <a:lstStyle/>
+          <a:p>
+            <a:pPr algn="ctr"/>
+            <a:r>
+              <a:rPr kumimoji="1" lang="en-US" altLang="ja-JP" sz="1200" b="1" dirty="0" err="1">
+                <a:solidFill>
+                  <a:schemeClr val="tx1">
+                    <a:lumMod val="75000"/>
+                    <a:lumOff val="25000"/>
+                  </a:schemeClr>
+                </a:solidFill>
+                <a:latin typeface="游ゴシック Medium" panose="020B0500000000000000" pitchFamily="50" charset="-128"/>
+                <a:ea typeface="游ゴシック Medium" panose="020B0500000000000000" pitchFamily="50" charset="-128"/>
+              </a:rPr>
+              <a:t>to_ref</a:t>
+            </a:r>
+            <a:endParaRPr kumimoji="1" lang="en-US" altLang="ja-JP" sz="1200" b="1" dirty="0">
+              <a:solidFill>
+                <a:schemeClr val="tx1">
+                  <a:lumMod val="75000"/>
+                  <a:lumOff val="25000"/>
+                </a:schemeClr>
+              </a:solidFill>
+              <a:latin typeface="游ゴシック Medium" panose="020B0500000000000000" pitchFamily="50" charset="-128"/>
+              <a:ea typeface="游ゴシック Medium" panose="020B0500000000000000" pitchFamily="50" charset="-128"/>
+            </a:endParaRPr>
+          </a:p>
+          <a:p>
+            <a:pPr algn="ctr"/>
+            <a:r>
+              <a:rPr lang="en-US" altLang="ja-JP" sz="1200" b="1" dirty="0">
+                <a:solidFill>
+                  <a:schemeClr val="tx1">
+                    <a:lumMod val="75000"/>
+                    <a:lumOff val="25000"/>
+                  </a:schemeClr>
+                </a:solidFill>
+                <a:latin typeface="游ゴシック Medium" panose="020B0500000000000000" pitchFamily="50" charset="-128"/>
+                <a:ea typeface="游ゴシック Medium" panose="020B0500000000000000" pitchFamily="50" charset="-128"/>
+              </a:rPr>
+              <a:t>Transform</a:t>
+            </a:r>
+            <a:endParaRPr kumimoji="1" lang="ja-JP" altLang="en-US" sz="1200" b="1" dirty="0">
+              <a:solidFill>
+                <a:schemeClr val="tx1">
+                  <a:lumMod val="75000"/>
+                  <a:lumOff val="25000"/>
+                </a:schemeClr>
+              </a:solidFill>
+              <a:latin typeface="游ゴシック Medium" panose="020B0500000000000000" pitchFamily="50" charset="-128"/>
+              <a:ea typeface="游ゴシック Medium" panose="020B0500000000000000" pitchFamily="50" charset="-128"/>
+            </a:endParaRPr>
+          </a:p>
+        </p:txBody>
+      </p:sp>
+      <p:sp>
+        <p:nvSpPr>
+          <p:cNvPr id="11" name="Rectangle: Rounded Corners 10">
+            <a:extLst>
+              <a:ext uri="{FF2B5EF4-FFF2-40B4-BE49-F238E27FC236}">
+                <a16:creationId xmlns:a16="http://schemas.microsoft.com/office/drawing/2014/main" id="{3811953C-2E07-4887-9749-85ACE39089B9}"/>
+              </a:ext>
+            </a:extLst>
+          </p:cNvPr>
+          <p:cNvSpPr/>
+          <p:nvPr/>
+        </p:nvSpPr>
+        <p:spPr>
+          <a:xfrm>
+            <a:off x="3749177" y="2688952"/>
+            <a:ext cx="1080120" cy="720080"/>
+          </a:xfrm>
+          <a:prstGeom prst="roundRect">
+            <a:avLst/>
+          </a:prstGeom>
+          <a:solidFill>
+            <a:schemeClr val="tx1">
+              <a:lumMod val="75000"/>
+              <a:lumOff val="25000"/>
+            </a:schemeClr>
+          </a:solidFill>
+          <a:ln w="38100">
+            <a:solidFill>
+              <a:schemeClr val="tx1">
+                <a:lumMod val="75000"/>
+                <a:lumOff val="25000"/>
+              </a:schemeClr>
+            </a:solidFill>
+          </a:ln>
+        </p:spPr>
+        <p:style>
+          <a:lnRef idx="2">
+            <a:schemeClr val="accent1">
+              <a:shade val="50000"/>
+            </a:schemeClr>
+          </a:lnRef>
+          <a:fillRef idx="1">
+            <a:schemeClr val="accent1"/>
+          </a:fillRef>
+          <a:effectRef idx="0">
+            <a:schemeClr val="accent1"/>
+          </a:effectRef>
+          <a:fontRef idx="minor">
+            <a:schemeClr val="lt1"/>
+          </a:fontRef>
+        </p:style>
+        <p:txBody>
+          <a:bodyPr rtlCol="0" anchor="ctr"/>
+          <a:lstStyle/>
+          <a:p>
+            <a:pPr algn="ctr"/>
+            <a:r>
+              <a:rPr lang="en-US" altLang="ja-JP" sz="1400" b="1" dirty="0">
+                <a:solidFill>
+                  <a:schemeClr val="bg1">
+                    <a:lumMod val="95000"/>
+                  </a:schemeClr>
+                </a:solidFill>
+                <a:latin typeface="游ゴシック Medium" panose="020B0500000000000000" pitchFamily="50" charset="-128"/>
+                <a:ea typeface="游ゴシック Medium" panose="020B0500000000000000" pitchFamily="50" charset="-128"/>
+              </a:rPr>
+              <a:t>s</a:t>
+            </a:r>
+            <a:r>
+              <a:rPr kumimoji="1" lang="en-US" altLang="ja-JP" sz="1400" b="1" dirty="0">
+                <a:solidFill>
+                  <a:schemeClr val="bg1">
+                    <a:lumMod val="95000"/>
+                  </a:schemeClr>
+                </a:solidFill>
+                <a:latin typeface="游ゴシック Medium" panose="020B0500000000000000" pitchFamily="50" charset="-128"/>
+                <a:ea typeface="游ゴシック Medium" panose="020B0500000000000000" pitchFamily="50" charset="-128"/>
+              </a:rPr>
+              <a:t>cene</a:t>
+            </a:r>
+          </a:p>
+          <a:p>
+            <a:pPr algn="ctr"/>
+            <a:r>
+              <a:rPr lang="en-US" altLang="ja-JP" sz="1400" b="1" dirty="0">
+                <a:solidFill>
+                  <a:schemeClr val="bg1">
+                    <a:lumMod val="95000"/>
+                  </a:schemeClr>
+                </a:solidFill>
+                <a:latin typeface="游ゴシック Medium" panose="020B0500000000000000" pitchFamily="50" charset="-128"/>
+                <a:ea typeface="游ゴシック Medium" panose="020B0500000000000000" pitchFamily="50" charset="-128"/>
+              </a:rPr>
+              <a:t>reference</a:t>
+            </a:r>
+          </a:p>
+          <a:p>
+            <a:pPr algn="ctr"/>
+            <a:r>
+              <a:rPr kumimoji="1" lang="en-US" altLang="ja-JP" sz="1400" b="1" dirty="0">
+                <a:solidFill>
+                  <a:schemeClr val="bg1">
+                    <a:lumMod val="95000"/>
+                  </a:schemeClr>
+                </a:solidFill>
+                <a:latin typeface="游ゴシック Medium" panose="020B0500000000000000" pitchFamily="50" charset="-128"/>
+                <a:ea typeface="游ゴシック Medium" panose="020B0500000000000000" pitchFamily="50" charset="-128"/>
+              </a:rPr>
+              <a:t>space</a:t>
+            </a:r>
+            <a:endParaRPr kumimoji="1" lang="ja-JP" altLang="en-US" sz="1400" b="1" dirty="0">
+              <a:solidFill>
+                <a:schemeClr val="bg1">
+                  <a:lumMod val="95000"/>
+                </a:schemeClr>
+              </a:solidFill>
+              <a:latin typeface="游ゴシック Medium" panose="020B0500000000000000" pitchFamily="50" charset="-128"/>
+              <a:ea typeface="游ゴシック Medium" panose="020B0500000000000000" pitchFamily="50" charset="-128"/>
+            </a:endParaRPr>
+          </a:p>
+        </p:txBody>
+      </p:sp>
+      <p:sp>
+        <p:nvSpPr>
+          <p:cNvPr id="14" name="Rectangle 13">
+            <a:extLst>
+              <a:ext uri="{FF2B5EF4-FFF2-40B4-BE49-F238E27FC236}">
+                <a16:creationId xmlns:a16="http://schemas.microsoft.com/office/drawing/2014/main" id="{4E2E22E4-5B63-4E99-977C-0D92C83BFB2C}"/>
+              </a:ext>
+            </a:extLst>
+          </p:cNvPr>
+          <p:cNvSpPr/>
+          <p:nvPr/>
+        </p:nvSpPr>
+        <p:spPr>
+          <a:xfrm>
+            <a:off x="5199734" y="2688952"/>
+            <a:ext cx="1472330" cy="720080"/>
+          </a:xfrm>
+          <a:prstGeom prst="rect">
+            <a:avLst/>
+          </a:prstGeom>
+          <a:solidFill>
+            <a:schemeClr val="bg1">
+              <a:lumMod val="95000"/>
+            </a:schemeClr>
+          </a:solidFill>
+          <a:ln w="28575">
+            <a:solidFill>
+              <a:schemeClr val="tx1">
+                <a:lumMod val="75000"/>
+                <a:lumOff val="25000"/>
+              </a:schemeClr>
+            </a:solidFill>
+          </a:ln>
+        </p:spPr>
+        <p:style>
+          <a:lnRef idx="2">
+            <a:schemeClr val="accent1">
+              <a:shade val="50000"/>
+            </a:schemeClr>
+          </a:lnRef>
+          <a:fillRef idx="1">
+            <a:schemeClr val="accent1"/>
+          </a:fillRef>
+          <a:effectRef idx="0">
+            <a:schemeClr val="accent1"/>
+          </a:effectRef>
+          <a:fontRef idx="minor">
+            <a:schemeClr val="lt1"/>
+          </a:fontRef>
+        </p:style>
+        <p:txBody>
+          <a:bodyPr rtlCol="0" anchor="ctr"/>
+          <a:lstStyle/>
+          <a:p>
+            <a:pPr algn="ctr"/>
+            <a:r>
+              <a:rPr kumimoji="1" lang="en-US" altLang="ja-JP" sz="1200" b="1" dirty="0">
+                <a:solidFill>
+                  <a:schemeClr val="tx1">
+                    <a:lumMod val="75000"/>
+                    <a:lumOff val="25000"/>
+                  </a:schemeClr>
+                </a:solidFill>
+                <a:latin typeface="游ゴシック Medium" panose="020B0500000000000000" pitchFamily="50" charset="-128"/>
+                <a:ea typeface="游ゴシック Medium" panose="020B0500000000000000" pitchFamily="50" charset="-128"/>
+              </a:rPr>
+              <a:t>View </a:t>
+            </a:r>
+            <a:r>
+              <a:rPr lang="en-US" altLang="ja-JP" sz="1200" b="1" dirty="0">
+                <a:solidFill>
+                  <a:schemeClr val="tx1">
+                    <a:lumMod val="75000"/>
+                    <a:lumOff val="25000"/>
+                  </a:schemeClr>
+                </a:solidFill>
+                <a:latin typeface="游ゴシック Medium" panose="020B0500000000000000" pitchFamily="50" charset="-128"/>
+                <a:ea typeface="游ゴシック Medium" panose="020B0500000000000000" pitchFamily="50" charset="-128"/>
+              </a:rPr>
+              <a:t>Transform</a:t>
+            </a:r>
+          </a:p>
+          <a:p>
+            <a:pPr algn="ctr"/>
+            <a:r>
+              <a:rPr kumimoji="1" lang="en-US" altLang="ja-JP" sz="1200" b="1" dirty="0">
+                <a:solidFill>
+                  <a:schemeClr val="tx1">
+                    <a:lumMod val="75000"/>
+                    <a:lumOff val="25000"/>
+                  </a:schemeClr>
+                </a:solidFill>
+                <a:latin typeface="游ゴシック Medium" panose="020B0500000000000000" pitchFamily="50" charset="-128"/>
+                <a:ea typeface="游ゴシック Medium" panose="020B0500000000000000" pitchFamily="50" charset="-128"/>
+              </a:rPr>
+              <a:t>Un-tone-mapped</a:t>
+            </a:r>
+            <a:endParaRPr kumimoji="1" lang="ja-JP" altLang="en-US" sz="1200" b="1" dirty="0">
+              <a:solidFill>
+                <a:schemeClr val="tx1">
+                  <a:lumMod val="75000"/>
+                  <a:lumOff val="25000"/>
+                </a:schemeClr>
+              </a:solidFill>
+              <a:latin typeface="游ゴシック Medium" panose="020B0500000000000000" pitchFamily="50" charset="-128"/>
+              <a:ea typeface="游ゴシック Medium" panose="020B0500000000000000" pitchFamily="50" charset="-128"/>
+            </a:endParaRPr>
+          </a:p>
+        </p:txBody>
+      </p:sp>
+      <p:sp>
+        <p:nvSpPr>
+          <p:cNvPr id="16" name="Rectangle: Rounded Corners 15">
+            <a:extLst>
+              <a:ext uri="{FF2B5EF4-FFF2-40B4-BE49-F238E27FC236}">
+                <a16:creationId xmlns:a16="http://schemas.microsoft.com/office/drawing/2014/main" id="{17680C3B-FBC8-45E2-AECE-25583D8B59DF}"/>
+              </a:ext>
+            </a:extLst>
+          </p:cNvPr>
+          <p:cNvSpPr/>
+          <p:nvPr/>
+        </p:nvSpPr>
+        <p:spPr>
+          <a:xfrm>
+            <a:off x="7125075" y="2688952"/>
+            <a:ext cx="1080120" cy="720080"/>
+          </a:xfrm>
+          <a:prstGeom prst="roundRect">
+            <a:avLst/>
+          </a:prstGeom>
+          <a:solidFill>
+            <a:schemeClr val="tx1">
+              <a:lumMod val="75000"/>
+              <a:lumOff val="25000"/>
+            </a:schemeClr>
+          </a:solidFill>
+          <a:ln w="38100">
+            <a:solidFill>
+              <a:schemeClr val="tx1">
+                <a:lumMod val="75000"/>
+                <a:lumOff val="25000"/>
+              </a:schemeClr>
+            </a:solidFill>
+          </a:ln>
+        </p:spPr>
+        <p:style>
+          <a:lnRef idx="2">
+            <a:schemeClr val="accent1">
+              <a:shade val="50000"/>
+            </a:schemeClr>
+          </a:lnRef>
+          <a:fillRef idx="1">
+            <a:schemeClr val="accent1"/>
+          </a:fillRef>
+          <a:effectRef idx="0">
+            <a:schemeClr val="accent1"/>
+          </a:effectRef>
+          <a:fontRef idx="minor">
+            <a:schemeClr val="lt1"/>
+          </a:fontRef>
+        </p:style>
+        <p:txBody>
+          <a:bodyPr rtlCol="0" anchor="ctr"/>
+          <a:lstStyle/>
+          <a:p>
+            <a:pPr algn="ctr"/>
+            <a:r>
+              <a:rPr lang="en-US" altLang="ja-JP" sz="1400" b="1" dirty="0">
+                <a:solidFill>
+                  <a:schemeClr val="bg1">
+                    <a:lumMod val="95000"/>
+                  </a:schemeClr>
+                </a:solidFill>
+                <a:latin typeface="游ゴシック Medium" panose="020B0500000000000000" pitchFamily="50" charset="-128"/>
+                <a:ea typeface="游ゴシック Medium" panose="020B0500000000000000" pitchFamily="50" charset="-128"/>
+              </a:rPr>
+              <a:t>display</a:t>
+            </a:r>
+            <a:endParaRPr kumimoji="1" lang="en-US" altLang="ja-JP" sz="1400" b="1" dirty="0">
+              <a:solidFill>
+                <a:schemeClr val="bg1">
+                  <a:lumMod val="95000"/>
+                </a:schemeClr>
+              </a:solidFill>
+              <a:latin typeface="游ゴシック Medium" panose="020B0500000000000000" pitchFamily="50" charset="-128"/>
+              <a:ea typeface="游ゴシック Medium" panose="020B0500000000000000" pitchFamily="50" charset="-128"/>
+            </a:endParaRPr>
+          </a:p>
+          <a:p>
+            <a:pPr algn="ctr"/>
+            <a:r>
+              <a:rPr lang="en-US" altLang="ja-JP" sz="1400" b="1" dirty="0">
+                <a:solidFill>
+                  <a:schemeClr val="bg1">
+                    <a:lumMod val="95000"/>
+                  </a:schemeClr>
+                </a:solidFill>
+                <a:latin typeface="游ゴシック Medium" panose="020B0500000000000000" pitchFamily="50" charset="-128"/>
+                <a:ea typeface="游ゴシック Medium" panose="020B0500000000000000" pitchFamily="50" charset="-128"/>
+              </a:rPr>
+              <a:t>reference</a:t>
+            </a:r>
+          </a:p>
+          <a:p>
+            <a:pPr algn="ctr"/>
+            <a:r>
+              <a:rPr kumimoji="1" lang="en-US" altLang="ja-JP" sz="1400" b="1" dirty="0">
+                <a:solidFill>
+                  <a:schemeClr val="bg1">
+                    <a:lumMod val="95000"/>
+                  </a:schemeClr>
+                </a:solidFill>
+                <a:latin typeface="游ゴシック Medium" panose="020B0500000000000000" pitchFamily="50" charset="-128"/>
+                <a:ea typeface="游ゴシック Medium" panose="020B0500000000000000" pitchFamily="50" charset="-128"/>
+              </a:rPr>
+              <a:t>space</a:t>
+            </a:r>
+            <a:endParaRPr kumimoji="1" lang="ja-JP" altLang="en-US" sz="1400" b="1" dirty="0">
+              <a:solidFill>
+                <a:schemeClr val="bg1">
+                  <a:lumMod val="95000"/>
+                </a:schemeClr>
+              </a:solidFill>
+              <a:latin typeface="游ゴシック Medium" panose="020B0500000000000000" pitchFamily="50" charset="-128"/>
+              <a:ea typeface="游ゴシック Medium" panose="020B0500000000000000" pitchFamily="50" charset="-128"/>
+            </a:endParaRPr>
+          </a:p>
+        </p:txBody>
+      </p:sp>
+      <p:sp>
+        <p:nvSpPr>
+          <p:cNvPr id="17" name="Rectangle 16">
+            <a:extLst>
+              <a:ext uri="{FF2B5EF4-FFF2-40B4-BE49-F238E27FC236}">
+                <a16:creationId xmlns:a16="http://schemas.microsoft.com/office/drawing/2014/main" id="{B06FDBDA-E462-45D7-B619-CB6BF6073A99}"/>
+              </a:ext>
+            </a:extLst>
+          </p:cNvPr>
+          <p:cNvSpPr/>
+          <p:nvPr/>
+        </p:nvSpPr>
+        <p:spPr>
+          <a:xfrm>
+            <a:off x="8854311" y="1551372"/>
+            <a:ext cx="938776" cy="576064"/>
+          </a:xfrm>
+          <a:prstGeom prst="rect">
+            <a:avLst/>
+          </a:prstGeom>
+          <a:solidFill>
+            <a:schemeClr val="bg1">
+              <a:lumMod val="95000"/>
+            </a:schemeClr>
+          </a:solidFill>
+          <a:ln w="28575">
+            <a:solidFill>
+              <a:schemeClr val="tx1">
+                <a:lumMod val="75000"/>
+                <a:lumOff val="25000"/>
+              </a:schemeClr>
+            </a:solidFill>
+          </a:ln>
+        </p:spPr>
+        <p:style>
+          <a:lnRef idx="2">
+            <a:schemeClr val="accent1">
+              <a:shade val="50000"/>
+            </a:schemeClr>
+          </a:lnRef>
+          <a:fillRef idx="1">
+            <a:schemeClr val="accent1"/>
+          </a:fillRef>
+          <a:effectRef idx="0">
+            <a:schemeClr val="accent1"/>
+          </a:effectRef>
+          <a:fontRef idx="minor">
+            <a:schemeClr val="lt1"/>
+          </a:fontRef>
+        </p:style>
+        <p:txBody>
+          <a:bodyPr rtlCol="0" anchor="ctr"/>
+          <a:lstStyle/>
+          <a:p>
+            <a:pPr algn="ctr"/>
+            <a:r>
+              <a:rPr kumimoji="1" lang="en-US" altLang="ja-JP" sz="1200" b="1" dirty="0" err="1">
+                <a:solidFill>
+                  <a:schemeClr val="tx1">
+                    <a:lumMod val="75000"/>
+                    <a:lumOff val="25000"/>
+                  </a:schemeClr>
+                </a:solidFill>
+                <a:latin typeface="游ゴシック Medium" panose="020B0500000000000000" pitchFamily="50" charset="-128"/>
+                <a:ea typeface="游ゴシック Medium" panose="020B0500000000000000" pitchFamily="50" charset="-128"/>
+              </a:rPr>
+              <a:t>from_ref</a:t>
+            </a:r>
+            <a:endParaRPr kumimoji="1" lang="en-US" altLang="ja-JP" sz="1200" b="1" dirty="0">
+              <a:solidFill>
+                <a:schemeClr val="tx1">
+                  <a:lumMod val="75000"/>
+                  <a:lumOff val="25000"/>
+                </a:schemeClr>
+              </a:solidFill>
+              <a:latin typeface="游ゴシック Medium" panose="020B0500000000000000" pitchFamily="50" charset="-128"/>
+              <a:ea typeface="游ゴシック Medium" panose="020B0500000000000000" pitchFamily="50" charset="-128"/>
+            </a:endParaRPr>
+          </a:p>
+          <a:p>
+            <a:pPr algn="ctr"/>
+            <a:r>
+              <a:rPr lang="en-US" altLang="ja-JP" sz="1200" b="1" dirty="0">
+                <a:solidFill>
+                  <a:schemeClr val="tx1">
+                    <a:lumMod val="75000"/>
+                    <a:lumOff val="25000"/>
+                  </a:schemeClr>
+                </a:solidFill>
+                <a:latin typeface="游ゴシック Medium" panose="020B0500000000000000" pitchFamily="50" charset="-128"/>
+                <a:ea typeface="游ゴシック Medium" panose="020B0500000000000000" pitchFamily="50" charset="-128"/>
+              </a:rPr>
+              <a:t>Transform</a:t>
+            </a:r>
+            <a:endParaRPr kumimoji="1" lang="ja-JP" altLang="en-US" sz="1200" b="1" dirty="0">
+              <a:solidFill>
+                <a:schemeClr val="tx1">
+                  <a:lumMod val="75000"/>
+                  <a:lumOff val="25000"/>
+                </a:schemeClr>
+              </a:solidFill>
+              <a:latin typeface="游ゴシック Medium" panose="020B0500000000000000" pitchFamily="50" charset="-128"/>
+              <a:ea typeface="游ゴシック Medium" panose="020B0500000000000000" pitchFamily="50" charset="-128"/>
+            </a:endParaRPr>
+          </a:p>
+        </p:txBody>
+      </p:sp>
+      <p:sp>
+        <p:nvSpPr>
+          <p:cNvPr id="18" name="Rectangle 17">
+            <a:extLst>
+              <a:ext uri="{FF2B5EF4-FFF2-40B4-BE49-F238E27FC236}">
+                <a16:creationId xmlns:a16="http://schemas.microsoft.com/office/drawing/2014/main" id="{63B9D96C-55A6-4809-A1DD-B0CDBB9D42D6}"/>
+              </a:ext>
+            </a:extLst>
+          </p:cNvPr>
+          <p:cNvSpPr/>
+          <p:nvPr/>
+        </p:nvSpPr>
+        <p:spPr>
+          <a:xfrm>
+            <a:off x="8854311" y="2760960"/>
+            <a:ext cx="938776" cy="576064"/>
+          </a:xfrm>
+          <a:prstGeom prst="rect">
+            <a:avLst/>
+          </a:prstGeom>
+          <a:solidFill>
+            <a:schemeClr val="bg1">
+              <a:lumMod val="95000"/>
+            </a:schemeClr>
+          </a:solidFill>
+          <a:ln w="28575">
+            <a:solidFill>
+              <a:schemeClr val="tx1">
+                <a:lumMod val="75000"/>
+                <a:lumOff val="25000"/>
+              </a:schemeClr>
+            </a:solidFill>
+          </a:ln>
+        </p:spPr>
+        <p:style>
+          <a:lnRef idx="2">
+            <a:schemeClr val="accent1">
+              <a:shade val="50000"/>
+            </a:schemeClr>
+          </a:lnRef>
+          <a:fillRef idx="1">
+            <a:schemeClr val="accent1"/>
+          </a:fillRef>
+          <a:effectRef idx="0">
+            <a:schemeClr val="accent1"/>
+          </a:effectRef>
+          <a:fontRef idx="minor">
+            <a:schemeClr val="lt1"/>
+          </a:fontRef>
+        </p:style>
+        <p:txBody>
+          <a:bodyPr rtlCol="0" anchor="ctr"/>
+          <a:lstStyle/>
+          <a:p>
+            <a:pPr algn="ctr"/>
+            <a:r>
+              <a:rPr kumimoji="1" lang="en-US" altLang="ja-JP" sz="1200" b="1" dirty="0" err="1">
+                <a:solidFill>
+                  <a:schemeClr val="tx1">
+                    <a:lumMod val="75000"/>
+                    <a:lumOff val="25000"/>
+                  </a:schemeClr>
+                </a:solidFill>
+                <a:latin typeface="游ゴシック Medium" panose="020B0500000000000000" pitchFamily="50" charset="-128"/>
+                <a:ea typeface="游ゴシック Medium" panose="020B0500000000000000" pitchFamily="50" charset="-128"/>
+              </a:rPr>
+              <a:t>from_ref</a:t>
+            </a:r>
+            <a:endParaRPr kumimoji="1" lang="en-US" altLang="ja-JP" sz="1200" b="1" dirty="0">
+              <a:solidFill>
+                <a:schemeClr val="tx1">
+                  <a:lumMod val="75000"/>
+                  <a:lumOff val="25000"/>
+                </a:schemeClr>
+              </a:solidFill>
+              <a:latin typeface="游ゴシック Medium" panose="020B0500000000000000" pitchFamily="50" charset="-128"/>
+              <a:ea typeface="游ゴシック Medium" panose="020B0500000000000000" pitchFamily="50" charset="-128"/>
+            </a:endParaRPr>
+          </a:p>
+          <a:p>
+            <a:pPr algn="ctr"/>
+            <a:r>
+              <a:rPr lang="en-US" altLang="ja-JP" sz="1200" b="1" dirty="0">
+                <a:solidFill>
+                  <a:schemeClr val="tx1">
+                    <a:lumMod val="75000"/>
+                    <a:lumOff val="25000"/>
+                  </a:schemeClr>
+                </a:solidFill>
+                <a:latin typeface="游ゴシック Medium" panose="020B0500000000000000" pitchFamily="50" charset="-128"/>
+                <a:ea typeface="游ゴシック Medium" panose="020B0500000000000000" pitchFamily="50" charset="-128"/>
+              </a:rPr>
+              <a:t>Transform</a:t>
+            </a:r>
+            <a:endParaRPr kumimoji="1" lang="ja-JP" altLang="en-US" sz="1200" b="1" dirty="0">
+              <a:solidFill>
+                <a:schemeClr val="tx1">
+                  <a:lumMod val="75000"/>
+                  <a:lumOff val="25000"/>
+                </a:schemeClr>
+              </a:solidFill>
+              <a:latin typeface="游ゴシック Medium" panose="020B0500000000000000" pitchFamily="50" charset="-128"/>
+              <a:ea typeface="游ゴシック Medium" panose="020B0500000000000000" pitchFamily="50" charset="-128"/>
+            </a:endParaRPr>
+          </a:p>
+        </p:txBody>
+      </p:sp>
+      <p:sp>
+        <p:nvSpPr>
+          <p:cNvPr id="19" name="Rectangle 18">
+            <a:extLst>
+              <a:ext uri="{FF2B5EF4-FFF2-40B4-BE49-F238E27FC236}">
+                <a16:creationId xmlns:a16="http://schemas.microsoft.com/office/drawing/2014/main" id="{ACB1AE88-CAD9-4618-85C5-6205AD9BA4E3}"/>
+              </a:ext>
+            </a:extLst>
+          </p:cNvPr>
+          <p:cNvSpPr/>
+          <p:nvPr/>
+        </p:nvSpPr>
+        <p:spPr>
+          <a:xfrm>
+            <a:off x="8854311" y="3955622"/>
+            <a:ext cx="938776" cy="576064"/>
+          </a:xfrm>
+          <a:prstGeom prst="rect">
+            <a:avLst/>
+          </a:prstGeom>
+          <a:solidFill>
+            <a:schemeClr val="accent2">
+              <a:lumMod val="20000"/>
+              <a:lumOff val="80000"/>
+            </a:schemeClr>
+          </a:solidFill>
+          <a:ln w="28575">
+            <a:solidFill>
+              <a:schemeClr val="tx1">
+                <a:lumMod val="75000"/>
+                <a:lumOff val="25000"/>
+              </a:schemeClr>
+            </a:solidFill>
+          </a:ln>
+        </p:spPr>
+        <p:style>
+          <a:lnRef idx="2">
+            <a:schemeClr val="accent1">
+              <a:shade val="50000"/>
+            </a:schemeClr>
+          </a:lnRef>
+          <a:fillRef idx="1">
+            <a:schemeClr val="accent1"/>
+          </a:fillRef>
+          <a:effectRef idx="0">
+            <a:schemeClr val="accent1"/>
+          </a:effectRef>
+          <a:fontRef idx="minor">
+            <a:schemeClr val="lt1"/>
+          </a:fontRef>
+        </p:style>
+        <p:txBody>
+          <a:bodyPr rtlCol="0" anchor="ctr"/>
+          <a:lstStyle/>
+          <a:p>
+            <a:pPr algn="ctr"/>
+            <a:r>
+              <a:rPr kumimoji="1" lang="en-US" altLang="ja-JP" sz="1200" b="1" dirty="0" err="1">
+                <a:solidFill>
+                  <a:schemeClr val="tx1">
+                    <a:lumMod val="75000"/>
+                    <a:lumOff val="25000"/>
+                  </a:schemeClr>
+                </a:solidFill>
+                <a:latin typeface="游ゴシック Medium" panose="020B0500000000000000" pitchFamily="50" charset="-128"/>
+                <a:ea typeface="游ゴシック Medium" panose="020B0500000000000000" pitchFamily="50" charset="-128"/>
+              </a:rPr>
+              <a:t>from_ref</a:t>
+            </a:r>
+            <a:endParaRPr kumimoji="1" lang="en-US" altLang="ja-JP" sz="1200" b="1" dirty="0">
+              <a:solidFill>
+                <a:schemeClr val="tx1">
+                  <a:lumMod val="75000"/>
+                  <a:lumOff val="25000"/>
+                </a:schemeClr>
+              </a:solidFill>
+              <a:latin typeface="游ゴシック Medium" panose="020B0500000000000000" pitchFamily="50" charset="-128"/>
+              <a:ea typeface="游ゴシック Medium" panose="020B0500000000000000" pitchFamily="50" charset="-128"/>
+            </a:endParaRPr>
+          </a:p>
+          <a:p>
+            <a:pPr algn="ctr"/>
+            <a:r>
+              <a:rPr lang="en-US" altLang="ja-JP" sz="1200" b="1" dirty="0">
+                <a:solidFill>
+                  <a:schemeClr val="tx1">
+                    <a:lumMod val="75000"/>
+                    <a:lumOff val="25000"/>
+                  </a:schemeClr>
+                </a:solidFill>
+                <a:latin typeface="游ゴシック Medium" panose="020B0500000000000000" pitchFamily="50" charset="-128"/>
+                <a:ea typeface="游ゴシック Medium" panose="020B0500000000000000" pitchFamily="50" charset="-128"/>
+              </a:rPr>
+              <a:t>Transform</a:t>
+            </a:r>
+            <a:endParaRPr kumimoji="1" lang="ja-JP" altLang="en-US" sz="1200" b="1" dirty="0">
+              <a:solidFill>
+                <a:schemeClr val="tx1">
+                  <a:lumMod val="75000"/>
+                  <a:lumOff val="25000"/>
+                </a:schemeClr>
+              </a:solidFill>
+              <a:latin typeface="游ゴシック Medium" panose="020B0500000000000000" pitchFamily="50" charset="-128"/>
+              <a:ea typeface="游ゴシック Medium" panose="020B0500000000000000" pitchFamily="50" charset="-128"/>
+            </a:endParaRPr>
+          </a:p>
+        </p:txBody>
+      </p:sp>
+      <p:sp>
+        <p:nvSpPr>
+          <p:cNvPr id="20" name="Rectangle: Rounded Corners 19">
+            <a:extLst>
+              <a:ext uri="{FF2B5EF4-FFF2-40B4-BE49-F238E27FC236}">
+                <a16:creationId xmlns:a16="http://schemas.microsoft.com/office/drawing/2014/main" id="{4672F98A-3F00-4A40-A251-298F0127FDDD}"/>
+              </a:ext>
+            </a:extLst>
+          </p:cNvPr>
+          <p:cNvSpPr/>
+          <p:nvPr/>
+        </p:nvSpPr>
+        <p:spPr>
+          <a:xfrm>
+            <a:off x="10143040" y="1479364"/>
+            <a:ext cx="1680864" cy="720080"/>
+          </a:xfrm>
+          <a:prstGeom prst="roundRect">
+            <a:avLst/>
+          </a:prstGeom>
+          <a:solidFill>
+            <a:schemeClr val="tx1">
+              <a:lumMod val="75000"/>
+              <a:lumOff val="25000"/>
+            </a:schemeClr>
+          </a:solidFill>
+          <a:ln w="38100">
+            <a:solidFill>
+              <a:schemeClr val="tx1">
+                <a:lumMod val="75000"/>
+                <a:lumOff val="25000"/>
+              </a:schemeClr>
+            </a:solidFill>
+          </a:ln>
+        </p:spPr>
+        <p:style>
+          <a:lnRef idx="2">
+            <a:schemeClr val="accent1">
+              <a:shade val="50000"/>
+            </a:schemeClr>
+          </a:lnRef>
+          <a:fillRef idx="1">
+            <a:schemeClr val="accent1"/>
+          </a:fillRef>
+          <a:effectRef idx="0">
+            <a:schemeClr val="accent1"/>
+          </a:effectRef>
+          <a:fontRef idx="minor">
+            <a:schemeClr val="lt1"/>
+          </a:fontRef>
+        </p:style>
+        <p:txBody>
+          <a:bodyPr rtlCol="0" anchor="ctr"/>
+          <a:lstStyle/>
+          <a:p>
+            <a:pPr algn="ctr"/>
+            <a:r>
+              <a:rPr lang="en-US" altLang="ja-JP" sz="1200" b="1" dirty="0">
+                <a:solidFill>
+                  <a:schemeClr val="bg1">
+                    <a:lumMod val="95000"/>
+                  </a:schemeClr>
+                </a:solidFill>
+                <a:latin typeface="游ゴシック Medium" panose="020B0500000000000000" pitchFamily="50" charset="-128"/>
+                <a:ea typeface="游ゴシック Medium" panose="020B0500000000000000" pitchFamily="50" charset="-128"/>
+              </a:rPr>
+              <a:t>BT.2100-PQ</a:t>
+            </a:r>
+          </a:p>
+          <a:p>
+            <a:pPr algn="ctr"/>
+            <a:r>
+              <a:rPr lang="en-US" altLang="ja-JP" sz="1200" b="1" dirty="0">
+                <a:solidFill>
+                  <a:schemeClr val="bg1">
+                    <a:lumMod val="95000"/>
+                  </a:schemeClr>
+                </a:solidFill>
+                <a:latin typeface="游ゴシック Medium" panose="020B0500000000000000" pitchFamily="50" charset="-128"/>
+                <a:ea typeface="游ゴシック Medium" panose="020B0500000000000000" pitchFamily="50" charset="-128"/>
+              </a:rPr>
+              <a:t>Display Color Space</a:t>
+            </a:r>
+            <a:endParaRPr kumimoji="1" lang="ja-JP" altLang="en-US" sz="1200" b="1" dirty="0">
+              <a:solidFill>
+                <a:schemeClr val="bg1">
+                  <a:lumMod val="95000"/>
+                </a:schemeClr>
+              </a:solidFill>
+              <a:latin typeface="游ゴシック Medium" panose="020B0500000000000000" pitchFamily="50" charset="-128"/>
+              <a:ea typeface="游ゴシック Medium" panose="020B0500000000000000" pitchFamily="50" charset="-128"/>
+            </a:endParaRPr>
+          </a:p>
+        </p:txBody>
+      </p:sp>
+      <p:sp>
+        <p:nvSpPr>
+          <p:cNvPr id="21" name="Rectangle: Rounded Corners 20">
+            <a:extLst>
+              <a:ext uri="{FF2B5EF4-FFF2-40B4-BE49-F238E27FC236}">
+                <a16:creationId xmlns:a16="http://schemas.microsoft.com/office/drawing/2014/main" id="{8BF20571-775F-42D0-AEA4-D59FDA8C50D8}"/>
+              </a:ext>
+            </a:extLst>
+          </p:cNvPr>
+          <p:cNvSpPr/>
+          <p:nvPr/>
+        </p:nvSpPr>
+        <p:spPr>
+          <a:xfrm>
+            <a:off x="10143040" y="2688952"/>
+            <a:ext cx="1680864" cy="720080"/>
+          </a:xfrm>
+          <a:prstGeom prst="roundRect">
+            <a:avLst/>
+          </a:prstGeom>
+          <a:solidFill>
+            <a:schemeClr val="tx1">
+              <a:lumMod val="75000"/>
+              <a:lumOff val="25000"/>
+            </a:schemeClr>
+          </a:solidFill>
+          <a:ln w="38100">
+            <a:solidFill>
+              <a:schemeClr val="tx1">
+                <a:lumMod val="75000"/>
+                <a:lumOff val="25000"/>
+              </a:schemeClr>
+            </a:solidFill>
+          </a:ln>
+        </p:spPr>
+        <p:style>
+          <a:lnRef idx="2">
+            <a:schemeClr val="accent1">
+              <a:shade val="50000"/>
+            </a:schemeClr>
+          </a:lnRef>
+          <a:fillRef idx="1">
+            <a:schemeClr val="accent1"/>
+          </a:fillRef>
+          <a:effectRef idx="0">
+            <a:schemeClr val="accent1"/>
+          </a:effectRef>
+          <a:fontRef idx="minor">
+            <a:schemeClr val="lt1"/>
+          </a:fontRef>
+        </p:style>
+        <p:txBody>
+          <a:bodyPr rtlCol="0" anchor="ctr"/>
+          <a:lstStyle/>
+          <a:p>
+            <a:pPr algn="ctr"/>
+            <a:r>
+              <a:rPr lang="en-US" altLang="ja-JP" sz="1200" b="1" dirty="0">
+                <a:solidFill>
+                  <a:schemeClr val="bg1">
+                    <a:lumMod val="95000"/>
+                  </a:schemeClr>
+                </a:solidFill>
+                <a:latin typeface="游ゴシック Medium" panose="020B0500000000000000" pitchFamily="50" charset="-128"/>
+                <a:ea typeface="游ゴシック Medium" panose="020B0500000000000000" pitchFamily="50" charset="-128"/>
+              </a:rPr>
+              <a:t>BT.2100-HLG</a:t>
+            </a:r>
+          </a:p>
+          <a:p>
+            <a:pPr algn="ctr"/>
+            <a:r>
+              <a:rPr lang="en-US" altLang="ja-JP" sz="1200" b="1" dirty="0">
+                <a:solidFill>
+                  <a:schemeClr val="bg1">
+                    <a:lumMod val="95000"/>
+                  </a:schemeClr>
+                </a:solidFill>
+                <a:latin typeface="游ゴシック Medium" panose="020B0500000000000000" pitchFamily="50" charset="-128"/>
+                <a:ea typeface="游ゴシック Medium" panose="020B0500000000000000" pitchFamily="50" charset="-128"/>
+              </a:rPr>
+              <a:t>Display Color Space</a:t>
+            </a:r>
+            <a:endParaRPr kumimoji="1" lang="ja-JP" altLang="en-US" sz="1200" b="1" dirty="0">
+              <a:solidFill>
+                <a:schemeClr val="bg1">
+                  <a:lumMod val="95000"/>
+                </a:schemeClr>
+              </a:solidFill>
+              <a:latin typeface="游ゴシック Medium" panose="020B0500000000000000" pitchFamily="50" charset="-128"/>
+              <a:ea typeface="游ゴシック Medium" panose="020B0500000000000000" pitchFamily="50" charset="-128"/>
+            </a:endParaRPr>
+          </a:p>
+        </p:txBody>
+      </p:sp>
+      <p:sp>
+        <p:nvSpPr>
+          <p:cNvPr id="22" name="Rectangle: Rounded Corners 21">
+            <a:extLst>
+              <a:ext uri="{FF2B5EF4-FFF2-40B4-BE49-F238E27FC236}">
+                <a16:creationId xmlns:a16="http://schemas.microsoft.com/office/drawing/2014/main" id="{EABEA2BD-36B1-4DC7-BE05-A8230C26E985}"/>
+              </a:ext>
+            </a:extLst>
+          </p:cNvPr>
+          <p:cNvSpPr/>
+          <p:nvPr/>
+        </p:nvSpPr>
+        <p:spPr>
+          <a:xfrm>
+            <a:off x="10143040" y="3883614"/>
+            <a:ext cx="1680864" cy="720080"/>
+          </a:xfrm>
+          <a:prstGeom prst="roundRect">
+            <a:avLst/>
+          </a:prstGeom>
+          <a:solidFill>
+            <a:schemeClr val="tx1">
+              <a:lumMod val="75000"/>
+              <a:lumOff val="25000"/>
+            </a:schemeClr>
+          </a:solidFill>
+          <a:ln w="38100">
+            <a:solidFill>
+              <a:schemeClr val="tx1">
+                <a:lumMod val="75000"/>
+                <a:lumOff val="25000"/>
+              </a:schemeClr>
+            </a:solidFill>
+          </a:ln>
+        </p:spPr>
+        <p:style>
+          <a:lnRef idx="2">
+            <a:schemeClr val="accent1">
+              <a:shade val="50000"/>
+            </a:schemeClr>
+          </a:lnRef>
+          <a:fillRef idx="1">
+            <a:schemeClr val="accent1"/>
+          </a:fillRef>
+          <a:effectRef idx="0">
+            <a:schemeClr val="accent1"/>
+          </a:effectRef>
+          <a:fontRef idx="minor">
+            <a:schemeClr val="lt1"/>
+          </a:fontRef>
+        </p:style>
+        <p:txBody>
+          <a:bodyPr rtlCol="0" anchor="ctr"/>
+          <a:lstStyle/>
+          <a:p>
+            <a:pPr algn="ctr"/>
+            <a:r>
+              <a:rPr lang="en-US" altLang="ja-JP" sz="1200" b="1" dirty="0">
+                <a:solidFill>
+                  <a:schemeClr val="bg1">
+                    <a:lumMod val="95000"/>
+                  </a:schemeClr>
+                </a:solidFill>
+                <a:latin typeface="游ゴシック Medium" panose="020B0500000000000000" pitchFamily="50" charset="-128"/>
+                <a:ea typeface="游ゴシック Medium" panose="020B0500000000000000" pitchFamily="50" charset="-128"/>
+              </a:rPr>
+              <a:t>BT.1886-BT.709</a:t>
+            </a:r>
+          </a:p>
+          <a:p>
+            <a:pPr algn="ctr"/>
+            <a:r>
+              <a:rPr lang="en-US" altLang="ja-JP" sz="1200" b="1" dirty="0">
+                <a:solidFill>
+                  <a:schemeClr val="bg1">
+                    <a:lumMod val="95000"/>
+                  </a:schemeClr>
+                </a:solidFill>
+                <a:latin typeface="游ゴシック Medium" panose="020B0500000000000000" pitchFamily="50" charset="-128"/>
+                <a:ea typeface="游ゴシック Medium" panose="020B0500000000000000" pitchFamily="50" charset="-128"/>
+              </a:rPr>
+              <a:t>Display Color Space</a:t>
+            </a:r>
+            <a:endParaRPr kumimoji="1" lang="ja-JP" altLang="en-US" sz="1200" b="1" dirty="0">
+              <a:solidFill>
+                <a:schemeClr val="bg1">
+                  <a:lumMod val="95000"/>
+                </a:schemeClr>
+              </a:solidFill>
+              <a:latin typeface="游ゴシック Medium" panose="020B0500000000000000" pitchFamily="50" charset="-128"/>
+              <a:ea typeface="游ゴシック Medium" panose="020B0500000000000000" pitchFamily="50" charset="-128"/>
+            </a:endParaRPr>
+          </a:p>
+        </p:txBody>
+      </p:sp>
+      <p:cxnSp>
+        <p:nvCxnSpPr>
+          <p:cNvPr id="24" name="Straight Arrow Connector 23">
+            <a:extLst>
+              <a:ext uri="{FF2B5EF4-FFF2-40B4-BE49-F238E27FC236}">
+                <a16:creationId xmlns:a16="http://schemas.microsoft.com/office/drawing/2014/main" id="{B40F5F88-C586-4D0A-8175-5CEEF6F27BE4}"/>
+              </a:ext>
+            </a:extLst>
+          </p:cNvPr>
+          <p:cNvCxnSpPr>
+            <a:stCxn id="4" idx="3"/>
+            <a:endCxn id="8" idx="1"/>
+          </p:cNvCxnSpPr>
+          <p:nvPr/>
+        </p:nvCxnSpPr>
+        <p:spPr>
+          <a:xfrm>
+            <a:off x="1836204" y="1839404"/>
+            <a:ext cx="396044" cy="0"/>
+          </a:xfrm>
+          <a:prstGeom prst="straightConnector1">
+            <a:avLst/>
+          </a:prstGeom>
+          <a:ln w="50800">
+            <a:solidFill>
+              <a:schemeClr val="bg1">
+                <a:lumMod val="75000"/>
+              </a:schemeClr>
+            </a:solidFill>
+            <a:tailEnd type="triangle"/>
+          </a:ln>
+        </p:spPr>
+        <p:style>
+          <a:lnRef idx="1">
+            <a:schemeClr val="accent1"/>
+          </a:lnRef>
+          <a:fillRef idx="0">
+            <a:schemeClr val="accent1"/>
+          </a:fillRef>
+          <a:effectRef idx="0">
+            <a:schemeClr val="accent1"/>
+          </a:effectRef>
+          <a:fontRef idx="minor">
+            <a:schemeClr val="tx1"/>
+          </a:fontRef>
+        </p:style>
+      </p:cxnSp>
+      <p:cxnSp>
+        <p:nvCxnSpPr>
+          <p:cNvPr id="26" name="Straight Arrow Connector 25">
+            <a:extLst>
+              <a:ext uri="{FF2B5EF4-FFF2-40B4-BE49-F238E27FC236}">
+                <a16:creationId xmlns:a16="http://schemas.microsoft.com/office/drawing/2014/main" id="{8DE12BD6-D99B-43B1-9AF2-4B44861AEE60}"/>
+              </a:ext>
+            </a:extLst>
+          </p:cNvPr>
+          <p:cNvCxnSpPr>
+            <a:stCxn id="6" idx="3"/>
+            <a:endCxn id="9" idx="1"/>
+          </p:cNvCxnSpPr>
+          <p:nvPr/>
+        </p:nvCxnSpPr>
+        <p:spPr>
+          <a:xfrm>
+            <a:off x="1836204" y="3048992"/>
+            <a:ext cx="396044" cy="0"/>
+          </a:xfrm>
+          <a:prstGeom prst="straightConnector1">
+            <a:avLst/>
+          </a:prstGeom>
+          <a:ln w="50800">
+            <a:solidFill>
+              <a:schemeClr val="bg1">
+                <a:lumMod val="75000"/>
+              </a:schemeClr>
+            </a:solidFill>
+            <a:tailEnd type="triangle"/>
+          </a:ln>
+        </p:spPr>
+        <p:style>
+          <a:lnRef idx="1">
+            <a:schemeClr val="accent1"/>
+          </a:lnRef>
+          <a:fillRef idx="0">
+            <a:schemeClr val="accent1"/>
+          </a:fillRef>
+          <a:effectRef idx="0">
+            <a:schemeClr val="accent1"/>
+          </a:effectRef>
+          <a:fontRef idx="minor">
+            <a:schemeClr val="tx1"/>
+          </a:fontRef>
+        </p:style>
+      </p:cxnSp>
+      <p:cxnSp>
+        <p:nvCxnSpPr>
+          <p:cNvPr id="28" name="Straight Arrow Connector 27">
+            <a:extLst>
+              <a:ext uri="{FF2B5EF4-FFF2-40B4-BE49-F238E27FC236}">
+                <a16:creationId xmlns:a16="http://schemas.microsoft.com/office/drawing/2014/main" id="{FB631A3D-06E2-4DDE-9F86-E4CF755FD393}"/>
+              </a:ext>
+            </a:extLst>
+          </p:cNvPr>
+          <p:cNvCxnSpPr>
+            <a:stCxn id="7" idx="3"/>
+            <a:endCxn id="10" idx="1"/>
+          </p:cNvCxnSpPr>
+          <p:nvPr/>
+        </p:nvCxnSpPr>
+        <p:spPr>
+          <a:xfrm>
+            <a:off x="1836204" y="4243654"/>
+            <a:ext cx="396044" cy="0"/>
+          </a:xfrm>
+          <a:prstGeom prst="straightConnector1">
+            <a:avLst/>
+          </a:prstGeom>
+          <a:ln w="50800">
+            <a:solidFill>
+              <a:srgbClr val="C00000"/>
+            </a:solidFill>
+            <a:tailEnd type="triangle"/>
+          </a:ln>
+        </p:spPr>
+        <p:style>
+          <a:lnRef idx="1">
+            <a:schemeClr val="accent1"/>
+          </a:lnRef>
+          <a:fillRef idx="0">
+            <a:schemeClr val="accent1"/>
+          </a:fillRef>
+          <a:effectRef idx="0">
+            <a:schemeClr val="accent1"/>
+          </a:effectRef>
+          <a:fontRef idx="minor">
+            <a:schemeClr val="tx1"/>
+          </a:fontRef>
+        </p:style>
+      </p:cxnSp>
+      <p:cxnSp>
+        <p:nvCxnSpPr>
+          <p:cNvPr id="30" name="Straight Arrow Connector 29">
+            <a:extLst>
+              <a:ext uri="{FF2B5EF4-FFF2-40B4-BE49-F238E27FC236}">
+                <a16:creationId xmlns:a16="http://schemas.microsoft.com/office/drawing/2014/main" id="{A00F0186-3075-4DA9-85C0-DC7CBE3F503E}"/>
+              </a:ext>
+            </a:extLst>
+          </p:cNvPr>
+          <p:cNvCxnSpPr>
+            <a:cxnSpLocks/>
+            <a:stCxn id="8" idx="3"/>
+          </p:cNvCxnSpPr>
+          <p:nvPr/>
+        </p:nvCxnSpPr>
+        <p:spPr>
+          <a:xfrm>
+            <a:off x="3168352" y="1839404"/>
+            <a:ext cx="648072" cy="833946"/>
+          </a:xfrm>
+          <a:prstGeom prst="straightConnector1">
+            <a:avLst/>
+          </a:prstGeom>
+          <a:ln w="50800">
+            <a:solidFill>
+              <a:schemeClr val="bg1">
+                <a:lumMod val="75000"/>
+              </a:schemeClr>
+            </a:solidFill>
+            <a:tailEnd type="triangle"/>
+          </a:ln>
+        </p:spPr>
+        <p:style>
+          <a:lnRef idx="1">
+            <a:schemeClr val="accent1"/>
+          </a:lnRef>
+          <a:fillRef idx="0">
+            <a:schemeClr val="accent1"/>
+          </a:fillRef>
+          <a:effectRef idx="0">
+            <a:schemeClr val="accent1"/>
+          </a:effectRef>
+          <a:fontRef idx="minor">
+            <a:schemeClr val="tx1"/>
+          </a:fontRef>
+        </p:style>
+      </p:cxnSp>
+      <p:cxnSp>
+        <p:nvCxnSpPr>
+          <p:cNvPr id="32" name="Straight Arrow Connector 31">
+            <a:extLst>
+              <a:ext uri="{FF2B5EF4-FFF2-40B4-BE49-F238E27FC236}">
+                <a16:creationId xmlns:a16="http://schemas.microsoft.com/office/drawing/2014/main" id="{D2A8A8E6-B2E5-45DE-BA4D-7ADBFFDB6AD2}"/>
+              </a:ext>
+            </a:extLst>
+          </p:cNvPr>
+          <p:cNvCxnSpPr>
+            <a:stCxn id="9" idx="3"/>
+            <a:endCxn id="11" idx="1"/>
+          </p:cNvCxnSpPr>
+          <p:nvPr/>
+        </p:nvCxnSpPr>
+        <p:spPr>
+          <a:xfrm>
+            <a:off x="3168352" y="3048992"/>
+            <a:ext cx="580825" cy="0"/>
+          </a:xfrm>
+          <a:prstGeom prst="straightConnector1">
+            <a:avLst/>
+          </a:prstGeom>
+          <a:ln w="50800">
+            <a:solidFill>
+              <a:schemeClr val="bg1">
+                <a:lumMod val="75000"/>
+              </a:schemeClr>
+            </a:solidFill>
+            <a:tailEnd type="triangle"/>
+          </a:ln>
+        </p:spPr>
+        <p:style>
+          <a:lnRef idx="1">
+            <a:schemeClr val="accent1"/>
+          </a:lnRef>
+          <a:fillRef idx="0">
+            <a:schemeClr val="accent1"/>
+          </a:fillRef>
+          <a:effectRef idx="0">
+            <a:schemeClr val="accent1"/>
+          </a:effectRef>
+          <a:fontRef idx="minor">
+            <a:schemeClr val="tx1"/>
+          </a:fontRef>
+        </p:style>
+      </p:cxnSp>
+      <p:cxnSp>
+        <p:nvCxnSpPr>
+          <p:cNvPr id="34" name="Straight Arrow Connector 33">
+            <a:extLst>
+              <a:ext uri="{FF2B5EF4-FFF2-40B4-BE49-F238E27FC236}">
+                <a16:creationId xmlns:a16="http://schemas.microsoft.com/office/drawing/2014/main" id="{5B2224A9-9B2C-4477-8E08-E82835C05B78}"/>
+              </a:ext>
+            </a:extLst>
+          </p:cNvPr>
+          <p:cNvCxnSpPr>
+            <a:cxnSpLocks/>
+            <a:stCxn id="10" idx="3"/>
+          </p:cNvCxnSpPr>
+          <p:nvPr/>
+        </p:nvCxnSpPr>
+        <p:spPr>
+          <a:xfrm flipV="1">
+            <a:off x="3168352" y="3448969"/>
+            <a:ext cx="695623" cy="794685"/>
+          </a:xfrm>
+          <a:prstGeom prst="straightConnector1">
+            <a:avLst/>
+          </a:prstGeom>
+          <a:ln w="50800">
+            <a:solidFill>
+              <a:srgbClr val="C00000"/>
+            </a:solidFill>
+            <a:tailEnd type="triangle"/>
+          </a:ln>
+        </p:spPr>
+        <p:style>
+          <a:lnRef idx="1">
+            <a:schemeClr val="accent1"/>
+          </a:lnRef>
+          <a:fillRef idx="0">
+            <a:schemeClr val="accent1"/>
+          </a:fillRef>
+          <a:effectRef idx="0">
+            <a:schemeClr val="accent1"/>
+          </a:effectRef>
+          <a:fontRef idx="minor">
+            <a:schemeClr val="tx1"/>
+          </a:fontRef>
+        </p:style>
+      </p:cxnSp>
+      <p:cxnSp>
+        <p:nvCxnSpPr>
+          <p:cNvPr id="44" name="Straight Arrow Connector 43">
+            <a:extLst>
+              <a:ext uri="{FF2B5EF4-FFF2-40B4-BE49-F238E27FC236}">
+                <a16:creationId xmlns:a16="http://schemas.microsoft.com/office/drawing/2014/main" id="{EAA03B0B-F21B-44CC-8637-44A424DD4561}"/>
+              </a:ext>
+            </a:extLst>
+          </p:cNvPr>
+          <p:cNvCxnSpPr>
+            <a:cxnSpLocks/>
+            <a:stCxn id="11" idx="3"/>
+            <a:endCxn id="14" idx="1"/>
+          </p:cNvCxnSpPr>
+          <p:nvPr/>
+        </p:nvCxnSpPr>
+        <p:spPr>
+          <a:xfrm>
+            <a:off x="4829297" y="3048992"/>
+            <a:ext cx="370437" cy="0"/>
+          </a:xfrm>
+          <a:prstGeom prst="straightConnector1">
+            <a:avLst/>
+          </a:prstGeom>
+          <a:ln w="50800">
+            <a:solidFill>
+              <a:schemeClr val="bg1">
+                <a:lumMod val="75000"/>
+              </a:schemeClr>
+            </a:solidFill>
+            <a:tailEnd type="triangle"/>
+          </a:ln>
+        </p:spPr>
+        <p:style>
+          <a:lnRef idx="1">
+            <a:schemeClr val="accent1"/>
+          </a:lnRef>
+          <a:fillRef idx="0">
+            <a:schemeClr val="accent1"/>
+          </a:fillRef>
+          <a:effectRef idx="0">
+            <a:schemeClr val="accent1"/>
+          </a:effectRef>
+          <a:fontRef idx="minor">
+            <a:schemeClr val="tx1"/>
+          </a:fontRef>
+        </p:style>
+      </p:cxnSp>
+      <p:cxnSp>
+        <p:nvCxnSpPr>
+          <p:cNvPr id="46" name="Straight Arrow Connector 45">
+            <a:extLst>
+              <a:ext uri="{FF2B5EF4-FFF2-40B4-BE49-F238E27FC236}">
+                <a16:creationId xmlns:a16="http://schemas.microsoft.com/office/drawing/2014/main" id="{5A0CFD1D-AF05-4FB5-940D-2653D4AB092C}"/>
+              </a:ext>
+            </a:extLst>
+          </p:cNvPr>
+          <p:cNvCxnSpPr>
+            <a:cxnSpLocks/>
+            <a:endCxn id="45" idx="1"/>
+          </p:cNvCxnSpPr>
+          <p:nvPr/>
+        </p:nvCxnSpPr>
+        <p:spPr>
+          <a:xfrm flipV="1">
+            <a:off x="4705847" y="1839404"/>
+            <a:ext cx="366883" cy="809614"/>
+          </a:xfrm>
+          <a:prstGeom prst="straightConnector1">
+            <a:avLst/>
+          </a:prstGeom>
+          <a:ln w="50800">
+            <a:solidFill>
+              <a:schemeClr val="bg1">
+                <a:lumMod val="75000"/>
+              </a:schemeClr>
+            </a:solidFill>
+            <a:tailEnd type="triangle"/>
+          </a:ln>
+        </p:spPr>
+        <p:style>
+          <a:lnRef idx="1">
+            <a:schemeClr val="accent1"/>
+          </a:lnRef>
+          <a:fillRef idx="0">
+            <a:schemeClr val="accent1"/>
+          </a:fillRef>
+          <a:effectRef idx="0">
+            <a:schemeClr val="accent1"/>
+          </a:effectRef>
+          <a:fontRef idx="minor">
+            <a:schemeClr val="tx1"/>
+          </a:fontRef>
+        </p:style>
+      </p:cxnSp>
+      <p:cxnSp>
+        <p:nvCxnSpPr>
+          <p:cNvPr id="48" name="Straight Arrow Connector 47">
+            <a:extLst>
+              <a:ext uri="{FF2B5EF4-FFF2-40B4-BE49-F238E27FC236}">
+                <a16:creationId xmlns:a16="http://schemas.microsoft.com/office/drawing/2014/main" id="{85275996-8B52-4CAA-8FD4-F86CB341CE8C}"/>
+              </a:ext>
+            </a:extLst>
+          </p:cNvPr>
+          <p:cNvCxnSpPr>
+            <a:cxnSpLocks/>
+            <a:endCxn id="52" idx="1"/>
+          </p:cNvCxnSpPr>
+          <p:nvPr/>
+        </p:nvCxnSpPr>
+        <p:spPr>
+          <a:xfrm>
+            <a:off x="4680520" y="3429000"/>
+            <a:ext cx="392210" cy="814654"/>
+          </a:xfrm>
+          <a:prstGeom prst="straightConnector1">
+            <a:avLst/>
+          </a:prstGeom>
+          <a:ln w="50800">
+            <a:solidFill>
+              <a:srgbClr val="C00000"/>
+            </a:solidFill>
+            <a:tailEnd type="triangle"/>
+          </a:ln>
+        </p:spPr>
+        <p:style>
+          <a:lnRef idx="1">
+            <a:schemeClr val="accent1"/>
+          </a:lnRef>
+          <a:fillRef idx="0">
+            <a:schemeClr val="accent1"/>
+          </a:fillRef>
+          <a:effectRef idx="0">
+            <a:schemeClr val="accent1"/>
+          </a:effectRef>
+          <a:fontRef idx="minor">
+            <a:schemeClr val="tx1"/>
+          </a:fontRef>
+        </p:style>
+      </p:cxnSp>
+      <p:cxnSp>
+        <p:nvCxnSpPr>
+          <p:cNvPr id="58" name="Straight Arrow Connector 57">
+            <a:extLst>
+              <a:ext uri="{FF2B5EF4-FFF2-40B4-BE49-F238E27FC236}">
+                <a16:creationId xmlns:a16="http://schemas.microsoft.com/office/drawing/2014/main" id="{FF5FD454-AA4A-4DBE-9966-7B8074E1AA1B}"/>
+              </a:ext>
+            </a:extLst>
+          </p:cNvPr>
+          <p:cNvCxnSpPr>
+            <a:cxnSpLocks/>
+            <a:stCxn id="45" idx="3"/>
+          </p:cNvCxnSpPr>
+          <p:nvPr/>
+        </p:nvCxnSpPr>
+        <p:spPr>
+          <a:xfrm>
+            <a:off x="6799068" y="1839404"/>
+            <a:ext cx="449457" cy="833946"/>
+          </a:xfrm>
+          <a:prstGeom prst="straightConnector1">
+            <a:avLst/>
+          </a:prstGeom>
+          <a:ln w="50800">
+            <a:solidFill>
+              <a:schemeClr val="bg1">
+                <a:lumMod val="75000"/>
+              </a:schemeClr>
+            </a:solidFill>
+            <a:tailEnd type="triangle"/>
+          </a:ln>
+        </p:spPr>
+        <p:style>
+          <a:lnRef idx="1">
+            <a:schemeClr val="accent1"/>
+          </a:lnRef>
+          <a:fillRef idx="0">
+            <a:schemeClr val="accent1"/>
+          </a:fillRef>
+          <a:effectRef idx="0">
+            <a:schemeClr val="accent1"/>
+          </a:effectRef>
+          <a:fontRef idx="minor">
+            <a:schemeClr val="tx1"/>
+          </a:fontRef>
+        </p:style>
+      </p:cxnSp>
+      <p:cxnSp>
+        <p:nvCxnSpPr>
+          <p:cNvPr id="60" name="Straight Arrow Connector 59">
+            <a:extLst>
+              <a:ext uri="{FF2B5EF4-FFF2-40B4-BE49-F238E27FC236}">
+                <a16:creationId xmlns:a16="http://schemas.microsoft.com/office/drawing/2014/main" id="{49BCEBE5-B00A-4CB2-8C6C-29AD81C34785}"/>
+              </a:ext>
+            </a:extLst>
+          </p:cNvPr>
+          <p:cNvCxnSpPr>
+            <a:cxnSpLocks/>
+            <a:stCxn id="14" idx="3"/>
+            <a:endCxn id="16" idx="1"/>
+          </p:cNvCxnSpPr>
+          <p:nvPr/>
+        </p:nvCxnSpPr>
+        <p:spPr>
+          <a:xfrm>
+            <a:off x="6672064" y="3048992"/>
+            <a:ext cx="453011" cy="0"/>
+          </a:xfrm>
+          <a:prstGeom prst="straightConnector1">
+            <a:avLst/>
+          </a:prstGeom>
+          <a:ln w="50800">
+            <a:solidFill>
+              <a:schemeClr val="bg1">
+                <a:lumMod val="75000"/>
+              </a:schemeClr>
+            </a:solidFill>
+            <a:tailEnd type="triangle"/>
+          </a:ln>
+        </p:spPr>
+        <p:style>
+          <a:lnRef idx="1">
+            <a:schemeClr val="accent1"/>
+          </a:lnRef>
+          <a:fillRef idx="0">
+            <a:schemeClr val="accent1"/>
+          </a:fillRef>
+          <a:effectRef idx="0">
+            <a:schemeClr val="accent1"/>
+          </a:effectRef>
+          <a:fontRef idx="minor">
+            <a:schemeClr val="tx1"/>
+          </a:fontRef>
+        </p:style>
+      </p:cxnSp>
+      <p:cxnSp>
+        <p:nvCxnSpPr>
+          <p:cNvPr id="62" name="Straight Arrow Connector 61">
+            <a:extLst>
+              <a:ext uri="{FF2B5EF4-FFF2-40B4-BE49-F238E27FC236}">
+                <a16:creationId xmlns:a16="http://schemas.microsoft.com/office/drawing/2014/main" id="{82083CD0-72D9-4FFB-92E0-CB8F5F561B20}"/>
+              </a:ext>
+            </a:extLst>
+          </p:cNvPr>
+          <p:cNvCxnSpPr>
+            <a:cxnSpLocks/>
+            <a:stCxn id="52" idx="3"/>
+          </p:cNvCxnSpPr>
+          <p:nvPr/>
+        </p:nvCxnSpPr>
+        <p:spPr>
+          <a:xfrm flipV="1">
+            <a:off x="6799068" y="3429000"/>
+            <a:ext cx="449457" cy="814654"/>
+          </a:xfrm>
+          <a:prstGeom prst="straightConnector1">
+            <a:avLst/>
+          </a:prstGeom>
+          <a:ln w="50800">
+            <a:solidFill>
+              <a:srgbClr val="C00000"/>
+            </a:solidFill>
+            <a:tailEnd type="triangle"/>
+          </a:ln>
+        </p:spPr>
+        <p:style>
+          <a:lnRef idx="1">
+            <a:schemeClr val="accent1"/>
+          </a:lnRef>
+          <a:fillRef idx="0">
+            <a:schemeClr val="accent1"/>
+          </a:fillRef>
+          <a:effectRef idx="0">
+            <a:schemeClr val="accent1"/>
+          </a:effectRef>
+          <a:fontRef idx="minor">
+            <a:schemeClr val="tx1"/>
+          </a:fontRef>
+        </p:style>
+      </p:cxnSp>
+      <p:cxnSp>
+        <p:nvCxnSpPr>
+          <p:cNvPr id="64" name="Straight Arrow Connector 63">
+            <a:extLst>
+              <a:ext uri="{FF2B5EF4-FFF2-40B4-BE49-F238E27FC236}">
+                <a16:creationId xmlns:a16="http://schemas.microsoft.com/office/drawing/2014/main" id="{CDB83495-36E2-45FE-9AC8-8DB8E505C80E}"/>
+              </a:ext>
+            </a:extLst>
+          </p:cNvPr>
+          <p:cNvCxnSpPr>
+            <a:stCxn id="16" idx="3"/>
+            <a:endCxn id="18" idx="1"/>
+          </p:cNvCxnSpPr>
+          <p:nvPr/>
+        </p:nvCxnSpPr>
+        <p:spPr>
+          <a:xfrm>
+            <a:off x="8205195" y="3048992"/>
+            <a:ext cx="649116" cy="0"/>
+          </a:xfrm>
+          <a:prstGeom prst="straightConnector1">
+            <a:avLst/>
+          </a:prstGeom>
+          <a:ln w="50800">
+            <a:solidFill>
+              <a:schemeClr val="bg1">
+                <a:lumMod val="75000"/>
+              </a:schemeClr>
+            </a:solidFill>
+            <a:tailEnd type="triangle"/>
+          </a:ln>
+        </p:spPr>
+        <p:style>
+          <a:lnRef idx="1">
+            <a:schemeClr val="accent1"/>
+          </a:lnRef>
+          <a:fillRef idx="0">
+            <a:schemeClr val="accent1"/>
+          </a:fillRef>
+          <a:effectRef idx="0">
+            <a:schemeClr val="accent1"/>
+          </a:effectRef>
+          <a:fontRef idx="minor">
+            <a:schemeClr val="tx1"/>
+          </a:fontRef>
+        </p:style>
+      </p:cxnSp>
+      <p:cxnSp>
+        <p:nvCxnSpPr>
+          <p:cNvPr id="67" name="Straight Arrow Connector 66">
+            <a:extLst>
+              <a:ext uri="{FF2B5EF4-FFF2-40B4-BE49-F238E27FC236}">
+                <a16:creationId xmlns:a16="http://schemas.microsoft.com/office/drawing/2014/main" id="{05261EF5-85A6-43F4-8A65-7849D8274C9B}"/>
+              </a:ext>
+            </a:extLst>
+          </p:cNvPr>
+          <p:cNvCxnSpPr>
+            <a:cxnSpLocks/>
+            <a:endCxn id="17" idx="1"/>
+          </p:cNvCxnSpPr>
+          <p:nvPr/>
+        </p:nvCxnSpPr>
+        <p:spPr>
+          <a:xfrm flipV="1">
+            <a:off x="8055374" y="1839404"/>
+            <a:ext cx="798937" cy="829580"/>
+          </a:xfrm>
+          <a:prstGeom prst="straightConnector1">
+            <a:avLst/>
+          </a:prstGeom>
+          <a:ln w="50800">
+            <a:solidFill>
+              <a:schemeClr val="bg1">
+                <a:lumMod val="75000"/>
+              </a:schemeClr>
+            </a:solidFill>
+            <a:tailEnd type="triangle"/>
+          </a:ln>
+        </p:spPr>
+        <p:style>
+          <a:lnRef idx="1">
+            <a:schemeClr val="accent1"/>
+          </a:lnRef>
+          <a:fillRef idx="0">
+            <a:schemeClr val="accent1"/>
+          </a:fillRef>
+          <a:effectRef idx="0">
+            <a:schemeClr val="accent1"/>
+          </a:effectRef>
+          <a:fontRef idx="minor">
+            <a:schemeClr val="tx1"/>
+          </a:fontRef>
+        </p:style>
+      </p:cxnSp>
+      <p:cxnSp>
+        <p:nvCxnSpPr>
+          <p:cNvPr id="72" name="Straight Arrow Connector 71">
+            <a:extLst>
+              <a:ext uri="{FF2B5EF4-FFF2-40B4-BE49-F238E27FC236}">
+                <a16:creationId xmlns:a16="http://schemas.microsoft.com/office/drawing/2014/main" id="{C86E5719-74F2-42F8-AF99-C7C99526C2DB}"/>
+              </a:ext>
+            </a:extLst>
+          </p:cNvPr>
+          <p:cNvCxnSpPr>
+            <a:endCxn id="19" idx="1"/>
+          </p:cNvCxnSpPr>
+          <p:nvPr/>
+        </p:nvCxnSpPr>
+        <p:spPr>
+          <a:xfrm>
+            <a:off x="8075613" y="3429000"/>
+            <a:ext cx="778698" cy="814654"/>
+          </a:xfrm>
+          <a:prstGeom prst="straightConnector1">
+            <a:avLst/>
+          </a:prstGeom>
+          <a:ln w="50800">
+            <a:solidFill>
+              <a:srgbClr val="C00000"/>
+            </a:solidFill>
+            <a:tailEnd type="triangle"/>
+          </a:ln>
+        </p:spPr>
+        <p:style>
+          <a:lnRef idx="1">
+            <a:schemeClr val="accent1"/>
+          </a:lnRef>
+          <a:fillRef idx="0">
+            <a:schemeClr val="accent1"/>
+          </a:fillRef>
+          <a:effectRef idx="0">
+            <a:schemeClr val="accent1"/>
+          </a:effectRef>
+          <a:fontRef idx="minor">
+            <a:schemeClr val="tx1"/>
+          </a:fontRef>
+        </p:style>
+      </p:cxnSp>
+      <p:cxnSp>
+        <p:nvCxnSpPr>
+          <p:cNvPr id="74" name="Straight Arrow Connector 73">
+            <a:extLst>
+              <a:ext uri="{FF2B5EF4-FFF2-40B4-BE49-F238E27FC236}">
+                <a16:creationId xmlns:a16="http://schemas.microsoft.com/office/drawing/2014/main" id="{B5367E12-0446-4598-86F3-634DD11688CD}"/>
+              </a:ext>
+            </a:extLst>
+          </p:cNvPr>
+          <p:cNvCxnSpPr>
+            <a:stCxn id="17" idx="3"/>
+            <a:endCxn id="20" idx="1"/>
+          </p:cNvCxnSpPr>
+          <p:nvPr/>
+        </p:nvCxnSpPr>
+        <p:spPr>
+          <a:xfrm>
+            <a:off x="9793087" y="1839404"/>
+            <a:ext cx="349953" cy="0"/>
+          </a:xfrm>
+          <a:prstGeom prst="straightConnector1">
+            <a:avLst/>
+          </a:prstGeom>
+          <a:ln w="50800">
+            <a:solidFill>
+              <a:schemeClr val="bg1">
+                <a:lumMod val="75000"/>
+              </a:schemeClr>
+            </a:solidFill>
+            <a:tailEnd type="triangle"/>
+          </a:ln>
+        </p:spPr>
+        <p:style>
+          <a:lnRef idx="1">
+            <a:schemeClr val="accent1"/>
+          </a:lnRef>
+          <a:fillRef idx="0">
+            <a:schemeClr val="accent1"/>
+          </a:fillRef>
+          <a:effectRef idx="0">
+            <a:schemeClr val="accent1"/>
+          </a:effectRef>
+          <a:fontRef idx="minor">
+            <a:schemeClr val="tx1"/>
+          </a:fontRef>
+        </p:style>
+      </p:cxnSp>
+      <p:cxnSp>
+        <p:nvCxnSpPr>
+          <p:cNvPr id="76" name="Straight Arrow Connector 75">
+            <a:extLst>
+              <a:ext uri="{FF2B5EF4-FFF2-40B4-BE49-F238E27FC236}">
+                <a16:creationId xmlns:a16="http://schemas.microsoft.com/office/drawing/2014/main" id="{7D1F215A-F22E-42F0-ACE3-3C4C6FDF1691}"/>
+              </a:ext>
+            </a:extLst>
+          </p:cNvPr>
+          <p:cNvCxnSpPr>
+            <a:stCxn id="18" idx="3"/>
+            <a:endCxn id="21" idx="1"/>
+          </p:cNvCxnSpPr>
+          <p:nvPr/>
+        </p:nvCxnSpPr>
+        <p:spPr>
+          <a:xfrm>
+            <a:off x="9793087" y="3048992"/>
+            <a:ext cx="349953" cy="0"/>
+          </a:xfrm>
+          <a:prstGeom prst="straightConnector1">
+            <a:avLst/>
+          </a:prstGeom>
+          <a:ln w="50800">
+            <a:solidFill>
+              <a:schemeClr val="bg1">
+                <a:lumMod val="75000"/>
+              </a:schemeClr>
+            </a:solidFill>
+            <a:tailEnd type="triangle"/>
+          </a:ln>
+        </p:spPr>
+        <p:style>
+          <a:lnRef idx="1">
+            <a:schemeClr val="accent1"/>
+          </a:lnRef>
+          <a:fillRef idx="0">
+            <a:schemeClr val="accent1"/>
+          </a:fillRef>
+          <a:effectRef idx="0">
+            <a:schemeClr val="accent1"/>
+          </a:effectRef>
+          <a:fontRef idx="minor">
+            <a:schemeClr val="tx1"/>
+          </a:fontRef>
+        </p:style>
+      </p:cxnSp>
+      <p:cxnSp>
+        <p:nvCxnSpPr>
+          <p:cNvPr id="78" name="Straight Arrow Connector 77">
+            <a:extLst>
+              <a:ext uri="{FF2B5EF4-FFF2-40B4-BE49-F238E27FC236}">
+                <a16:creationId xmlns:a16="http://schemas.microsoft.com/office/drawing/2014/main" id="{1C0C7021-88A8-4852-9D44-ED5C51BF97CE}"/>
+              </a:ext>
+            </a:extLst>
+          </p:cNvPr>
+          <p:cNvCxnSpPr>
+            <a:stCxn id="19" idx="3"/>
+            <a:endCxn id="22" idx="1"/>
+          </p:cNvCxnSpPr>
+          <p:nvPr/>
+        </p:nvCxnSpPr>
+        <p:spPr>
+          <a:xfrm>
+            <a:off x="9793087" y="4243654"/>
+            <a:ext cx="349953" cy="0"/>
+          </a:xfrm>
+          <a:prstGeom prst="straightConnector1">
+            <a:avLst/>
+          </a:prstGeom>
+          <a:ln w="50800">
+            <a:solidFill>
+              <a:srgbClr val="C00000"/>
+            </a:solidFill>
+            <a:tailEnd type="triangle"/>
+          </a:ln>
+        </p:spPr>
+        <p:style>
+          <a:lnRef idx="1">
+            <a:schemeClr val="accent1"/>
+          </a:lnRef>
+          <a:fillRef idx="0">
+            <a:schemeClr val="accent1"/>
+          </a:fillRef>
+          <a:effectRef idx="0">
+            <a:schemeClr val="accent1"/>
+          </a:effectRef>
+          <a:fontRef idx="minor">
+            <a:schemeClr val="tx1"/>
+          </a:fontRef>
+        </p:style>
+      </p:cxnSp>
+      <p:sp>
+        <p:nvSpPr>
+          <p:cNvPr id="45" name="Rectangle 44">
+            <a:extLst>
+              <a:ext uri="{FF2B5EF4-FFF2-40B4-BE49-F238E27FC236}">
+                <a16:creationId xmlns:a16="http://schemas.microsoft.com/office/drawing/2014/main" id="{E38074C0-A3B3-4615-BC4B-A64EC69B2D87}"/>
+              </a:ext>
+            </a:extLst>
+          </p:cNvPr>
+          <p:cNvSpPr/>
+          <p:nvPr/>
+        </p:nvSpPr>
+        <p:spPr>
+          <a:xfrm>
+            <a:off x="5072730" y="1479364"/>
+            <a:ext cx="1726338" cy="720080"/>
+          </a:xfrm>
+          <a:prstGeom prst="rect">
+            <a:avLst/>
+          </a:prstGeom>
+          <a:solidFill>
+            <a:schemeClr val="bg1">
+              <a:lumMod val="95000"/>
+            </a:schemeClr>
+          </a:solidFill>
+          <a:ln w="28575">
+            <a:solidFill>
+              <a:schemeClr val="tx1">
+                <a:lumMod val="75000"/>
+                <a:lumOff val="25000"/>
+              </a:schemeClr>
+            </a:solidFill>
+          </a:ln>
+        </p:spPr>
+        <p:style>
+          <a:lnRef idx="2">
+            <a:schemeClr val="accent1">
+              <a:shade val="50000"/>
+            </a:schemeClr>
+          </a:lnRef>
+          <a:fillRef idx="1">
+            <a:schemeClr val="accent1"/>
+          </a:fillRef>
+          <a:effectRef idx="0">
+            <a:schemeClr val="accent1"/>
+          </a:effectRef>
+          <a:fontRef idx="minor">
+            <a:schemeClr val="lt1"/>
+          </a:fontRef>
+        </p:style>
+        <p:txBody>
+          <a:bodyPr rtlCol="0" anchor="ctr"/>
+          <a:lstStyle/>
+          <a:p>
+            <a:pPr algn="ctr"/>
+            <a:r>
+              <a:rPr kumimoji="1" lang="en-US" altLang="ja-JP" sz="1100" b="1" dirty="0">
+                <a:solidFill>
+                  <a:schemeClr val="tx1">
+                    <a:lumMod val="75000"/>
+                    <a:lumOff val="25000"/>
+                  </a:schemeClr>
+                </a:solidFill>
+                <a:latin typeface="游ゴシック Medium" panose="020B0500000000000000" pitchFamily="50" charset="-128"/>
+                <a:ea typeface="游ゴシック Medium" panose="020B0500000000000000" pitchFamily="50" charset="-128"/>
+              </a:rPr>
+              <a:t>View </a:t>
+            </a:r>
+            <a:r>
+              <a:rPr lang="en-US" altLang="ja-JP" sz="1100" b="1" dirty="0">
+                <a:solidFill>
+                  <a:schemeClr val="tx1">
+                    <a:lumMod val="75000"/>
+                    <a:lumOff val="25000"/>
+                  </a:schemeClr>
+                </a:solidFill>
+                <a:latin typeface="游ゴシック Medium" panose="020B0500000000000000" pitchFamily="50" charset="-128"/>
+                <a:ea typeface="游ゴシック Medium" panose="020B0500000000000000" pitchFamily="50" charset="-128"/>
+              </a:rPr>
+              <a:t>Transform</a:t>
+            </a:r>
+          </a:p>
+          <a:p>
+            <a:pPr algn="ctr"/>
+            <a:r>
+              <a:rPr kumimoji="1" lang="en-US" altLang="ja-JP" sz="1100" b="1" dirty="0">
+                <a:solidFill>
+                  <a:schemeClr val="tx1">
+                    <a:lumMod val="75000"/>
+                    <a:lumOff val="25000"/>
+                  </a:schemeClr>
+                </a:solidFill>
+                <a:latin typeface="游ゴシック Medium" panose="020B0500000000000000" pitchFamily="50" charset="-128"/>
+                <a:ea typeface="游ゴシック Medium" panose="020B0500000000000000" pitchFamily="50" charset="-128"/>
+              </a:rPr>
+              <a:t>SDR-VIDEO_BT709_1.1</a:t>
+            </a:r>
+            <a:endParaRPr kumimoji="1" lang="ja-JP" altLang="en-US" sz="1100" b="1" dirty="0">
+              <a:solidFill>
+                <a:schemeClr val="tx1">
+                  <a:lumMod val="75000"/>
+                  <a:lumOff val="25000"/>
+                </a:schemeClr>
+              </a:solidFill>
+              <a:latin typeface="游ゴシック Medium" panose="020B0500000000000000" pitchFamily="50" charset="-128"/>
+              <a:ea typeface="游ゴシック Medium" panose="020B0500000000000000" pitchFamily="50" charset="-128"/>
+            </a:endParaRPr>
+          </a:p>
+        </p:txBody>
+      </p:sp>
+      <p:sp>
+        <p:nvSpPr>
+          <p:cNvPr id="52" name="Rectangle 51">
+            <a:extLst>
+              <a:ext uri="{FF2B5EF4-FFF2-40B4-BE49-F238E27FC236}">
+                <a16:creationId xmlns:a16="http://schemas.microsoft.com/office/drawing/2014/main" id="{07512D3C-3061-44D6-8B6E-1A17CEB2016C}"/>
+              </a:ext>
+            </a:extLst>
+          </p:cNvPr>
+          <p:cNvSpPr/>
+          <p:nvPr/>
+        </p:nvSpPr>
+        <p:spPr>
+          <a:xfrm>
+            <a:off x="5072730" y="3883614"/>
+            <a:ext cx="1726338" cy="720080"/>
+          </a:xfrm>
+          <a:prstGeom prst="rect">
+            <a:avLst/>
+          </a:prstGeom>
+          <a:solidFill>
+            <a:schemeClr val="accent2">
+              <a:lumMod val="20000"/>
+              <a:lumOff val="80000"/>
+            </a:schemeClr>
+          </a:solidFill>
+          <a:ln w="28575">
+            <a:solidFill>
+              <a:schemeClr val="tx1">
+                <a:lumMod val="75000"/>
+                <a:lumOff val="25000"/>
+              </a:schemeClr>
+            </a:solidFill>
+          </a:ln>
+        </p:spPr>
+        <p:style>
+          <a:lnRef idx="2">
+            <a:schemeClr val="accent1">
+              <a:shade val="50000"/>
+            </a:schemeClr>
+          </a:lnRef>
+          <a:fillRef idx="1">
+            <a:schemeClr val="accent1"/>
+          </a:fillRef>
+          <a:effectRef idx="0">
+            <a:schemeClr val="accent1"/>
+          </a:effectRef>
+          <a:fontRef idx="minor">
+            <a:schemeClr val="lt1"/>
+          </a:fontRef>
+        </p:style>
+        <p:txBody>
+          <a:bodyPr rtlCol="0" anchor="ctr"/>
+          <a:lstStyle/>
+          <a:p>
+            <a:pPr algn="ctr"/>
+            <a:r>
+              <a:rPr kumimoji="1" lang="en-US" altLang="ja-JP" sz="1100" b="1" dirty="0">
+                <a:solidFill>
+                  <a:schemeClr val="tx1">
+                    <a:lumMod val="75000"/>
+                    <a:lumOff val="25000"/>
+                  </a:schemeClr>
+                </a:solidFill>
+                <a:latin typeface="游ゴシック Medium" panose="020B0500000000000000" pitchFamily="50" charset="-128"/>
+                <a:ea typeface="游ゴシック Medium" panose="020B0500000000000000" pitchFamily="50" charset="-128"/>
+              </a:rPr>
+              <a:t>View </a:t>
+            </a:r>
+            <a:r>
+              <a:rPr lang="en-US" altLang="ja-JP" sz="1100" b="1" dirty="0">
+                <a:solidFill>
+                  <a:schemeClr val="tx1">
+                    <a:lumMod val="75000"/>
+                    <a:lumOff val="25000"/>
+                  </a:schemeClr>
+                </a:solidFill>
+                <a:latin typeface="游ゴシック Medium" panose="020B0500000000000000" pitchFamily="50" charset="-128"/>
+                <a:ea typeface="游ゴシック Medium" panose="020B0500000000000000" pitchFamily="50" charset="-128"/>
+              </a:rPr>
+              <a:t>Transform</a:t>
+            </a:r>
+          </a:p>
+          <a:p>
+            <a:pPr algn="ctr"/>
+            <a:r>
+              <a:rPr kumimoji="1" lang="en-US" altLang="ja-JP" sz="1100" b="1" dirty="0">
+                <a:solidFill>
+                  <a:schemeClr val="tx1">
+                    <a:lumMod val="75000"/>
+                    <a:lumOff val="25000"/>
+                  </a:schemeClr>
+                </a:solidFill>
+                <a:latin typeface="游ゴシック Medium" panose="020B0500000000000000" pitchFamily="50" charset="-128"/>
+                <a:ea typeface="游ゴシック Medium" panose="020B0500000000000000" pitchFamily="50" charset="-128"/>
+              </a:rPr>
+              <a:t>Luminance_Map_4000nit BT1886-BT709</a:t>
+            </a:r>
+            <a:endParaRPr kumimoji="1" lang="ja-JP" altLang="en-US" sz="1100" b="1" dirty="0">
+              <a:solidFill>
+                <a:schemeClr val="tx1">
+                  <a:lumMod val="75000"/>
+                  <a:lumOff val="25000"/>
+                </a:schemeClr>
+              </a:solidFill>
+              <a:latin typeface="游ゴシック Medium" panose="020B0500000000000000" pitchFamily="50" charset="-128"/>
+              <a:ea typeface="游ゴシック Medium" panose="020B0500000000000000" pitchFamily="50" charset="-128"/>
+            </a:endParaRPr>
+          </a:p>
+        </p:txBody>
+      </p:sp>
+      <p:sp>
+        <p:nvSpPr>
+          <p:cNvPr id="41" name="Rectangle: Rounded Corners 40">
+            <a:extLst>
+              <a:ext uri="{FF2B5EF4-FFF2-40B4-BE49-F238E27FC236}">
+                <a16:creationId xmlns:a16="http://schemas.microsoft.com/office/drawing/2014/main" id="{D51204EC-3CE1-4897-ADD9-5E7EA0E65AC7}"/>
+              </a:ext>
+            </a:extLst>
+          </p:cNvPr>
+          <p:cNvSpPr/>
+          <p:nvPr/>
+        </p:nvSpPr>
+        <p:spPr>
+          <a:xfrm>
+            <a:off x="5597866" y="2035963"/>
+            <a:ext cx="4134538" cy="338142"/>
+          </a:xfrm>
+          <a:prstGeom prst="roundRect">
+            <a:avLst>
+              <a:gd name="adj" fmla="val 40076"/>
+            </a:avLst>
+          </a:prstGeom>
+          <a:ln>
+            <a:noFill/>
+          </a:ln>
+        </p:spPr>
+        <p:style>
+          <a:lnRef idx="2">
+            <a:schemeClr val="accent1">
+              <a:shade val="50000"/>
+            </a:schemeClr>
+          </a:lnRef>
+          <a:fillRef idx="1">
+            <a:schemeClr val="accent1"/>
+          </a:fillRef>
+          <a:effectRef idx="0">
+            <a:schemeClr val="accent1"/>
+          </a:effectRef>
+          <a:fontRef idx="minor">
+            <a:schemeClr val="lt1"/>
+          </a:fontRef>
+        </p:style>
+        <p:txBody>
+          <a:bodyPr rtlCol="0" anchor="ctr"/>
+          <a:lstStyle/>
+          <a:p>
+            <a:pPr algn="ctr"/>
+            <a:r>
+              <a:rPr lang="en-US" altLang="ja-JP" sz="1600" b="1" dirty="0">
+                <a:latin typeface="游ゴシック Medium" panose="020B0500000000000000" pitchFamily="50" charset="-128"/>
+                <a:ea typeface="游ゴシック Medium" panose="020B0500000000000000" pitchFamily="50" charset="-128"/>
+              </a:rPr>
+              <a:t>Luminance_Map_4000nit BT1886-BT709</a:t>
+            </a:r>
+            <a:endParaRPr lang="ja-JP" altLang="en-US" sz="1600" b="1" dirty="0">
+              <a:latin typeface="游ゴシック Medium" panose="020B0500000000000000" pitchFamily="50" charset="-128"/>
+              <a:ea typeface="游ゴシック Medium" panose="020B0500000000000000" pitchFamily="50" charset="-128"/>
+            </a:endParaRPr>
+          </a:p>
+        </p:txBody>
+      </p:sp>
+      <p:sp>
+        <p:nvSpPr>
+          <p:cNvPr id="2" name="Freeform: Shape 1">
+            <a:extLst>
+              <a:ext uri="{FF2B5EF4-FFF2-40B4-BE49-F238E27FC236}">
+                <a16:creationId xmlns:a16="http://schemas.microsoft.com/office/drawing/2014/main" id="{D95600F0-8A1C-4107-B586-9131631FFD12}"/>
+              </a:ext>
+            </a:extLst>
+          </p:cNvPr>
+          <p:cNvSpPr/>
+          <p:nvPr/>
+        </p:nvSpPr>
+        <p:spPr>
+          <a:xfrm>
+            <a:off x="4848664" y="2422818"/>
+            <a:ext cx="5063759" cy="2280480"/>
+          </a:xfrm>
+          <a:custGeom>
+            <a:avLst/>
+            <a:gdLst>
+              <a:gd name="connsiteX0" fmla="*/ 0 w 5059680"/>
+              <a:gd name="connsiteY0" fmla="*/ 1266092 h 2302412"/>
+              <a:gd name="connsiteX1" fmla="*/ 2096086 w 5059680"/>
+              <a:gd name="connsiteY1" fmla="*/ 1266092 h 2302412"/>
+              <a:gd name="connsiteX2" fmla="*/ 2096086 w 5059680"/>
+              <a:gd name="connsiteY2" fmla="*/ 0 h 2302412"/>
+              <a:gd name="connsiteX3" fmla="*/ 3643532 w 5059680"/>
+              <a:gd name="connsiteY3" fmla="*/ 0 h 2302412"/>
+              <a:gd name="connsiteX4" fmla="*/ 3643532 w 5059680"/>
+              <a:gd name="connsiteY4" fmla="*/ 1242646 h 2302412"/>
+              <a:gd name="connsiteX5" fmla="*/ 5059680 w 5059680"/>
+              <a:gd name="connsiteY5" fmla="*/ 1242646 h 2302412"/>
+              <a:gd name="connsiteX6" fmla="*/ 5059680 w 5059680"/>
+              <a:gd name="connsiteY6" fmla="*/ 2302412 h 2302412"/>
+              <a:gd name="connsiteX7" fmla="*/ 23446 w 5059680"/>
+              <a:gd name="connsiteY7" fmla="*/ 2302412 h 2302412"/>
+              <a:gd name="connsiteX8" fmla="*/ 0 w 5059680"/>
+              <a:gd name="connsiteY8" fmla="*/ 1266092 h 2302412"/>
+            </a:gdLst>
+            <a:ahLst/>
+            <a:cxnLst>
+              <a:cxn ang="0">
+                <a:pos x="connsiteX0" y="connsiteY0"/>
+              </a:cxn>
+              <a:cxn ang="0">
+                <a:pos x="connsiteX1" y="connsiteY1"/>
+              </a:cxn>
+              <a:cxn ang="0">
+                <a:pos x="connsiteX2" y="connsiteY2"/>
+              </a:cxn>
+              <a:cxn ang="0">
+                <a:pos x="connsiteX3" y="connsiteY3"/>
+              </a:cxn>
+              <a:cxn ang="0">
+                <a:pos x="connsiteX4" y="connsiteY4"/>
+              </a:cxn>
+              <a:cxn ang="0">
+                <a:pos x="connsiteX5" y="connsiteY5"/>
+              </a:cxn>
+              <a:cxn ang="0">
+                <a:pos x="connsiteX6" y="connsiteY6"/>
+              </a:cxn>
+              <a:cxn ang="0">
+                <a:pos x="connsiteX7" y="connsiteY7"/>
+              </a:cxn>
+              <a:cxn ang="0">
+                <a:pos x="connsiteX8" y="connsiteY8"/>
+              </a:cxn>
+            </a:cxnLst>
+            <a:rect l="l" t="t" r="r" b="b"/>
+            <a:pathLst>
+              <a:path w="5059680" h="2302412">
+                <a:moveTo>
+                  <a:pt x="0" y="1266092"/>
+                </a:moveTo>
+                <a:lnTo>
+                  <a:pt x="2096086" y="1266092"/>
+                </a:lnTo>
+                <a:lnTo>
+                  <a:pt x="2096086" y="0"/>
+                </a:lnTo>
+                <a:lnTo>
+                  <a:pt x="3643532" y="0"/>
+                </a:lnTo>
+                <a:lnTo>
+                  <a:pt x="3643532" y="1242646"/>
+                </a:lnTo>
+                <a:lnTo>
+                  <a:pt x="5059680" y="1242646"/>
+                </a:lnTo>
+                <a:lnTo>
+                  <a:pt x="5059680" y="2302412"/>
+                </a:lnTo>
+                <a:lnTo>
+                  <a:pt x="23446" y="2302412"/>
+                </a:lnTo>
+                <a:lnTo>
+                  <a:pt x="0" y="1266092"/>
+                </a:lnTo>
+                <a:close/>
+              </a:path>
+            </a:pathLst>
+          </a:custGeom>
+          <a:solidFill>
+            <a:srgbClr val="0070C0">
+              <a:alpha val="10000"/>
+            </a:srgbClr>
+          </a:solidFill>
+          <a:ln w="38100">
+            <a:solidFill>
+              <a:schemeClr val="accent5">
+                <a:lumMod val="75000"/>
+              </a:schemeClr>
+            </a:solidFill>
+            <a:prstDash val="dash"/>
+          </a:ln>
+        </p:spPr>
+        <p:style>
+          <a:lnRef idx="2">
+            <a:schemeClr val="accent1">
+              <a:shade val="50000"/>
+            </a:schemeClr>
+          </a:lnRef>
+          <a:fillRef idx="1">
+            <a:schemeClr val="accent1"/>
+          </a:fillRef>
+          <a:effectRef idx="0">
+            <a:schemeClr val="accent1"/>
+          </a:effectRef>
+          <a:fontRef idx="minor">
+            <a:schemeClr val="lt1"/>
+          </a:fontRef>
+        </p:style>
+        <p:txBody>
+          <a:bodyPr rtlCol="0" anchor="ctr"/>
+          <a:lstStyle/>
+          <a:p>
+            <a:pPr algn="ctr"/>
+            <a:endParaRPr lang="ja-JP" altLang="en-US"/>
+          </a:p>
+        </p:txBody>
+      </p:sp>
+    </p:spTree>
+    <p:extLst>
+      <p:ext uri="{BB962C8B-B14F-4D97-AF65-F5344CB8AC3E}">
+        <p14:creationId xmlns:p14="http://schemas.microsoft.com/office/powerpoint/2010/main" val="1088199502"/>
+      </p:ext>
+    </p:extLst>
+  </p:cSld>
+  <p:clrMapOvr>
+    <a:masterClrMapping/>
+  </p:clrMapOvr>
+</p:sld>
+</file>
+
 <file path=ppt/theme/theme1.xml><?xml version="1.0" encoding="utf-8"?>
 <a:theme xmlns:a="http://schemas.openxmlformats.org/drawingml/2006/main" name="Office Theme">
   <a:themeElements>
